--- a/CPSC-24500/Week08/2017SpringW08Slides.pptx
+++ b/CPSC-24500/Week08/2017SpringW08Slides.pptx
@@ -8577,7 +8577,7 @@
             </a:pPr>
             <a:r>
               <a:rPr lang="en-US" sz="2000" dirty="0"/>
-              <a:t>Review .NET (C#) framework as it relates to database usage and architectural decisions</a:t>
+              <a:t>Introduce network programming concepts </a:t>
             </a:r>
           </a:p>
           <a:p>
@@ -8587,7 +8587,7 @@
             </a:pPr>
             <a:r>
               <a:rPr lang="en-US" sz="2000" dirty="0"/>
-              <a:t>Introduce network programming concepts </a:t>
+              <a:t>Understand Web Services network programming</a:t>
             </a:r>
           </a:p>
           <a:p>
@@ -8597,17 +8597,7 @@
             </a:pPr>
             <a:r>
               <a:rPr lang="en-US" sz="2000" dirty="0"/>
-              <a:t>Understand Web Services network programming</a:t>
-            </a:r>
-          </a:p>
-          <a:p>
-            <a:pPr marL="457200" indent="-457200">
-              <a:buFont typeface="+mj-lt"/>
-              <a:buAutoNum type="arabicPeriod"/>
-            </a:pPr>
-            <a:r>
-              <a:rPr lang="en-US" sz="2000" dirty="0"/>
-              <a:t>Develop a middle-tier interactive server using network programming and Web Services</a:t>
+              <a:t>Develop a middle-tier data server using network programming</a:t>
             </a:r>
           </a:p>
         </p:txBody>
@@ -9622,7 +9612,7 @@
             </a:pPr>
             <a:r>
               <a:rPr lang="en-US" sz="2000" dirty="0"/>
-              <a:t>Review .NET (C#) framework as it relates to database usage and architectural decisions</a:t>
+              <a:t>Introduce network programming concepts </a:t>
             </a:r>
           </a:p>
           <a:p>
@@ -9632,7 +9622,7 @@
             </a:pPr>
             <a:r>
               <a:rPr lang="en-US" sz="2000" dirty="0"/>
-              <a:t>Introduce network programming concepts </a:t>
+              <a:t>Understand Web Services network programming</a:t>
             </a:r>
           </a:p>
           <a:p>
@@ -9642,17 +9632,7 @@
             </a:pPr>
             <a:r>
               <a:rPr lang="en-US" sz="2000" dirty="0"/>
-              <a:t>Understand Web Services network programming</a:t>
-            </a:r>
-          </a:p>
-          <a:p>
-            <a:pPr marL="457200" indent="-457200">
-              <a:buFont typeface="+mj-lt"/>
-              <a:buAutoNum type="arabicPeriod"/>
-            </a:pPr>
-            <a:r>
-              <a:rPr lang="en-US" sz="2000" dirty="0"/>
-              <a:t>Develop a middle-tier interactive server using network programming and Web Services</a:t>
+              <a:t>Develop a middle-tier data server using network programming</a:t>
             </a:r>
           </a:p>
         </p:txBody>
@@ -13410,7 +13390,7 @@
             </a:pPr>
             <a:r>
               <a:rPr lang="en-US" sz="2000" dirty="0"/>
-              <a:t>Review .NET (C#) framework as it relates to database usage and architectural decisions</a:t>
+              <a:t>Introduce network programming concepts </a:t>
             </a:r>
           </a:p>
           <a:p>
@@ -13420,7 +13400,7 @@
             </a:pPr>
             <a:r>
               <a:rPr lang="en-US" sz="2000" dirty="0"/>
-              <a:t>Introduce network programming concepts </a:t>
+              <a:t>Understand Web Services network programming</a:t>
             </a:r>
           </a:p>
           <a:p>
@@ -13430,17 +13410,7 @@
             </a:pPr>
             <a:r>
               <a:rPr lang="en-US" sz="2000" dirty="0"/>
-              <a:t>Understand Web Services network programming</a:t>
-            </a:r>
-          </a:p>
-          <a:p>
-            <a:pPr marL="457200" indent="-457200">
-              <a:buFont typeface="+mj-lt"/>
-              <a:buAutoNum type="arabicPeriod"/>
-            </a:pPr>
-            <a:r>
-              <a:rPr lang="en-US" sz="2000" dirty="0"/>
-              <a:t>Develop a middle-tier interactive server using network programming and Web Services</a:t>
+              <a:t>Develop a middle-tier data server using network programming</a:t>
             </a:r>
           </a:p>
         </p:txBody>
@@ -15571,13 +15541,13 @@
 <file path=customXml/itemProps3.xml><?xml version="1.0" encoding="utf-8"?>
 <ds:datastoreItem xmlns:ds="http://schemas.openxmlformats.org/officeDocument/2006/customXml" ds:itemID="{3473EA1A-2744-48E8-B2A3-4F89C0FC849C}">
   <ds:schemaRefs>
+    <ds:schemaRef ds:uri="http://schemas.microsoft.com/office/2006/documentManagement/types"/>
+    <ds:schemaRef ds:uri="http://purl.org/dc/elements/1.1/"/>
+    <ds:schemaRef ds:uri="http://schemas.microsoft.com/office/2006/metadata/properties"/>
     <ds:schemaRef ds:uri="http://purl.org/dc/terms/"/>
     <ds:schemaRef ds:uri="http://schemas.openxmlformats.org/package/2006/metadata/core-properties"/>
     <ds:schemaRef ds:uri="http://purl.org/dc/dcmitype/"/>
     <ds:schemaRef ds:uri="http://schemas.microsoft.com/office/infopath/2007/PartnerControls"/>
-    <ds:schemaRef ds:uri="http://schemas.microsoft.com/office/2006/documentManagement/types"/>
-    <ds:schemaRef ds:uri="http://purl.org/dc/elements/1.1/"/>
-    <ds:schemaRef ds:uri="http://schemas.microsoft.com/office/2006/metadata/properties"/>
     <ds:schemaRef ds:uri="http://www.w3.org/XML/1998/namespace"/>
   </ds:schemaRefs>
 </ds:datastoreItem>

--- a/CPSC-24500/Week08/2017SpringW08Slides.pptx
+++ b/CPSC-24500/Week08/2017SpringW08Slides.pptx
@@ -25,12 +25,12 @@
     <p:sldId id="556" r:id="rId19"/>
     <p:sldId id="557" r:id="rId20"/>
     <p:sldId id="566" r:id="rId21"/>
-    <p:sldId id="565" r:id="rId22"/>
-    <p:sldId id="528" r:id="rId23"/>
-    <p:sldId id="529" r:id="rId24"/>
-    <p:sldId id="530" r:id="rId25"/>
-    <p:sldId id="532" r:id="rId26"/>
-    <p:sldId id="467" r:id="rId27"/>
+    <p:sldId id="467" r:id="rId22"/>
+    <p:sldId id="565" r:id="rId23"/>
+    <p:sldId id="528" r:id="rId24"/>
+    <p:sldId id="529" r:id="rId25"/>
+    <p:sldId id="530" r:id="rId26"/>
+    <p:sldId id="532" r:id="rId27"/>
     <p:sldId id="535" r:id="rId28"/>
     <p:sldId id="537" r:id="rId29"/>
     <p:sldId id="475" r:id="rId30"/>
@@ -1422,10 +1422,7 @@
           <a:bodyPr/>
           <a:lstStyle/>
           <a:p>
-            <a:r>
-              <a:rPr lang="en-US" sz="1000" dirty="0"/>
-              <a:t>There are a multitude of network and Internet protocols. It is beyond the scope of this class to cover them in detail. </a:t>
-            </a:r>
+            <a:endParaRPr lang="en-US" dirty="0"/>
           </a:p>
         </p:txBody>
       </p:sp>
@@ -1446,7 +1443,7 @@
           <a:p>
             <a:fld id="{5394DE12-7B9B-46AA-AC19-C30A49928B9B}" type="slidenum">
               <a:rPr lang="en-US" smtClean="0"/>
-              <a:t>19</a:t>
+              <a:t>18</a:t>
             </a:fld>
             <a:endParaRPr lang="en-US" dirty="0"/>
           </a:p>
@@ -1455,7 +1452,7 @@
     </p:spTree>
     <p:extLst>
       <p:ext uri="{BB962C8B-B14F-4D97-AF65-F5344CB8AC3E}">
-        <p14:creationId xmlns:p14="http://schemas.microsoft.com/office/powerpoint/2010/main" val="2274865983"/>
+        <p14:creationId xmlns:p14="http://schemas.microsoft.com/office/powerpoint/2010/main" val="4141110217"/>
       </p:ext>
     </p:extLst>
   </p:cSld>
@@ -1509,7 +1506,10 @@
           <a:bodyPr/>
           <a:lstStyle/>
           <a:p>
-            <a:endParaRPr lang="en-US" sz="1000" dirty="0"/>
+            <a:r>
+              <a:rPr lang="en-US" sz="1000" dirty="0"/>
+              <a:t>There are a multitude of network and Internet protocols. It is beyond the scope of this class to cover them in detail. </a:t>
+            </a:r>
           </a:p>
         </p:txBody>
       </p:sp>
@@ -1539,7 +1539,7 @@
     </p:spTree>
     <p:extLst>
       <p:ext uri="{BB962C8B-B14F-4D97-AF65-F5344CB8AC3E}">
-        <p14:creationId xmlns:p14="http://schemas.microsoft.com/office/powerpoint/2010/main" val="3500338554"/>
+        <p14:creationId xmlns:p14="http://schemas.microsoft.com/office/powerpoint/2010/main" val="2274865983"/>
       </p:ext>
     </p:extLst>
   </p:cSld>
@@ -1749,10 +1749,7 @@
           <a:bodyPr/>
           <a:lstStyle/>
           <a:p>
-            <a:r>
-              <a:rPr lang="en-US" sz="1000" dirty="0"/>
-              <a:t>JSON is an open-standard format that uses human-readable text to transmit data objects consisting of attribute–value pairs. It is a very common data format used for asynchronous browser/server communication, including as a replacement for XML in some web service style systems.</a:t>
-            </a:r>
+            <a:endParaRPr lang="en-US" sz="1000" dirty="0"/>
           </a:p>
         </p:txBody>
       </p:sp>
@@ -1782,7 +1779,7 @@
     </p:spTree>
     <p:extLst>
       <p:ext uri="{BB962C8B-B14F-4D97-AF65-F5344CB8AC3E}">
-        <p14:creationId xmlns:p14="http://schemas.microsoft.com/office/powerpoint/2010/main" val="3725862862"/>
+        <p14:creationId xmlns:p14="http://schemas.microsoft.com/office/powerpoint/2010/main" val="3500338554"/>
       </p:ext>
     </p:extLst>
   </p:cSld>
@@ -1836,7 +1833,10 @@
           <a:bodyPr/>
           <a:lstStyle/>
           <a:p>
-            <a:endParaRPr lang="en-US" sz="1000" dirty="0"/>
+            <a:r>
+              <a:rPr lang="en-US" sz="1000" dirty="0"/>
+              <a:t>JSON is an open-standard format that uses human-readable text to transmit data objects consisting of attribute–value pairs. It is a very common data format used for asynchronous browser/server communication, including as a replacement for XML in some web service style systems.</a:t>
+            </a:r>
           </a:p>
         </p:txBody>
       </p:sp>
@@ -1859,14 +1859,14 @@
               <a:rPr lang="en-US" smtClean="0"/>
               <a:t>22</a:t>
             </a:fld>
-            <a:endParaRPr lang="en-US"/>
+            <a:endParaRPr lang="en-US" dirty="0"/>
           </a:p>
         </p:txBody>
       </p:sp>
     </p:spTree>
     <p:extLst>
       <p:ext uri="{BB962C8B-B14F-4D97-AF65-F5344CB8AC3E}">
-        <p14:creationId xmlns:p14="http://schemas.microsoft.com/office/powerpoint/2010/main" val="3587230456"/>
+        <p14:creationId xmlns:p14="http://schemas.microsoft.com/office/powerpoint/2010/main" val="3725862862"/>
       </p:ext>
     </p:extLst>
   </p:cSld>
@@ -1920,7 +1920,7 @@
           <a:bodyPr/>
           <a:lstStyle/>
           <a:p>
-            <a:endParaRPr lang="en-US" dirty="0"/>
+            <a:endParaRPr lang="en-US" sz="1000" dirty="0"/>
           </a:p>
         </p:txBody>
       </p:sp>
@@ -1943,14 +1943,14 @@
               <a:rPr lang="en-US" smtClean="0"/>
               <a:t>23</a:t>
             </a:fld>
-            <a:endParaRPr lang="en-US" dirty="0"/>
+            <a:endParaRPr lang="en-US"/>
           </a:p>
         </p:txBody>
       </p:sp>
     </p:spTree>
     <p:extLst>
       <p:ext uri="{BB962C8B-B14F-4D97-AF65-F5344CB8AC3E}">
-        <p14:creationId xmlns:p14="http://schemas.microsoft.com/office/powerpoint/2010/main" val="4141110217"/>
+        <p14:creationId xmlns:p14="http://schemas.microsoft.com/office/powerpoint/2010/main" val="3587230456"/>
       </p:ext>
     </p:extLst>
   </p:cSld>
@@ -9653,6 +9653,16 @@
 <file path=ppt/slides/slide18.xml><?xml version="1.0" encoding="utf-8"?>
 <p:sld xmlns:a="http://schemas.openxmlformats.org/drawingml/2006/main" xmlns:r="http://schemas.openxmlformats.org/officeDocument/2006/relationships" xmlns:p="http://schemas.openxmlformats.org/presentationml/2006/main">
   <p:cSld>
+    <p:bg>
+      <p:bgPr>
+        <a:solidFill>
+          <a:schemeClr val="bg1">
+            <a:lumMod val="75000"/>
+          </a:schemeClr>
+        </a:solidFill>
+        <a:effectLst/>
+      </p:bgPr>
+    </p:bg>
     <p:spTree>
       <p:nvGrpSpPr>
         <p:cNvPr id="1" name=""/>
@@ -9674,41 +9684,83 @@
             <a:spLocks noGrp="1"/>
           </p:cNvSpPr>
           <p:nvPr>
-            <p:ph type="title"/>
-          </p:nvPr>
-        </p:nvSpPr>
-        <p:spPr/>
-        <p:txBody>
-          <a:bodyPr/>
-          <a:lstStyle/>
-          <a:p>
-            <a:endParaRPr lang="en-US"/>
-          </a:p>
-        </p:txBody>
-      </p:sp>
-      <p:sp>
-        <p:nvSpPr>
-          <p:cNvPr id="3" name="Content Placeholder 2"/>
-          <p:cNvSpPr>
-            <a:spLocks noGrp="1"/>
-          </p:cNvSpPr>
-          <p:nvPr>
-            <p:ph idx="1"/>
-          </p:nvPr>
-        </p:nvSpPr>
-        <p:spPr/>
-        <p:txBody>
-          <a:bodyPr/>
-          <a:lstStyle/>
-          <a:p>
-            <a:endParaRPr lang="en-US"/>
+            <p:ph type="ctrTitle"/>
+          </p:nvPr>
+        </p:nvSpPr>
+        <p:spPr>
+          <a:xfrm>
+            <a:off x="1524000" y="1122363"/>
+            <a:ext cx="9144000" cy="2387600"/>
+          </a:xfrm>
+        </p:spPr>
+        <p:txBody>
+          <a:bodyPr>
+            <a:normAutofit/>
+          </a:bodyPr>
+          <a:lstStyle/>
+          <a:p>
+            <a:r>
+              <a:rPr lang="en-US" sz="4800" dirty="0"/>
+              <a:t>End of Session</a:t>
+            </a:r>
+          </a:p>
+        </p:txBody>
+      </p:sp>
+      <p:sp>
+        <p:nvSpPr>
+          <p:cNvPr id="3" name="Subtitle 2"/>
+          <p:cNvSpPr>
+            <a:spLocks noGrp="1"/>
+          </p:cNvSpPr>
+          <p:nvPr>
+            <p:ph type="subTitle" idx="1"/>
+          </p:nvPr>
+        </p:nvSpPr>
+        <p:spPr>
+          <a:xfrm>
+            <a:off x="1524000" y="3602038"/>
+            <a:ext cx="9144000" cy="2198022"/>
+          </a:xfrm>
+        </p:spPr>
+        <p:txBody>
+          <a:bodyPr>
+            <a:normAutofit/>
+          </a:bodyPr>
+          <a:lstStyle/>
+          <a:p>
+            <a:pPr algn="l"/>
+            <a:r>
+              <a:rPr lang="en-US" dirty="0"/>
+              <a:t>Course Number: CPSC-24500</a:t>
+            </a:r>
+          </a:p>
+          <a:p>
+            <a:pPr algn="l"/>
+            <a:r>
+              <a:rPr lang="en-US" dirty="0"/>
+              <a:t>Week: 8</a:t>
+            </a:r>
+          </a:p>
+          <a:p>
+            <a:pPr algn="l"/>
+            <a:r>
+              <a:rPr lang="en-US" dirty="0"/>
+              <a:t>Session: 1</a:t>
+            </a:r>
+          </a:p>
+          <a:p>
+            <a:pPr algn="l"/>
+            <a:r>
+              <a:rPr lang="en-US" dirty="0"/>
+              <a:t>Instructor: Eric Pogue</a:t>
+            </a:r>
           </a:p>
         </p:txBody>
       </p:sp>
     </p:spTree>
     <p:extLst>
       <p:ext uri="{BB962C8B-B14F-4D97-AF65-F5344CB8AC3E}">
-        <p14:creationId xmlns:p14="http://schemas.microsoft.com/office/powerpoint/2010/main" val="2633757527"/>
+        <p14:creationId xmlns:p14="http://schemas.microsoft.com/office/powerpoint/2010/main" val="1130818612"/>
       </p:ext>
     </p:extLst>
   </p:cSld>
@@ -9747,15 +9799,10 @@
         </p:nvSpPr>
         <p:spPr/>
         <p:txBody>
-          <a:bodyPr>
-            <a:normAutofit/>
-          </a:bodyPr>
-          <a:lstStyle/>
-          <a:p>
-            <a:r>
-              <a:rPr lang="en-US" sz="3600" dirty="0"/>
-              <a:t>Download documents from remote Web (HTTP) servers</a:t>
-            </a:r>
+          <a:bodyPr/>
+          <a:lstStyle/>
+          <a:p>
+            <a:endParaRPr lang="en-US"/>
           </a:p>
         </p:txBody>
       </p:sp>
@@ -9769,64 +9816,19 @@
             <p:ph idx="1"/>
           </p:nvPr>
         </p:nvSpPr>
-        <p:spPr>
-          <a:xfrm>
-            <a:off x="838198" y="1525772"/>
-            <a:ext cx="10515601" cy="4651191"/>
-          </a:xfrm>
-        </p:spPr>
-        <p:txBody>
-          <a:bodyPr>
-            <a:noAutofit/>
-          </a:bodyPr>
-          <a:lstStyle/>
-          <a:p>
-            <a:pPr marL="0" indent="0">
-              <a:buNone/>
-            </a:pPr>
-            <a:r>
-              <a:rPr lang="en-US" sz="2000" dirty="0"/>
-              <a:t>Multiple .NET (C#) classes and methods are provided that wrap various network protocols. For Web (HTTP) the .NET environment provides the </a:t>
-            </a:r>
-            <a:r>
-              <a:rPr lang="en-US" sz="2000" dirty="0" err="1"/>
-              <a:t>WebClient</a:t>
-            </a:r>
-            <a:r>
-              <a:rPr lang="en-US" sz="2000" dirty="0"/>
-              <a:t> class which:</a:t>
-            </a:r>
-          </a:p>
-          <a:p>
-            <a:r>
-              <a:rPr lang="en-US" sz="2000" dirty="0"/>
-              <a:t>Is most often used to retrieve files</a:t>
-            </a:r>
-          </a:p>
-          <a:p>
-            <a:r>
-              <a:rPr lang="en-US" sz="2000" dirty="0"/>
-              <a:t>Can access multiple Internet file types including HTML, XML, JSON, etc.</a:t>
-            </a:r>
-          </a:p>
-          <a:p>
-            <a:r>
-              <a:rPr lang="en-US" sz="2000" dirty="0"/>
-              <a:t>Utilized HTTP or HTTPs for communication</a:t>
-            </a:r>
-          </a:p>
-          <a:p>
-            <a:pPr marL="0" indent="0">
-              <a:buNone/>
-            </a:pPr>
-            <a:endParaRPr lang="en-US" sz="2000" dirty="0"/>
+        <p:spPr/>
+        <p:txBody>
+          <a:bodyPr/>
+          <a:lstStyle/>
+          <a:p>
+            <a:endParaRPr lang="en-US"/>
           </a:p>
         </p:txBody>
       </p:sp>
     </p:spTree>
     <p:extLst>
       <p:ext uri="{BB962C8B-B14F-4D97-AF65-F5344CB8AC3E}">
-        <p14:creationId xmlns:p14="http://schemas.microsoft.com/office/powerpoint/2010/main" val="1853768632"/>
+        <p14:creationId xmlns:p14="http://schemas.microsoft.com/office/powerpoint/2010/main" val="2633757527"/>
       </p:ext>
     </p:extLst>
   </p:cSld>
@@ -9935,6 +9937,124 @@
 </file>
 
 <file path=ppt/slides/slide20.xml><?xml version="1.0" encoding="utf-8"?>
+<p:sld xmlns:a="http://schemas.openxmlformats.org/drawingml/2006/main" xmlns:r="http://schemas.openxmlformats.org/officeDocument/2006/relationships" xmlns:p="http://schemas.openxmlformats.org/presentationml/2006/main">
+  <p:cSld>
+    <p:spTree>
+      <p:nvGrpSpPr>
+        <p:cNvPr id="1" name=""/>
+        <p:cNvGrpSpPr/>
+        <p:nvPr/>
+      </p:nvGrpSpPr>
+      <p:grpSpPr>
+        <a:xfrm>
+          <a:off x="0" y="0"/>
+          <a:ext cx="0" cy="0"/>
+          <a:chOff x="0" y="0"/>
+          <a:chExt cx="0" cy="0"/>
+        </a:xfrm>
+      </p:grpSpPr>
+      <p:sp>
+        <p:nvSpPr>
+          <p:cNvPr id="2" name="Title 1"/>
+          <p:cNvSpPr>
+            <a:spLocks noGrp="1"/>
+          </p:cNvSpPr>
+          <p:nvPr>
+            <p:ph type="title"/>
+          </p:nvPr>
+        </p:nvSpPr>
+        <p:spPr/>
+        <p:txBody>
+          <a:bodyPr>
+            <a:normAutofit/>
+          </a:bodyPr>
+          <a:lstStyle/>
+          <a:p>
+            <a:r>
+              <a:rPr lang="en-US" sz="3600" dirty="0"/>
+              <a:t>Download documents from remote Web (HTTP) servers</a:t>
+            </a:r>
+          </a:p>
+        </p:txBody>
+      </p:sp>
+      <p:sp>
+        <p:nvSpPr>
+          <p:cNvPr id="3" name="Content Placeholder 2"/>
+          <p:cNvSpPr>
+            <a:spLocks noGrp="1"/>
+          </p:cNvSpPr>
+          <p:nvPr>
+            <p:ph idx="1"/>
+          </p:nvPr>
+        </p:nvSpPr>
+        <p:spPr>
+          <a:xfrm>
+            <a:off x="838198" y="1525772"/>
+            <a:ext cx="10515601" cy="4651191"/>
+          </a:xfrm>
+        </p:spPr>
+        <p:txBody>
+          <a:bodyPr>
+            <a:noAutofit/>
+          </a:bodyPr>
+          <a:lstStyle/>
+          <a:p>
+            <a:pPr marL="0" indent="0">
+              <a:buNone/>
+            </a:pPr>
+            <a:r>
+              <a:rPr lang="en-US" sz="2000" dirty="0"/>
+              <a:t>Multiple .NET (C#) classes and methods are provided that wrap various network protocols. For Web (HTTP) the .NET environment provides the </a:t>
+            </a:r>
+            <a:r>
+              <a:rPr lang="en-US" sz="2000" dirty="0" err="1"/>
+              <a:t>WebClient</a:t>
+            </a:r>
+            <a:r>
+              <a:rPr lang="en-US" sz="2000" dirty="0"/>
+              <a:t> class which:</a:t>
+            </a:r>
+          </a:p>
+          <a:p>
+            <a:r>
+              <a:rPr lang="en-US" sz="2000" dirty="0"/>
+              <a:t>Is most often used to retrieve files</a:t>
+            </a:r>
+          </a:p>
+          <a:p>
+            <a:r>
+              <a:rPr lang="en-US" sz="2000" dirty="0"/>
+              <a:t>Can access multiple Internet file types including HTML, XML, JSON, etc.</a:t>
+            </a:r>
+          </a:p>
+          <a:p>
+            <a:r>
+              <a:rPr lang="en-US" sz="2000" dirty="0"/>
+              <a:t>Utilized HTTP or HTTPs for communication</a:t>
+            </a:r>
+          </a:p>
+          <a:p>
+            <a:pPr marL="0" indent="0">
+              <a:buNone/>
+            </a:pPr>
+            <a:endParaRPr lang="en-US" sz="2000" dirty="0"/>
+          </a:p>
+        </p:txBody>
+      </p:sp>
+    </p:spTree>
+    <p:extLst>
+      <p:ext uri="{BB962C8B-B14F-4D97-AF65-F5344CB8AC3E}">
+        <p14:creationId xmlns:p14="http://schemas.microsoft.com/office/powerpoint/2010/main" val="1853768632"/>
+      </p:ext>
+    </p:extLst>
+  </p:cSld>
+  <p:clrMapOvr>
+    <a:masterClrMapping/>
+  </p:clrMapOvr>
+</p:sld>
+</file>
+
+<file path=ppt/slides/slide21.xml><?xml version="1.0" encoding="utf-8"?>
 <p:sld xmlns:a="http://schemas.openxmlformats.org/drawingml/2006/main" xmlns:r="http://schemas.openxmlformats.org/officeDocument/2006/relationships" xmlns:p="http://schemas.openxmlformats.org/presentationml/2006/main">
   <p:cSld>
     <p:spTree>
@@ -10069,7 +10189,7 @@
 </p:sld>
 </file>
 
-<file path=ppt/slides/slide21.xml><?xml version="1.0" encoding="utf-8"?>
+<file path=ppt/slides/slide22.xml><?xml version="1.0" encoding="utf-8"?>
 <p:sld xmlns:a="http://schemas.openxmlformats.org/drawingml/2006/main" xmlns:r="http://schemas.openxmlformats.org/officeDocument/2006/relationships" xmlns:p="http://schemas.openxmlformats.org/presentationml/2006/main">
   <p:cSld>
     <p:spTree>
@@ -10201,7 +10321,7 @@
 </p:sld>
 </file>
 
-<file path=ppt/slides/slide22.xml><?xml version="1.0" encoding="utf-8"?>
+<file path=ppt/slides/slide23.xml><?xml version="1.0" encoding="utf-8"?>
 <p:sld xmlns:a="http://schemas.openxmlformats.org/drawingml/2006/main" xmlns:r="http://schemas.openxmlformats.org/officeDocument/2006/relationships" xmlns:p="http://schemas.openxmlformats.org/presentationml/2006/main">
   <p:cSld>
     <p:spTree>
@@ -10303,126 +10423,6 @@
     <p:extLst>
       <p:ext uri="{BB962C8B-B14F-4D97-AF65-F5344CB8AC3E}">
         <p14:creationId xmlns:p14="http://schemas.microsoft.com/office/powerpoint/2010/main" val="851372643"/>
-      </p:ext>
-    </p:extLst>
-  </p:cSld>
-  <p:clrMapOvr>
-    <a:masterClrMapping/>
-  </p:clrMapOvr>
-</p:sld>
-</file>
-
-<file path=ppt/slides/slide23.xml><?xml version="1.0" encoding="utf-8"?>
-<p:sld xmlns:a="http://schemas.openxmlformats.org/drawingml/2006/main" xmlns:r="http://schemas.openxmlformats.org/officeDocument/2006/relationships" xmlns:p="http://schemas.openxmlformats.org/presentationml/2006/main">
-  <p:cSld>
-    <p:bg>
-      <p:bgPr>
-        <a:solidFill>
-          <a:schemeClr val="bg1">
-            <a:lumMod val="75000"/>
-          </a:schemeClr>
-        </a:solidFill>
-        <a:effectLst/>
-      </p:bgPr>
-    </p:bg>
-    <p:spTree>
-      <p:nvGrpSpPr>
-        <p:cNvPr id="1" name=""/>
-        <p:cNvGrpSpPr/>
-        <p:nvPr/>
-      </p:nvGrpSpPr>
-      <p:grpSpPr>
-        <a:xfrm>
-          <a:off x="0" y="0"/>
-          <a:ext cx="0" cy="0"/>
-          <a:chOff x="0" y="0"/>
-          <a:chExt cx="0" cy="0"/>
-        </a:xfrm>
-      </p:grpSpPr>
-      <p:sp>
-        <p:nvSpPr>
-          <p:cNvPr id="2" name="Title 1"/>
-          <p:cNvSpPr>
-            <a:spLocks noGrp="1"/>
-          </p:cNvSpPr>
-          <p:nvPr>
-            <p:ph type="ctrTitle"/>
-          </p:nvPr>
-        </p:nvSpPr>
-        <p:spPr>
-          <a:xfrm>
-            <a:off x="1524000" y="1122363"/>
-            <a:ext cx="9144000" cy="2387600"/>
-          </a:xfrm>
-        </p:spPr>
-        <p:txBody>
-          <a:bodyPr>
-            <a:normAutofit/>
-          </a:bodyPr>
-          <a:lstStyle/>
-          <a:p>
-            <a:r>
-              <a:rPr lang="en-US" sz="4800" dirty="0"/>
-              <a:t>End of Session</a:t>
-            </a:r>
-          </a:p>
-        </p:txBody>
-      </p:sp>
-      <p:sp>
-        <p:nvSpPr>
-          <p:cNvPr id="3" name="Subtitle 2"/>
-          <p:cNvSpPr>
-            <a:spLocks noGrp="1"/>
-          </p:cNvSpPr>
-          <p:nvPr>
-            <p:ph type="subTitle" idx="1"/>
-          </p:nvPr>
-        </p:nvSpPr>
-        <p:spPr>
-          <a:xfrm>
-            <a:off x="1524000" y="3602038"/>
-            <a:ext cx="9144000" cy="2198022"/>
-          </a:xfrm>
-        </p:spPr>
-        <p:txBody>
-          <a:bodyPr>
-            <a:normAutofit/>
-          </a:bodyPr>
-          <a:lstStyle/>
-          <a:p>
-            <a:pPr algn="l"/>
-            <a:r>
-              <a:rPr lang="en-US" dirty="0"/>
-              <a:t>Course Number: CPSC-24500</a:t>
-            </a:r>
-          </a:p>
-          <a:p>
-            <a:pPr algn="l"/>
-            <a:r>
-              <a:rPr lang="en-US" dirty="0"/>
-              <a:t>Week: 8</a:t>
-            </a:r>
-          </a:p>
-          <a:p>
-            <a:pPr algn="l"/>
-            <a:r>
-              <a:rPr lang="en-US" dirty="0"/>
-              <a:t>Session: 1</a:t>
-            </a:r>
-          </a:p>
-          <a:p>
-            <a:pPr algn="l"/>
-            <a:r>
-              <a:rPr lang="en-US" dirty="0"/>
-              <a:t>Instructor: Eric Pogue</a:t>
-            </a:r>
-          </a:p>
-        </p:txBody>
-      </p:sp>
-    </p:spTree>
-    <p:extLst>
-      <p:ext uri="{BB962C8B-B14F-4D97-AF65-F5344CB8AC3E}">
-        <p14:creationId xmlns:p14="http://schemas.microsoft.com/office/powerpoint/2010/main" val="1130818612"/>
       </p:ext>
     </p:extLst>
   </p:cSld>
@@ -15386,12 +15386,9 @@
 </file>
 
 <file path=customXml/item1.xml><?xml version="1.0" encoding="utf-8"?>
-<?mso-contentType ?>
-<FormTemplates xmlns="http://schemas.microsoft.com/sharepoint/v3/contenttype/forms">
-  <Display>DocumentLibraryForm</Display>
-  <Edit>DocumentLibraryForm</Edit>
-  <New>DocumentLibraryForm</New>
-</FormTemplates>
+<p:properties xmlns:p="http://schemas.microsoft.com/office/2006/metadata/properties" xmlns:xsi="http://www.w3.org/2001/XMLSchema-instance" xmlns:pc="http://schemas.microsoft.com/office/infopath/2007/PartnerControls">
+  <documentManagement/>
+</p:properties>
 </file>
 
 <file path=customXml/item2.xml><?xml version="1.0" encoding="utf-8"?>
@@ -15509,15 +15506,25 @@
 </file>
 
 <file path=customXml/item3.xml><?xml version="1.0" encoding="utf-8"?>
-<p:properties xmlns:p="http://schemas.microsoft.com/office/2006/metadata/properties" xmlns:xsi="http://www.w3.org/2001/XMLSchema-instance" xmlns:pc="http://schemas.microsoft.com/office/infopath/2007/PartnerControls">
-  <documentManagement/>
-</p:properties>
+<?mso-contentType ?>
+<FormTemplates xmlns="http://schemas.microsoft.com/sharepoint/v3/contenttype/forms">
+  <Display>DocumentLibraryForm</Display>
+  <Edit>DocumentLibraryForm</Edit>
+  <New>DocumentLibraryForm</New>
+</FormTemplates>
 </file>
 
 <file path=customXml/itemProps1.xml><?xml version="1.0" encoding="utf-8"?>
-<ds:datastoreItem xmlns:ds="http://schemas.openxmlformats.org/officeDocument/2006/customXml" ds:itemID="{87FD8B20-B89A-4B23-9329-175195DD4D8A}">
+<ds:datastoreItem xmlns:ds="http://schemas.openxmlformats.org/officeDocument/2006/customXml" ds:itemID="{3473EA1A-2744-48E8-B2A3-4F89C0FC849C}">
   <ds:schemaRefs>
-    <ds:schemaRef ds:uri="http://schemas.microsoft.com/sharepoint/v3/contenttype/forms"/>
+    <ds:schemaRef ds:uri="http://schemas.microsoft.com/office/2006/documentManagement/types"/>
+    <ds:schemaRef ds:uri="http://purl.org/dc/elements/1.1/"/>
+    <ds:schemaRef ds:uri="http://schemas.microsoft.com/office/2006/metadata/properties"/>
+    <ds:schemaRef ds:uri="http://purl.org/dc/terms/"/>
+    <ds:schemaRef ds:uri="http://schemas.openxmlformats.org/package/2006/metadata/core-properties"/>
+    <ds:schemaRef ds:uri="http://purl.org/dc/dcmitype/"/>
+    <ds:schemaRef ds:uri="http://schemas.microsoft.com/office/infopath/2007/PartnerControls"/>
+    <ds:schemaRef ds:uri="http://www.w3.org/XML/1998/namespace"/>
   </ds:schemaRefs>
 </ds:datastoreItem>
 </file>
@@ -15539,16 +15546,9 @@
 </file>
 
 <file path=customXml/itemProps3.xml><?xml version="1.0" encoding="utf-8"?>
-<ds:datastoreItem xmlns:ds="http://schemas.openxmlformats.org/officeDocument/2006/customXml" ds:itemID="{3473EA1A-2744-48E8-B2A3-4F89C0FC849C}">
+<ds:datastoreItem xmlns:ds="http://schemas.openxmlformats.org/officeDocument/2006/customXml" ds:itemID="{87FD8B20-B89A-4B23-9329-175195DD4D8A}">
   <ds:schemaRefs>
-    <ds:schemaRef ds:uri="http://schemas.microsoft.com/office/2006/documentManagement/types"/>
-    <ds:schemaRef ds:uri="http://purl.org/dc/elements/1.1/"/>
-    <ds:schemaRef ds:uri="http://schemas.microsoft.com/office/2006/metadata/properties"/>
-    <ds:schemaRef ds:uri="http://purl.org/dc/terms/"/>
-    <ds:schemaRef ds:uri="http://schemas.openxmlformats.org/package/2006/metadata/core-properties"/>
-    <ds:schemaRef ds:uri="http://purl.org/dc/dcmitype/"/>
-    <ds:schemaRef ds:uri="http://schemas.microsoft.com/office/infopath/2007/PartnerControls"/>
-    <ds:schemaRef ds:uri="http://www.w3.org/XML/1998/namespace"/>
+    <ds:schemaRef ds:uri="http://schemas.microsoft.com/sharepoint/v3/contenttype/forms"/>
   </ds:schemaRefs>
 </ds:datastoreItem>
 </file>
--- a/CPSC-24500/Week08/2017SpringW08Slides.pptx
+++ b/CPSC-24500/Week08/2017SpringW08Slides.pptx
@@ -247,7 +247,7 @@
           <a:p>
             <a:fld id="{91ED72D7-FE6F-4B82-8D31-76BC00B06094}" type="datetimeFigureOut">
               <a:rPr lang="en-US" smtClean="0"/>
-              <a:t>5/5/2017</a:t>
+              <a:t>5/8/2017</a:t>
             </a:fld>
             <a:endParaRPr lang="en-US" dirty="0"/>
           </a:p>
@@ -5760,7 +5760,7 @@
           <a:p>
             <a:fld id="{969F32F5-AB1C-41B2-AE79-C9DE1D1745A4}" type="datetimeFigureOut">
               <a:rPr lang="en-US" smtClean="0"/>
-              <a:t>5/5/2017</a:t>
+              <a:t>5/8/2017</a:t>
             </a:fld>
             <a:endParaRPr lang="en-US" dirty="0"/>
           </a:p>
@@ -5928,7 +5928,7 @@
           <a:p>
             <a:fld id="{969F32F5-AB1C-41B2-AE79-C9DE1D1745A4}" type="datetimeFigureOut">
               <a:rPr lang="en-US" smtClean="0"/>
-              <a:t>5/5/2017</a:t>
+              <a:t>5/8/2017</a:t>
             </a:fld>
             <a:endParaRPr lang="en-US" dirty="0"/>
           </a:p>
@@ -6106,7 +6106,7 @@
           <a:p>
             <a:fld id="{969F32F5-AB1C-41B2-AE79-C9DE1D1745A4}" type="datetimeFigureOut">
               <a:rPr lang="en-US" smtClean="0"/>
-              <a:t>5/5/2017</a:t>
+              <a:t>5/8/2017</a:t>
             </a:fld>
             <a:endParaRPr lang="en-US" dirty="0"/>
           </a:p>
@@ -6274,7 +6274,7 @@
           <a:p>
             <a:fld id="{969F32F5-AB1C-41B2-AE79-C9DE1D1745A4}" type="datetimeFigureOut">
               <a:rPr lang="en-US" smtClean="0"/>
-              <a:t>5/5/2017</a:t>
+              <a:t>5/8/2017</a:t>
             </a:fld>
             <a:endParaRPr lang="en-US" dirty="0"/>
           </a:p>
@@ -6519,7 +6519,7 @@
           <a:p>
             <a:fld id="{969F32F5-AB1C-41B2-AE79-C9DE1D1745A4}" type="datetimeFigureOut">
               <a:rPr lang="en-US" smtClean="0"/>
-              <a:t>5/5/2017</a:t>
+              <a:t>5/8/2017</a:t>
             </a:fld>
             <a:endParaRPr lang="en-US" dirty="0"/>
           </a:p>
@@ -6748,7 +6748,7 @@
           <a:p>
             <a:fld id="{969F32F5-AB1C-41B2-AE79-C9DE1D1745A4}" type="datetimeFigureOut">
               <a:rPr lang="en-US" smtClean="0"/>
-              <a:t>5/5/2017</a:t>
+              <a:t>5/8/2017</a:t>
             </a:fld>
             <a:endParaRPr lang="en-US" dirty="0"/>
           </a:p>
@@ -7112,7 +7112,7 @@
           <a:p>
             <a:fld id="{969F32F5-AB1C-41B2-AE79-C9DE1D1745A4}" type="datetimeFigureOut">
               <a:rPr lang="en-US" smtClean="0"/>
-              <a:t>5/5/2017</a:t>
+              <a:t>5/8/2017</a:t>
             </a:fld>
             <a:endParaRPr lang="en-US" dirty="0"/>
           </a:p>
@@ -7229,7 +7229,7 @@
           <a:p>
             <a:fld id="{969F32F5-AB1C-41B2-AE79-C9DE1D1745A4}" type="datetimeFigureOut">
               <a:rPr lang="en-US" smtClean="0"/>
-              <a:t>5/5/2017</a:t>
+              <a:t>5/8/2017</a:t>
             </a:fld>
             <a:endParaRPr lang="en-US" dirty="0"/>
           </a:p>
@@ -7324,7 +7324,7 @@
           <a:p>
             <a:fld id="{969F32F5-AB1C-41B2-AE79-C9DE1D1745A4}" type="datetimeFigureOut">
               <a:rPr lang="en-US" smtClean="0"/>
-              <a:t>5/5/2017</a:t>
+              <a:t>5/8/2017</a:t>
             </a:fld>
             <a:endParaRPr lang="en-US" dirty="0"/>
           </a:p>
@@ -7599,7 +7599,7 @@
           <a:p>
             <a:fld id="{969F32F5-AB1C-41B2-AE79-C9DE1D1745A4}" type="datetimeFigureOut">
               <a:rPr lang="en-US" smtClean="0"/>
-              <a:t>5/5/2017</a:t>
+              <a:t>5/8/2017</a:t>
             </a:fld>
             <a:endParaRPr lang="en-US" dirty="0"/>
           </a:p>
@@ -7851,7 +7851,7 @@
           <a:p>
             <a:fld id="{969F32F5-AB1C-41B2-AE79-C9DE1D1745A4}" type="datetimeFigureOut">
               <a:rPr lang="en-US" smtClean="0"/>
-              <a:t>5/5/2017</a:t>
+              <a:t>5/8/2017</a:t>
             </a:fld>
             <a:endParaRPr lang="en-US" dirty="0"/>
           </a:p>
@@ -8062,7 +8062,7 @@
           <a:p>
             <a:fld id="{969F32F5-AB1C-41B2-AE79-C9DE1D1745A4}" type="datetimeFigureOut">
               <a:rPr lang="en-US" smtClean="0"/>
-              <a:t>5/5/2017</a:t>
+              <a:t>5/8/2017</a:t>
             </a:fld>
             <a:endParaRPr lang="en-US" dirty="0"/>
           </a:p>
@@ -22790,7 +22790,7 @@
             </a:pPr>
             <a:r>
               <a:rPr lang="en-US" sz="2000" dirty="0"/>
-              <a:t>Develop  application entirely in Visual Studio 2017 and C#</a:t>
+              <a:t>Develop application entirely in Visual Studio 2017 and C#</a:t>
             </a:r>
           </a:p>
           <a:p>
@@ -22820,7 +22820,7 @@
             </a:pPr>
             <a:r>
               <a:rPr lang="en-US" sz="2000" dirty="0"/>
-              <a:t>Write out the response received from the sever</a:t>
+              <a:t>Write out the response received from the sever to the console</a:t>
             </a:r>
           </a:p>
           <a:p>
@@ -22830,7 +22830,17 @@
             </a:pPr>
             <a:r>
               <a:rPr lang="en-US" sz="2000" dirty="0"/>
-              <a:t>Wait for the user to press a key before shutting down</a:t>
+              <a:t>Accept multiple requests as console input</a:t>
+            </a:r>
+          </a:p>
+          <a:p>
+            <a:pPr marL="457200" indent="-457200">
+              <a:buFont typeface="+mj-lt"/>
+              <a:buAutoNum type="arabicPeriod"/>
+            </a:pPr>
+            <a:r>
+              <a:rPr lang="en-US" sz="2000" dirty="0"/>
+              <a:t>Close the application when the user enters “end;” as console input</a:t>
             </a:r>
           </a:p>
           <a:p>
@@ -24609,9 +24619,12 @@
 </file>
 
 <file path=customXml/item1.xml><?xml version="1.0" encoding="utf-8"?>
-<p:properties xmlns:p="http://schemas.microsoft.com/office/2006/metadata/properties" xmlns:xsi="http://www.w3.org/2001/XMLSchema-instance" xmlns:pc="http://schemas.microsoft.com/office/infopath/2007/PartnerControls">
-  <documentManagement/>
-</p:properties>
+<?mso-contentType ?>
+<FormTemplates xmlns="http://schemas.microsoft.com/sharepoint/v3/contenttype/forms">
+  <Display>DocumentLibraryForm</Display>
+  <Edit>DocumentLibraryForm</Edit>
+  <New>DocumentLibraryForm</New>
+</FormTemplates>
 </file>
 
 <file path=customXml/item2.xml><?xml version="1.0" encoding="utf-8"?>
@@ -24729,25 +24742,15 @@
 </file>
 
 <file path=customXml/item3.xml><?xml version="1.0" encoding="utf-8"?>
-<?mso-contentType ?>
-<FormTemplates xmlns="http://schemas.microsoft.com/sharepoint/v3/contenttype/forms">
-  <Display>DocumentLibraryForm</Display>
-  <Edit>DocumentLibraryForm</Edit>
-  <New>DocumentLibraryForm</New>
-</FormTemplates>
+<p:properties xmlns:p="http://schemas.microsoft.com/office/2006/metadata/properties" xmlns:xsi="http://www.w3.org/2001/XMLSchema-instance" xmlns:pc="http://schemas.microsoft.com/office/infopath/2007/PartnerControls">
+  <documentManagement/>
+</p:properties>
 </file>
 
 <file path=customXml/itemProps1.xml><?xml version="1.0" encoding="utf-8"?>
-<ds:datastoreItem xmlns:ds="http://schemas.openxmlformats.org/officeDocument/2006/customXml" ds:itemID="{3473EA1A-2744-48E8-B2A3-4F89C0FC849C}">
+<ds:datastoreItem xmlns:ds="http://schemas.openxmlformats.org/officeDocument/2006/customXml" ds:itemID="{87FD8B20-B89A-4B23-9329-175195DD4D8A}">
   <ds:schemaRefs>
-    <ds:schemaRef ds:uri="http://purl.org/dc/dcmitype/"/>
-    <ds:schemaRef ds:uri="http://schemas.microsoft.com/office/infopath/2007/PartnerControls"/>
-    <ds:schemaRef ds:uri="http://purl.org/dc/elements/1.1/"/>
-    <ds:schemaRef ds:uri="http://schemas.microsoft.com/office/2006/metadata/properties"/>
-    <ds:schemaRef ds:uri="http://schemas.microsoft.com/office/2006/documentManagement/types"/>
-    <ds:schemaRef ds:uri="http://purl.org/dc/terms/"/>
-    <ds:schemaRef ds:uri="http://schemas.openxmlformats.org/package/2006/metadata/core-properties"/>
-    <ds:schemaRef ds:uri="http://www.w3.org/XML/1998/namespace"/>
+    <ds:schemaRef ds:uri="http://schemas.microsoft.com/sharepoint/v3/contenttype/forms"/>
   </ds:schemaRefs>
 </ds:datastoreItem>
 </file>
@@ -24769,9 +24772,16 @@
 </file>
 
 <file path=customXml/itemProps3.xml><?xml version="1.0" encoding="utf-8"?>
-<ds:datastoreItem xmlns:ds="http://schemas.openxmlformats.org/officeDocument/2006/customXml" ds:itemID="{87FD8B20-B89A-4B23-9329-175195DD4D8A}">
+<ds:datastoreItem xmlns:ds="http://schemas.openxmlformats.org/officeDocument/2006/customXml" ds:itemID="{3473EA1A-2744-48E8-B2A3-4F89C0FC849C}">
   <ds:schemaRefs>
-    <ds:schemaRef ds:uri="http://schemas.microsoft.com/sharepoint/v3/contenttype/forms"/>
+    <ds:schemaRef ds:uri="http://purl.org/dc/terms/"/>
+    <ds:schemaRef ds:uri="http://schemas.microsoft.com/office/2006/documentManagement/types"/>
+    <ds:schemaRef ds:uri="http://purl.org/dc/dcmitype/"/>
+    <ds:schemaRef ds:uri="http://schemas.microsoft.com/office/infopath/2007/PartnerControls"/>
+    <ds:schemaRef ds:uri="http://purl.org/dc/elements/1.1/"/>
+    <ds:schemaRef ds:uri="http://schemas.microsoft.com/office/2006/metadata/properties"/>
+    <ds:schemaRef ds:uri="http://schemas.openxmlformats.org/package/2006/metadata/core-properties"/>
+    <ds:schemaRef ds:uri="http://www.w3.org/XML/1998/namespace"/>
   </ds:schemaRefs>
 </ds:datastoreItem>
 </file>
--- a/CPSC-24500/Week08/2017SpringW08Slides.pptx
+++ b/CPSC-24500/Week08/2017SpringW08Slides.pptx
@@ -5,7 +5,7 @@
     <p:sldMasterId id="2147483648" r:id="rId4"/>
   </p:sldMasterIdLst>
   <p:notesMasterIdLst>
-    <p:notesMasterId r:id="rId49"/>
+    <p:notesMasterId r:id="rId52"/>
   </p:notesMasterIdLst>
   <p:sldIdLst>
     <p:sldId id="381" r:id="rId5"/>
@@ -50,8 +50,11 @@
     <p:sldId id="567" r:id="rId44"/>
     <p:sldId id="569" r:id="rId45"/>
     <p:sldId id="568" r:id="rId46"/>
-    <p:sldId id="547" r:id="rId47"/>
-    <p:sldId id="551" r:id="rId48"/>
+    <p:sldId id="593" r:id="rId47"/>
+    <p:sldId id="595" r:id="rId48"/>
+    <p:sldId id="594" r:id="rId49"/>
+    <p:sldId id="547" r:id="rId50"/>
+    <p:sldId id="551" r:id="rId51"/>
   </p:sldIdLst>
   <p:sldSz cx="12192000" cy="6858000"/>
   <p:notesSz cx="7315200" cy="9601200"/>
@@ -4551,6 +4554,12 @@
           <a:bodyPr/>
           <a:lstStyle/>
           <a:p>
+            <a:r>
+              <a:rPr lang="en-US" sz="1000" dirty="0"/>
+              <a:t>We are reviewing this so that we can relate it back to databases and client-server development.</a:t>
+            </a:r>
+          </a:p>
+          <a:p>
             <a:endParaRPr lang="en-US" sz="1000" dirty="0"/>
           </a:p>
         </p:txBody>
@@ -4581,7 +4590,7 @@
     </p:spTree>
     <p:extLst>
       <p:ext uri="{BB962C8B-B14F-4D97-AF65-F5344CB8AC3E}">
-        <p14:creationId xmlns:p14="http://schemas.microsoft.com/office/powerpoint/2010/main" val="2081081894"/>
+        <p14:creationId xmlns:p14="http://schemas.microsoft.com/office/powerpoint/2010/main" val="166182486"/>
       </p:ext>
     </p:extLst>
   </p:cSld>
@@ -4635,6 +4644,7 @@
           <a:bodyPr/>
           <a:lstStyle/>
           <a:p>
+            <a:pPr lvl="0"/>
             <a:endParaRPr lang="en-US" sz="1000" dirty="0"/>
           </a:p>
         </p:txBody>
@@ -4657,6 +4667,258 @@
             <a:fld id="{5394DE12-7B9B-46AA-AC19-C30A49928B9B}" type="slidenum">
               <a:rPr lang="en-US" smtClean="0"/>
               <a:t>44</a:t>
+            </a:fld>
+            <a:endParaRPr lang="en-US" dirty="0"/>
+          </a:p>
+        </p:txBody>
+      </p:sp>
+    </p:spTree>
+    <p:extLst>
+      <p:ext uri="{BB962C8B-B14F-4D97-AF65-F5344CB8AC3E}">
+        <p14:creationId xmlns:p14="http://schemas.microsoft.com/office/powerpoint/2010/main" val="3760054081"/>
+      </p:ext>
+    </p:extLst>
+  </p:cSld>
+  <p:clrMapOvr>
+    <a:masterClrMapping/>
+  </p:clrMapOvr>
+</p:notes>
+</file>
+
+<file path=ppt/notesSlides/notesSlide45.xml><?xml version="1.0" encoding="utf-8"?>
+<p:notes xmlns:a="http://schemas.openxmlformats.org/drawingml/2006/main" xmlns:r="http://schemas.openxmlformats.org/officeDocument/2006/relationships" xmlns:p="http://schemas.openxmlformats.org/presentationml/2006/main">
+  <p:cSld>
+    <p:spTree>
+      <p:nvGrpSpPr>
+        <p:cNvPr id="1" name=""/>
+        <p:cNvGrpSpPr/>
+        <p:nvPr/>
+      </p:nvGrpSpPr>
+      <p:grpSpPr>
+        <a:xfrm>
+          <a:off x="0" y="0"/>
+          <a:ext cx="0" cy="0"/>
+          <a:chOff x="0" y="0"/>
+          <a:chExt cx="0" cy="0"/>
+        </a:xfrm>
+      </p:grpSpPr>
+      <p:sp>
+        <p:nvSpPr>
+          <p:cNvPr id="2" name="Slide Image Placeholder 1"/>
+          <p:cNvSpPr>
+            <a:spLocks noGrp="1" noRot="1" noChangeAspect="1"/>
+          </p:cNvSpPr>
+          <p:nvPr>
+            <p:ph type="sldImg"/>
+          </p:nvPr>
+        </p:nvSpPr>
+        <p:spPr/>
+      </p:sp>
+      <p:sp>
+        <p:nvSpPr>
+          <p:cNvPr id="3" name="Notes Placeholder 2"/>
+          <p:cNvSpPr>
+            <a:spLocks noGrp="1"/>
+          </p:cNvSpPr>
+          <p:nvPr>
+            <p:ph type="body" idx="1"/>
+          </p:nvPr>
+        </p:nvSpPr>
+        <p:spPr/>
+        <p:txBody>
+          <a:bodyPr/>
+          <a:lstStyle/>
+          <a:p>
+            <a:endParaRPr lang="en-US" sz="1000" dirty="0"/>
+          </a:p>
+        </p:txBody>
+      </p:sp>
+      <p:sp>
+        <p:nvSpPr>
+          <p:cNvPr id="4" name="Slide Number Placeholder 3"/>
+          <p:cNvSpPr>
+            <a:spLocks noGrp="1"/>
+          </p:cNvSpPr>
+          <p:nvPr>
+            <p:ph type="sldNum" sz="quarter" idx="10"/>
+          </p:nvPr>
+        </p:nvSpPr>
+        <p:spPr/>
+        <p:txBody>
+          <a:bodyPr/>
+          <a:lstStyle/>
+          <a:p>
+            <a:fld id="{5394DE12-7B9B-46AA-AC19-C30A49928B9B}" type="slidenum">
+              <a:rPr lang="en-US" smtClean="0"/>
+              <a:t>45</a:t>
+            </a:fld>
+            <a:endParaRPr lang="en-US" dirty="0"/>
+          </a:p>
+        </p:txBody>
+      </p:sp>
+    </p:spTree>
+    <p:extLst>
+      <p:ext uri="{BB962C8B-B14F-4D97-AF65-F5344CB8AC3E}">
+        <p14:creationId xmlns:p14="http://schemas.microsoft.com/office/powerpoint/2010/main" val="4194078173"/>
+      </p:ext>
+    </p:extLst>
+  </p:cSld>
+  <p:clrMapOvr>
+    <a:masterClrMapping/>
+  </p:clrMapOvr>
+</p:notes>
+</file>
+
+<file path=ppt/notesSlides/notesSlide46.xml><?xml version="1.0" encoding="utf-8"?>
+<p:notes xmlns:a="http://schemas.openxmlformats.org/drawingml/2006/main" xmlns:r="http://schemas.openxmlformats.org/officeDocument/2006/relationships" xmlns:p="http://schemas.openxmlformats.org/presentationml/2006/main">
+  <p:cSld>
+    <p:spTree>
+      <p:nvGrpSpPr>
+        <p:cNvPr id="1" name=""/>
+        <p:cNvGrpSpPr/>
+        <p:nvPr/>
+      </p:nvGrpSpPr>
+      <p:grpSpPr>
+        <a:xfrm>
+          <a:off x="0" y="0"/>
+          <a:ext cx="0" cy="0"/>
+          <a:chOff x="0" y="0"/>
+          <a:chExt cx="0" cy="0"/>
+        </a:xfrm>
+      </p:grpSpPr>
+      <p:sp>
+        <p:nvSpPr>
+          <p:cNvPr id="2" name="Slide Image Placeholder 1"/>
+          <p:cNvSpPr>
+            <a:spLocks noGrp="1" noRot="1" noChangeAspect="1"/>
+          </p:cNvSpPr>
+          <p:nvPr>
+            <p:ph type="sldImg"/>
+          </p:nvPr>
+        </p:nvSpPr>
+        <p:spPr/>
+      </p:sp>
+      <p:sp>
+        <p:nvSpPr>
+          <p:cNvPr id="3" name="Notes Placeholder 2"/>
+          <p:cNvSpPr>
+            <a:spLocks noGrp="1"/>
+          </p:cNvSpPr>
+          <p:nvPr>
+            <p:ph type="body" idx="1"/>
+          </p:nvPr>
+        </p:nvSpPr>
+        <p:spPr/>
+        <p:txBody>
+          <a:bodyPr/>
+          <a:lstStyle/>
+          <a:p>
+            <a:endParaRPr lang="en-US" sz="1000" dirty="0"/>
+          </a:p>
+        </p:txBody>
+      </p:sp>
+      <p:sp>
+        <p:nvSpPr>
+          <p:cNvPr id="4" name="Slide Number Placeholder 3"/>
+          <p:cNvSpPr>
+            <a:spLocks noGrp="1"/>
+          </p:cNvSpPr>
+          <p:nvPr>
+            <p:ph type="sldNum" sz="quarter" idx="10"/>
+          </p:nvPr>
+        </p:nvSpPr>
+        <p:spPr/>
+        <p:txBody>
+          <a:bodyPr/>
+          <a:lstStyle/>
+          <a:p>
+            <a:fld id="{5394DE12-7B9B-46AA-AC19-C30A49928B9B}" type="slidenum">
+              <a:rPr lang="en-US" smtClean="0"/>
+              <a:t>46</a:t>
+            </a:fld>
+            <a:endParaRPr lang="en-US" dirty="0"/>
+          </a:p>
+        </p:txBody>
+      </p:sp>
+    </p:spTree>
+    <p:extLst>
+      <p:ext uri="{BB962C8B-B14F-4D97-AF65-F5344CB8AC3E}">
+        <p14:creationId xmlns:p14="http://schemas.microsoft.com/office/powerpoint/2010/main" val="2081081894"/>
+      </p:ext>
+    </p:extLst>
+  </p:cSld>
+  <p:clrMapOvr>
+    <a:masterClrMapping/>
+  </p:clrMapOvr>
+</p:notes>
+</file>
+
+<file path=ppt/notesSlides/notesSlide47.xml><?xml version="1.0" encoding="utf-8"?>
+<p:notes xmlns:a="http://schemas.openxmlformats.org/drawingml/2006/main" xmlns:r="http://schemas.openxmlformats.org/officeDocument/2006/relationships" xmlns:p="http://schemas.openxmlformats.org/presentationml/2006/main">
+  <p:cSld>
+    <p:spTree>
+      <p:nvGrpSpPr>
+        <p:cNvPr id="1" name=""/>
+        <p:cNvGrpSpPr/>
+        <p:nvPr/>
+      </p:nvGrpSpPr>
+      <p:grpSpPr>
+        <a:xfrm>
+          <a:off x="0" y="0"/>
+          <a:ext cx="0" cy="0"/>
+          <a:chOff x="0" y="0"/>
+          <a:chExt cx="0" cy="0"/>
+        </a:xfrm>
+      </p:grpSpPr>
+      <p:sp>
+        <p:nvSpPr>
+          <p:cNvPr id="2" name="Slide Image Placeholder 1"/>
+          <p:cNvSpPr>
+            <a:spLocks noGrp="1" noRot="1" noChangeAspect="1"/>
+          </p:cNvSpPr>
+          <p:nvPr>
+            <p:ph type="sldImg"/>
+          </p:nvPr>
+        </p:nvSpPr>
+        <p:spPr/>
+      </p:sp>
+      <p:sp>
+        <p:nvSpPr>
+          <p:cNvPr id="3" name="Notes Placeholder 2"/>
+          <p:cNvSpPr>
+            <a:spLocks noGrp="1"/>
+          </p:cNvSpPr>
+          <p:nvPr>
+            <p:ph type="body" idx="1"/>
+          </p:nvPr>
+        </p:nvSpPr>
+        <p:spPr/>
+        <p:txBody>
+          <a:bodyPr/>
+          <a:lstStyle/>
+          <a:p>
+            <a:endParaRPr lang="en-US" sz="1000" dirty="0"/>
+          </a:p>
+        </p:txBody>
+      </p:sp>
+      <p:sp>
+        <p:nvSpPr>
+          <p:cNvPr id="4" name="Slide Number Placeholder 3"/>
+          <p:cNvSpPr>
+            <a:spLocks noGrp="1"/>
+          </p:cNvSpPr>
+          <p:nvPr>
+            <p:ph type="sldNum" sz="quarter" idx="10"/>
+          </p:nvPr>
+        </p:nvSpPr>
+        <p:spPr/>
+        <p:txBody>
+          <a:bodyPr/>
+          <a:lstStyle/>
+          <a:p>
+            <a:fld id="{5394DE12-7B9B-46AA-AC19-C30A49928B9B}" type="slidenum">
+              <a:rPr lang="en-US" smtClean="0"/>
+              <a:t>47</a:t>
             </a:fld>
             <a:endParaRPr lang="en-US" dirty="0"/>
           </a:p>
@@ -23071,7 +23333,7 @@
       </p:pic>
       <p:sp>
         <p:nvSpPr>
-          <p:cNvPr id="10" name="Content Placeholder 2"/>
+          <p:cNvPr id="7" name="Content Placeholder 2"/>
           <p:cNvSpPr>
             <a:spLocks noGrp="1"/>
           </p:cNvSpPr>
@@ -23079,12 +23341,7 @@
             <p:ph idx="1"/>
           </p:nvPr>
         </p:nvSpPr>
-        <p:spPr>
-          <a:xfrm>
-            <a:off x="838200" y="1884313"/>
-            <a:ext cx="10718950" cy="4571242"/>
-          </a:xfrm>
-        </p:spPr>
+        <p:spPr/>
         <p:txBody>
           <a:bodyPr>
             <a:noAutofit/>
@@ -23095,12 +23352,8 @@
               <a:buNone/>
             </a:pPr>
             <a:r>
-              <a:rPr lang="en-US" sz="2000" u="sng" dirty="0" err="1"/>
-              <a:t>ShapeDrawDataServerStart</a:t>
-            </a:r>
-            <a:r>
               <a:rPr lang="en-US" sz="2000" u="sng" dirty="0"/>
-              <a:t> Application:</a:t>
+              <a:t>Agenda:</a:t>
             </a:r>
           </a:p>
           <a:p>
@@ -23110,7 +23363,7 @@
             </a:pPr>
             <a:r>
               <a:rPr lang="en-US" sz="2000" dirty="0"/>
-              <a:t>Develop  application entirely in Visual Studio 2017 and C#</a:t>
+              <a:t>Review Week 8 Learning Objectives</a:t>
             </a:r>
           </a:p>
           <a:p>
@@ -23120,7 +23373,15 @@
             </a:pPr>
             <a:r>
               <a:rPr lang="en-US" sz="2000" dirty="0"/>
-              <a:t>Listen for a socket request</a:t>
+              <a:t>Develop </a:t>
+            </a:r>
+            <a:r>
+              <a:rPr lang="en-US" sz="2000" dirty="0" err="1"/>
+              <a:t>ShapeDrawDataServerStart</a:t>
+            </a:r>
+            <a:r>
+              <a:rPr lang="en-US" sz="2000" dirty="0"/>
+              <a:t> Application</a:t>
             </a:r>
           </a:p>
           <a:p>
@@ -23130,7 +23391,15 @@
             </a:pPr>
             <a:r>
               <a:rPr lang="en-US" sz="2000" dirty="0"/>
-              <a:t>Echo the request back to the client</a:t>
+              <a:t>Review </a:t>
+            </a:r>
+            <a:r>
+              <a:rPr lang="en-US" sz="2000" dirty="0" err="1"/>
+              <a:t>ShapeDrawDataClient</a:t>
+            </a:r>
+            <a:r>
+              <a:rPr lang="en-US" sz="2000" dirty="0"/>
+              <a:t> Application</a:t>
             </a:r>
           </a:p>
           <a:p>
@@ -23140,14 +23409,26 @@
             </a:pPr>
             <a:r>
               <a:rPr lang="en-US" sz="2000" dirty="0"/>
-              <a:t>You may utilize this code as the starting point for your Week 8 assignment</a:t>
-            </a:r>
-          </a:p>
-          <a:p>
-            <a:pPr marL="0" indent="0">
-              <a:buNone/>
+              <a:t>Test </a:t>
+            </a:r>
+            <a:r>
+              <a:rPr lang="en-US" sz="2000" dirty="0" err="1"/>
+              <a:t>ShapeDrawDataClient</a:t>
+            </a:r>
+            <a:r>
+              <a:rPr lang="en-US" sz="2000" dirty="0"/>
+              <a:t> and Server together</a:t>
+            </a:r>
+          </a:p>
+          <a:p>
+            <a:pPr marL="457200" indent="-457200">
+              <a:buFont typeface="+mj-lt"/>
+              <a:buAutoNum type="arabicPeriod"/>
             </a:pPr>
-            <a:endParaRPr lang="en-US" sz="2000" dirty="0"/>
+            <a:r>
+              <a:rPr lang="en-US" sz="2000" dirty="0"/>
+              <a:t>Next Steps</a:t>
+            </a:r>
           </a:p>
         </p:txBody>
       </p:sp>
@@ -23165,6 +23446,1123 @@
 </file>
 
 <file path=ppt/slides/slide43.xml><?xml version="1.0" encoding="utf-8"?>
+<p:sld xmlns:a="http://schemas.openxmlformats.org/drawingml/2006/main" xmlns:r="http://schemas.openxmlformats.org/officeDocument/2006/relationships" xmlns:p="http://schemas.openxmlformats.org/presentationml/2006/main">
+  <p:cSld>
+    <p:spTree>
+      <p:nvGrpSpPr>
+        <p:cNvPr id="1" name=""/>
+        <p:cNvGrpSpPr/>
+        <p:nvPr/>
+      </p:nvGrpSpPr>
+      <p:grpSpPr>
+        <a:xfrm>
+          <a:off x="0" y="0"/>
+          <a:ext cx="0" cy="0"/>
+          <a:chOff x="0" y="0"/>
+          <a:chExt cx="0" cy="0"/>
+        </a:xfrm>
+      </p:grpSpPr>
+      <p:sp>
+        <p:nvSpPr>
+          <p:cNvPr id="2" name="Title 1"/>
+          <p:cNvSpPr>
+            <a:spLocks noGrp="1"/>
+          </p:cNvSpPr>
+          <p:nvPr>
+            <p:ph type="title"/>
+          </p:nvPr>
+        </p:nvSpPr>
+        <p:spPr>
+          <a:xfrm>
+            <a:off x="838200" y="474626"/>
+            <a:ext cx="10515600" cy="757272"/>
+          </a:xfrm>
+        </p:spPr>
+        <p:txBody>
+          <a:bodyPr>
+            <a:normAutofit/>
+          </a:bodyPr>
+          <a:lstStyle/>
+          <a:p>
+            <a:r>
+              <a:rPr lang="en-US" sz="3600" dirty="0"/>
+              <a:t>Learning Objectives – Week 8</a:t>
+            </a:r>
+            <a:endParaRPr lang="en-US" sz="3600" b="1" i="1" u="sng" dirty="0"/>
+          </a:p>
+        </p:txBody>
+      </p:sp>
+      <p:sp>
+        <p:nvSpPr>
+          <p:cNvPr id="3" name="Content Placeholder 2"/>
+          <p:cNvSpPr>
+            <a:spLocks noGrp="1"/>
+          </p:cNvSpPr>
+          <p:nvPr>
+            <p:ph idx="1"/>
+          </p:nvPr>
+        </p:nvSpPr>
+        <p:spPr>
+          <a:xfrm>
+            <a:off x="838200" y="1231898"/>
+            <a:ext cx="10718950" cy="5463343"/>
+          </a:xfrm>
+        </p:spPr>
+        <p:txBody>
+          <a:bodyPr>
+            <a:normAutofit/>
+          </a:bodyPr>
+          <a:lstStyle/>
+          <a:p>
+            <a:pPr marL="457200" indent="-457200">
+              <a:buFont typeface="+mj-lt"/>
+              <a:buAutoNum type="arabicPeriod"/>
+            </a:pPr>
+            <a:r>
+              <a:rPr lang="en-US" sz="2000" dirty="0"/>
+              <a:t>Describe what a thread is and why it can be useful to distribute tasks among multiple threads</a:t>
+            </a:r>
+          </a:p>
+          <a:p>
+            <a:pPr marL="457200" indent="-457200">
+              <a:buFont typeface="+mj-lt"/>
+              <a:buAutoNum type="arabicPeriod"/>
+            </a:pPr>
+            <a:r>
+              <a:rPr lang="en-US" sz="2000" dirty="0"/>
+              <a:t>Review our multi-threaded application development activities</a:t>
+            </a:r>
+          </a:p>
+          <a:p>
+            <a:pPr marL="457200" indent="-457200">
+              <a:buFont typeface="+mj-lt"/>
+              <a:buAutoNum type="arabicPeriod"/>
+            </a:pPr>
+            <a:r>
+              <a:rPr lang="en-US" sz="2000" dirty="0"/>
+              <a:t>Explain why it is important to synchronize threads that need to share data source access</a:t>
+            </a:r>
+          </a:p>
+          <a:p>
+            <a:pPr marL="457200" indent="-457200">
+              <a:buFont typeface="+mj-lt"/>
+              <a:buAutoNum type="arabicPeriod"/>
+            </a:pPr>
+            <a:r>
+              <a:rPr lang="en-US" sz="2000" dirty="0"/>
+              <a:t>Review Object Oriented Programming benefits including the associating Data &amp; Functionality, Encapsulation &amp; Information Hiding, Inheritance, and Polymorphism</a:t>
+            </a:r>
+          </a:p>
+          <a:p>
+            <a:pPr marL="457200" indent="-457200">
+              <a:buFont typeface="+mj-lt"/>
+              <a:buAutoNum type="arabicPeriod"/>
+            </a:pPr>
+            <a:r>
+              <a:rPr lang="en-US" sz="2000" dirty="0"/>
+              <a:t>Review databases, database servers, and the SQL language</a:t>
+            </a:r>
+          </a:p>
+          <a:p>
+            <a:pPr marL="457200" indent="-457200">
+              <a:buFont typeface="+mj-lt"/>
+              <a:buAutoNum type="arabicPeriod"/>
+            </a:pPr>
+            <a:r>
+              <a:rPr lang="en-US" sz="2000" dirty="0"/>
+              <a:t>Understand how databases support (or don’t support)work within a Object Oriented Programming environment</a:t>
+            </a:r>
+          </a:p>
+          <a:p>
+            <a:pPr marL="457200" indent="-457200">
+              <a:buFont typeface="+mj-lt"/>
+              <a:buAutoNum type="arabicPeriod"/>
+            </a:pPr>
+            <a:r>
+              <a:rPr lang="en-US" sz="2000" dirty="0"/>
+              <a:t>Understand client-server (two-tier), three-tier, and n-tier architectures</a:t>
+            </a:r>
+          </a:p>
+          <a:p>
+            <a:pPr marL="457200" indent="-457200">
+              <a:buFont typeface="+mj-lt"/>
+              <a:buAutoNum type="arabicPeriod"/>
+            </a:pPr>
+            <a:r>
+              <a:rPr lang="en-US" sz="2000" dirty="0"/>
+              <a:t>Introduce network programming concepts </a:t>
+            </a:r>
+          </a:p>
+          <a:p>
+            <a:pPr marL="457200" indent="-457200">
+              <a:buFont typeface="+mj-lt"/>
+              <a:buAutoNum type="arabicPeriod"/>
+            </a:pPr>
+            <a:r>
+              <a:rPr lang="en-US" sz="2000" dirty="0"/>
+              <a:t>Understand Web Services network programming</a:t>
+            </a:r>
+          </a:p>
+          <a:p>
+            <a:pPr marL="457200" indent="-457200">
+              <a:buFont typeface="+mj-lt"/>
+              <a:buAutoNum type="arabicPeriod"/>
+            </a:pPr>
+            <a:r>
+              <a:rPr lang="en-US" sz="2000" dirty="0"/>
+              <a:t>Develop a middle-tier data server using network programming</a:t>
+            </a:r>
+          </a:p>
+        </p:txBody>
+      </p:sp>
+    </p:spTree>
+    <p:extLst>
+      <p:ext uri="{BB962C8B-B14F-4D97-AF65-F5344CB8AC3E}">
+        <p14:creationId xmlns:p14="http://schemas.microsoft.com/office/powerpoint/2010/main" val="1601080309"/>
+      </p:ext>
+    </p:extLst>
+  </p:cSld>
+  <p:clrMapOvr>
+    <a:masterClrMapping/>
+  </p:clrMapOvr>
+</p:sld>
+</file>
+
+<file path=ppt/slides/slide44.xml><?xml version="1.0" encoding="utf-8"?>
+<p:sld xmlns:a="http://schemas.openxmlformats.org/drawingml/2006/main" xmlns:r="http://schemas.openxmlformats.org/officeDocument/2006/relationships" xmlns:p="http://schemas.openxmlformats.org/presentationml/2006/main">
+  <p:cSld>
+    <p:spTree>
+      <p:nvGrpSpPr>
+        <p:cNvPr id="1" name=""/>
+        <p:cNvGrpSpPr/>
+        <p:nvPr/>
+      </p:nvGrpSpPr>
+      <p:grpSpPr>
+        <a:xfrm>
+          <a:off x="0" y="0"/>
+          <a:ext cx="0" cy="0"/>
+          <a:chOff x="0" y="0"/>
+          <a:chExt cx="0" cy="0"/>
+        </a:xfrm>
+      </p:grpSpPr>
+      <p:sp>
+        <p:nvSpPr>
+          <p:cNvPr id="2" name="Title 1"/>
+          <p:cNvSpPr>
+            <a:spLocks noGrp="1"/>
+          </p:cNvSpPr>
+          <p:nvPr>
+            <p:ph type="title"/>
+          </p:nvPr>
+        </p:nvSpPr>
+        <p:spPr>
+          <a:xfrm>
+            <a:off x="838200" y="365126"/>
+            <a:ext cx="10515600" cy="757272"/>
+          </a:xfrm>
+        </p:spPr>
+        <p:txBody>
+          <a:bodyPr>
+            <a:normAutofit/>
+          </a:bodyPr>
+          <a:lstStyle/>
+          <a:p>
+            <a:r>
+              <a:rPr lang="en-US" sz="3600" dirty="0" err="1"/>
+              <a:t>ShapeDrawDataServer</a:t>
+            </a:r>
+            <a:r>
+              <a:rPr lang="en-US" sz="3600" dirty="0"/>
+              <a:t> Architecture</a:t>
+            </a:r>
+          </a:p>
+        </p:txBody>
+      </p:sp>
+      <p:sp>
+        <p:nvSpPr>
+          <p:cNvPr id="18" name="Flowchart: Multidocument 17"/>
+          <p:cNvSpPr/>
+          <p:nvPr/>
+        </p:nvSpPr>
+        <p:spPr>
+          <a:xfrm>
+            <a:off x="4114801" y="2927192"/>
+            <a:ext cx="3821148" cy="941943"/>
+          </a:xfrm>
+          <a:prstGeom prst="flowChartMultidocument">
+            <a:avLst/>
+          </a:prstGeom>
+          <a:solidFill>
+            <a:schemeClr val="accent6">
+              <a:lumMod val="60000"/>
+              <a:lumOff val="40000"/>
+            </a:schemeClr>
+          </a:solidFill>
+        </p:spPr>
+        <p:style>
+          <a:lnRef idx="2">
+            <a:schemeClr val="accent1">
+              <a:shade val="50000"/>
+            </a:schemeClr>
+          </a:lnRef>
+          <a:fillRef idx="1">
+            <a:schemeClr val="accent1"/>
+          </a:fillRef>
+          <a:effectRef idx="0">
+            <a:schemeClr val="accent1"/>
+          </a:effectRef>
+          <a:fontRef idx="minor">
+            <a:schemeClr val="lt1"/>
+          </a:fontRef>
+        </p:style>
+        <p:txBody>
+          <a:bodyPr rtlCol="0" anchor="ctr"/>
+          <a:lstStyle/>
+          <a:p>
+            <a:pPr algn="ctr"/>
+            <a:r>
+              <a:rPr lang="en-US" dirty="0" err="1"/>
+              <a:t>ShapeDrawDataServer</a:t>
+            </a:r>
+            <a:r>
+              <a:rPr lang="en-US" dirty="0"/>
+              <a:t> (APIs)</a:t>
+            </a:r>
+          </a:p>
+        </p:txBody>
+      </p:sp>
+      <p:sp>
+        <p:nvSpPr>
+          <p:cNvPr id="19" name="Flowchart: Process 18"/>
+          <p:cNvSpPr/>
+          <p:nvPr/>
+        </p:nvSpPr>
+        <p:spPr>
+          <a:xfrm>
+            <a:off x="5205760" y="1467454"/>
+            <a:ext cx="1628078" cy="691375"/>
+          </a:xfrm>
+          <a:prstGeom prst="flowChartProcess">
+            <a:avLst/>
+          </a:prstGeom>
+        </p:spPr>
+        <p:style>
+          <a:lnRef idx="2">
+            <a:schemeClr val="accent1">
+              <a:shade val="50000"/>
+            </a:schemeClr>
+          </a:lnRef>
+          <a:fillRef idx="1">
+            <a:schemeClr val="accent1"/>
+          </a:fillRef>
+          <a:effectRef idx="0">
+            <a:schemeClr val="accent1"/>
+          </a:effectRef>
+          <a:fontRef idx="minor">
+            <a:schemeClr val="lt1"/>
+          </a:fontRef>
+        </p:style>
+        <p:txBody>
+          <a:bodyPr rtlCol="0" anchor="ctr"/>
+          <a:lstStyle/>
+          <a:p>
+            <a:pPr algn="ctr"/>
+            <a:r>
+              <a:rPr lang="en-US" dirty="0" err="1"/>
+              <a:t>ShapeDraw</a:t>
+            </a:r>
+            <a:endParaRPr lang="en-US" dirty="0"/>
+          </a:p>
+        </p:txBody>
+      </p:sp>
+      <p:sp>
+        <p:nvSpPr>
+          <p:cNvPr id="20" name="Flowchart: Magnetic Disk 19"/>
+          <p:cNvSpPr/>
+          <p:nvPr/>
+        </p:nvSpPr>
+        <p:spPr>
+          <a:xfrm>
+            <a:off x="4029308" y="4777367"/>
+            <a:ext cx="1761892" cy="529683"/>
+          </a:xfrm>
+          <a:prstGeom prst="flowChartMagneticDisk">
+            <a:avLst/>
+          </a:prstGeom>
+        </p:spPr>
+        <p:style>
+          <a:lnRef idx="2">
+            <a:schemeClr val="accent1">
+              <a:shade val="50000"/>
+            </a:schemeClr>
+          </a:lnRef>
+          <a:fillRef idx="1">
+            <a:schemeClr val="accent1"/>
+          </a:fillRef>
+          <a:effectRef idx="0">
+            <a:schemeClr val="accent1"/>
+          </a:effectRef>
+          <a:fontRef idx="minor">
+            <a:schemeClr val="lt1"/>
+          </a:fontRef>
+        </p:style>
+        <p:txBody>
+          <a:bodyPr rtlCol="0" anchor="ctr"/>
+          <a:lstStyle/>
+          <a:p>
+            <a:pPr algn="ctr"/>
+            <a:r>
+              <a:rPr lang="en-US" dirty="0" err="1"/>
+              <a:t>ShapesXML</a:t>
+            </a:r>
+            <a:endParaRPr lang="en-US" dirty="0"/>
+          </a:p>
+        </p:txBody>
+      </p:sp>
+      <p:sp>
+        <p:nvSpPr>
+          <p:cNvPr id="21" name="Flowchart: Magnetic Disk 20"/>
+          <p:cNvSpPr/>
+          <p:nvPr/>
+        </p:nvSpPr>
+        <p:spPr>
+          <a:xfrm>
+            <a:off x="6272562" y="4777367"/>
+            <a:ext cx="1761892" cy="529683"/>
+          </a:xfrm>
+          <a:prstGeom prst="flowChartMagneticDisk">
+            <a:avLst/>
+          </a:prstGeom>
+        </p:spPr>
+        <p:style>
+          <a:lnRef idx="2">
+            <a:schemeClr val="accent1">
+              <a:shade val="50000"/>
+            </a:schemeClr>
+          </a:lnRef>
+          <a:fillRef idx="1">
+            <a:schemeClr val="accent1"/>
+          </a:fillRef>
+          <a:effectRef idx="0">
+            <a:schemeClr val="accent1"/>
+          </a:effectRef>
+          <a:fontRef idx="minor">
+            <a:schemeClr val="lt1"/>
+          </a:fontRef>
+        </p:style>
+        <p:txBody>
+          <a:bodyPr rtlCol="0" anchor="ctr"/>
+          <a:lstStyle/>
+          <a:p>
+            <a:pPr algn="ctr"/>
+            <a:r>
+              <a:rPr lang="en-US" dirty="0" err="1"/>
+              <a:t>ShapeColorsXML</a:t>
+            </a:r>
+            <a:endParaRPr lang="en-US" dirty="0"/>
+          </a:p>
+        </p:txBody>
+      </p:sp>
+      <p:cxnSp>
+        <p:nvCxnSpPr>
+          <p:cNvPr id="28" name="Straight Arrow Connector 27"/>
+          <p:cNvCxnSpPr>
+            <a:cxnSpLocks/>
+            <a:endCxn id="21" idx="1"/>
+          </p:cNvCxnSpPr>
+          <p:nvPr/>
+        </p:nvCxnSpPr>
+        <p:spPr>
+          <a:xfrm>
+            <a:off x="6019799" y="3819124"/>
+            <a:ext cx="1133709" cy="958243"/>
+          </a:xfrm>
+          <a:prstGeom prst="straightConnector1">
+            <a:avLst/>
+          </a:prstGeom>
+          <a:ln w="25400">
+            <a:solidFill>
+              <a:schemeClr val="tx1"/>
+            </a:solidFill>
+            <a:tailEnd type="triangle"/>
+          </a:ln>
+        </p:spPr>
+        <p:style>
+          <a:lnRef idx="1">
+            <a:schemeClr val="accent1"/>
+          </a:lnRef>
+          <a:fillRef idx="0">
+            <a:schemeClr val="accent1"/>
+          </a:fillRef>
+          <a:effectRef idx="0">
+            <a:schemeClr val="accent1"/>
+          </a:effectRef>
+          <a:fontRef idx="minor">
+            <a:schemeClr val="tx1"/>
+          </a:fontRef>
+        </p:style>
+      </p:cxnSp>
+      <p:cxnSp>
+        <p:nvCxnSpPr>
+          <p:cNvPr id="29" name="Straight Arrow Connector 28"/>
+          <p:cNvCxnSpPr>
+            <a:cxnSpLocks/>
+            <a:stCxn id="18" idx="2"/>
+            <a:endCxn id="20" idx="1"/>
+          </p:cNvCxnSpPr>
+          <p:nvPr/>
+        </p:nvCxnSpPr>
+        <p:spPr>
+          <a:xfrm flipH="1">
+            <a:off x="4910254" y="3833463"/>
+            <a:ext cx="849410" cy="943904"/>
+          </a:xfrm>
+          <a:prstGeom prst="straightConnector1">
+            <a:avLst/>
+          </a:prstGeom>
+          <a:ln w="25400">
+            <a:solidFill>
+              <a:schemeClr val="tx1"/>
+            </a:solidFill>
+            <a:tailEnd type="triangle"/>
+          </a:ln>
+        </p:spPr>
+        <p:style>
+          <a:lnRef idx="1">
+            <a:schemeClr val="accent1"/>
+          </a:lnRef>
+          <a:fillRef idx="0">
+            <a:schemeClr val="accent1"/>
+          </a:fillRef>
+          <a:effectRef idx="0">
+            <a:schemeClr val="accent1"/>
+          </a:effectRef>
+          <a:fontRef idx="minor">
+            <a:schemeClr val="tx1"/>
+          </a:fontRef>
+        </p:style>
+      </p:cxnSp>
+      <p:cxnSp>
+        <p:nvCxnSpPr>
+          <p:cNvPr id="36" name="Straight Arrow Connector 35"/>
+          <p:cNvCxnSpPr>
+            <a:cxnSpLocks/>
+            <a:stCxn id="19" idx="2"/>
+          </p:cNvCxnSpPr>
+          <p:nvPr/>
+        </p:nvCxnSpPr>
+        <p:spPr>
+          <a:xfrm>
+            <a:off x="6019799" y="2158829"/>
+            <a:ext cx="0" cy="768363"/>
+          </a:xfrm>
+          <a:prstGeom prst="straightConnector1">
+            <a:avLst/>
+          </a:prstGeom>
+          <a:ln w="25400">
+            <a:solidFill>
+              <a:schemeClr val="tx1"/>
+            </a:solidFill>
+            <a:tailEnd type="triangle"/>
+          </a:ln>
+        </p:spPr>
+        <p:style>
+          <a:lnRef idx="1">
+            <a:schemeClr val="accent1"/>
+          </a:lnRef>
+          <a:fillRef idx="0">
+            <a:schemeClr val="accent1"/>
+          </a:fillRef>
+          <a:effectRef idx="0">
+            <a:schemeClr val="accent1"/>
+          </a:effectRef>
+          <a:fontRef idx="minor">
+            <a:schemeClr val="tx1"/>
+          </a:fontRef>
+        </p:style>
+      </p:cxnSp>
+      <p:sp>
+        <p:nvSpPr>
+          <p:cNvPr id="16" name="Rectangle 15"/>
+          <p:cNvSpPr/>
+          <p:nvPr/>
+        </p:nvSpPr>
+        <p:spPr>
+          <a:xfrm>
+            <a:off x="7827301" y="3819124"/>
+            <a:ext cx="3484608" cy="369332"/>
+          </a:xfrm>
+          <a:prstGeom prst="rect">
+            <a:avLst/>
+          </a:prstGeom>
+        </p:spPr>
+        <p:txBody>
+          <a:bodyPr wrap="none">
+            <a:spAutoFit/>
+          </a:bodyPr>
+          <a:lstStyle/>
+          <a:p>
+            <a:r>
+              <a:rPr lang="en-US" b="1" dirty="0"/>
+              <a:t>HTTP: Hypertext Transfer Protocol </a:t>
+            </a:r>
+          </a:p>
+        </p:txBody>
+      </p:sp>
+      <p:sp>
+        <p:nvSpPr>
+          <p:cNvPr id="17" name="Rectangle 16"/>
+          <p:cNvSpPr/>
+          <p:nvPr/>
+        </p:nvSpPr>
+        <p:spPr>
+          <a:xfrm>
+            <a:off x="7846024" y="4188153"/>
+            <a:ext cx="3465885" cy="369332"/>
+          </a:xfrm>
+          <a:prstGeom prst="rect">
+            <a:avLst/>
+          </a:prstGeom>
+        </p:spPr>
+        <p:txBody>
+          <a:bodyPr wrap="none">
+            <a:spAutoFit/>
+          </a:bodyPr>
+          <a:lstStyle/>
+          <a:p>
+            <a:r>
+              <a:rPr lang="en-US" b="1" dirty="0"/>
+              <a:t>XML: Extensible Markup Language</a:t>
+            </a:r>
+          </a:p>
+        </p:txBody>
+      </p:sp>
+      <p:sp>
+        <p:nvSpPr>
+          <p:cNvPr id="23" name="Rectangle 22"/>
+          <p:cNvSpPr/>
+          <p:nvPr/>
+        </p:nvSpPr>
+        <p:spPr>
+          <a:xfrm>
+            <a:off x="6950927" y="2121352"/>
+            <a:ext cx="6096000" cy="646331"/>
+          </a:xfrm>
+          <a:prstGeom prst="rect">
+            <a:avLst/>
+          </a:prstGeom>
+        </p:spPr>
+        <p:txBody>
+          <a:bodyPr>
+            <a:spAutoFit/>
+          </a:bodyPr>
+          <a:lstStyle/>
+          <a:p>
+            <a:r>
+              <a:rPr lang="en-US" b="1" dirty="0"/>
+              <a:t>TCP/IP: Transmission Control Protocol / Internet Protocol</a:t>
+            </a:r>
+          </a:p>
+          <a:p>
+            <a:r>
+              <a:rPr lang="en-US" b="1" dirty="0"/>
+              <a:t>Sockets: Another term for TCP/IP </a:t>
+            </a:r>
+          </a:p>
+        </p:txBody>
+      </p:sp>
+      <p:sp>
+        <p:nvSpPr>
+          <p:cNvPr id="13" name="Flowchart: Process 12"/>
+          <p:cNvSpPr/>
+          <p:nvPr/>
+        </p:nvSpPr>
+        <p:spPr>
+          <a:xfrm>
+            <a:off x="2988437" y="1467454"/>
+            <a:ext cx="1628078" cy="691375"/>
+          </a:xfrm>
+          <a:prstGeom prst="flowChartProcess">
+            <a:avLst/>
+          </a:prstGeom>
+        </p:spPr>
+        <p:style>
+          <a:lnRef idx="2">
+            <a:schemeClr val="accent1">
+              <a:shade val="50000"/>
+            </a:schemeClr>
+          </a:lnRef>
+          <a:fillRef idx="1">
+            <a:schemeClr val="accent1"/>
+          </a:fillRef>
+          <a:effectRef idx="0">
+            <a:schemeClr val="accent1"/>
+          </a:effectRef>
+          <a:fontRef idx="minor">
+            <a:schemeClr val="lt1"/>
+          </a:fontRef>
+        </p:style>
+        <p:txBody>
+          <a:bodyPr rtlCol="0" anchor="ctr"/>
+          <a:lstStyle/>
+          <a:p>
+            <a:pPr algn="ctr"/>
+            <a:r>
+              <a:rPr lang="en-US" u="sng" dirty="0" err="1"/>
+              <a:t>ShapeDraw</a:t>
+            </a:r>
+            <a:endParaRPr lang="en-US" u="sng" dirty="0"/>
+          </a:p>
+          <a:p>
+            <a:pPr algn="ctr"/>
+            <a:r>
+              <a:rPr lang="en-US" u="sng" dirty="0" err="1"/>
+              <a:t>DataClient</a:t>
+            </a:r>
+            <a:endParaRPr lang="en-US" dirty="0"/>
+          </a:p>
+        </p:txBody>
+      </p:sp>
+      <p:cxnSp>
+        <p:nvCxnSpPr>
+          <p:cNvPr id="14" name="Straight Arrow Connector 13"/>
+          <p:cNvCxnSpPr>
+            <a:cxnSpLocks/>
+            <a:stCxn id="13" idx="2"/>
+          </p:cNvCxnSpPr>
+          <p:nvPr/>
+        </p:nvCxnSpPr>
+        <p:spPr>
+          <a:xfrm>
+            <a:off x="3802476" y="2158829"/>
+            <a:ext cx="1232040" cy="768363"/>
+          </a:xfrm>
+          <a:prstGeom prst="straightConnector1">
+            <a:avLst/>
+          </a:prstGeom>
+          <a:ln w="25400">
+            <a:solidFill>
+              <a:schemeClr val="tx1"/>
+            </a:solidFill>
+            <a:tailEnd type="triangle"/>
+          </a:ln>
+        </p:spPr>
+        <p:style>
+          <a:lnRef idx="1">
+            <a:schemeClr val="accent1"/>
+          </a:lnRef>
+          <a:fillRef idx="0">
+            <a:schemeClr val="accent1"/>
+          </a:fillRef>
+          <a:effectRef idx="0">
+            <a:schemeClr val="accent1"/>
+          </a:effectRef>
+          <a:fontRef idx="minor">
+            <a:schemeClr val="tx1"/>
+          </a:fontRef>
+        </p:style>
+      </p:cxnSp>
+    </p:spTree>
+    <p:extLst>
+      <p:ext uri="{BB962C8B-B14F-4D97-AF65-F5344CB8AC3E}">
+        <p14:creationId xmlns:p14="http://schemas.microsoft.com/office/powerpoint/2010/main" val="3643387773"/>
+      </p:ext>
+    </p:extLst>
+  </p:cSld>
+  <p:clrMapOvr>
+    <a:masterClrMapping/>
+  </p:clrMapOvr>
+  <p:timing>
+    <p:tnLst>
+      <p:par>
+        <p:cTn id="1" dur="indefinite" restart="never" nodeType="tmRoot">
+          <p:childTnLst>
+            <p:seq concurrent="1" nextAc="seek">
+              <p:cTn id="2" dur="indefinite" nodeType="mainSeq">
+                <p:childTnLst>
+                  <p:par>
+                    <p:cTn id="3" fill="hold">
+                      <p:stCondLst>
+                        <p:cond delay="indefinite"/>
+                      </p:stCondLst>
+                      <p:childTnLst>
+                        <p:par>
+                          <p:cTn id="4" fill="hold">
+                            <p:stCondLst>
+                              <p:cond delay="0"/>
+                            </p:stCondLst>
+                            <p:childTnLst>
+                              <p:par>
+                                <p:cTn id="5" presetID="2" presetClass="entr" presetSubtype="4" fill="hold" nodeType="clickEffect">
+                                  <p:stCondLst>
+                                    <p:cond delay="0"/>
+                                  </p:stCondLst>
+                                  <p:childTnLst>
+                                    <p:set>
+                                      <p:cBhvr>
+                                        <p:cTn id="6" dur="1" fill="hold">
+                                          <p:stCondLst>
+                                            <p:cond delay="0"/>
+                                          </p:stCondLst>
+                                        </p:cTn>
+                                        <p:tgtEl>
+                                          <p:spTgt spid="14"/>
+                                        </p:tgtEl>
+                                        <p:attrNameLst>
+                                          <p:attrName>style.visibility</p:attrName>
+                                        </p:attrNameLst>
+                                      </p:cBhvr>
+                                      <p:to>
+                                        <p:strVal val="visible"/>
+                                      </p:to>
+                                    </p:set>
+                                    <p:anim calcmode="lin" valueType="num">
+                                      <p:cBhvr additive="base">
+                                        <p:cTn id="7" dur="500" fill="hold"/>
+                                        <p:tgtEl>
+                                          <p:spTgt spid="14"/>
+                                        </p:tgtEl>
+                                        <p:attrNameLst>
+                                          <p:attrName>ppt_x</p:attrName>
+                                        </p:attrNameLst>
+                                      </p:cBhvr>
+                                      <p:tavLst>
+                                        <p:tav tm="0">
+                                          <p:val>
+                                            <p:strVal val="#ppt_x"/>
+                                          </p:val>
+                                        </p:tav>
+                                        <p:tav tm="100000">
+                                          <p:val>
+                                            <p:strVal val="#ppt_x"/>
+                                          </p:val>
+                                        </p:tav>
+                                      </p:tavLst>
+                                    </p:anim>
+                                    <p:anim calcmode="lin" valueType="num">
+                                      <p:cBhvr additive="base">
+                                        <p:cTn id="8" dur="500" fill="hold"/>
+                                        <p:tgtEl>
+                                          <p:spTgt spid="14"/>
+                                        </p:tgtEl>
+                                        <p:attrNameLst>
+                                          <p:attrName>ppt_y</p:attrName>
+                                        </p:attrNameLst>
+                                      </p:cBhvr>
+                                      <p:tavLst>
+                                        <p:tav tm="0">
+                                          <p:val>
+                                            <p:strVal val="1+#ppt_h/2"/>
+                                          </p:val>
+                                        </p:tav>
+                                        <p:tav tm="100000">
+                                          <p:val>
+                                            <p:strVal val="#ppt_y"/>
+                                          </p:val>
+                                        </p:tav>
+                                      </p:tavLst>
+                                    </p:anim>
+                                  </p:childTnLst>
+                                </p:cTn>
+                              </p:par>
+                              <p:par>
+                                <p:cTn id="9" presetID="2" presetClass="entr" presetSubtype="4" fill="hold" grpId="0" nodeType="withEffect">
+                                  <p:stCondLst>
+                                    <p:cond delay="0"/>
+                                  </p:stCondLst>
+                                  <p:childTnLst>
+                                    <p:set>
+                                      <p:cBhvr>
+                                        <p:cTn id="10" dur="1" fill="hold">
+                                          <p:stCondLst>
+                                            <p:cond delay="0"/>
+                                          </p:stCondLst>
+                                        </p:cTn>
+                                        <p:tgtEl>
+                                          <p:spTgt spid="13"/>
+                                        </p:tgtEl>
+                                        <p:attrNameLst>
+                                          <p:attrName>style.visibility</p:attrName>
+                                        </p:attrNameLst>
+                                      </p:cBhvr>
+                                      <p:to>
+                                        <p:strVal val="visible"/>
+                                      </p:to>
+                                    </p:set>
+                                    <p:anim calcmode="lin" valueType="num">
+                                      <p:cBhvr additive="base">
+                                        <p:cTn id="11" dur="500" fill="hold"/>
+                                        <p:tgtEl>
+                                          <p:spTgt spid="13"/>
+                                        </p:tgtEl>
+                                        <p:attrNameLst>
+                                          <p:attrName>ppt_x</p:attrName>
+                                        </p:attrNameLst>
+                                      </p:cBhvr>
+                                      <p:tavLst>
+                                        <p:tav tm="0">
+                                          <p:val>
+                                            <p:strVal val="#ppt_x"/>
+                                          </p:val>
+                                        </p:tav>
+                                        <p:tav tm="100000">
+                                          <p:val>
+                                            <p:strVal val="#ppt_x"/>
+                                          </p:val>
+                                        </p:tav>
+                                      </p:tavLst>
+                                    </p:anim>
+                                    <p:anim calcmode="lin" valueType="num">
+                                      <p:cBhvr additive="base">
+                                        <p:cTn id="12" dur="500" fill="hold"/>
+                                        <p:tgtEl>
+                                          <p:spTgt spid="13"/>
+                                        </p:tgtEl>
+                                        <p:attrNameLst>
+                                          <p:attrName>ppt_y</p:attrName>
+                                        </p:attrNameLst>
+                                      </p:cBhvr>
+                                      <p:tavLst>
+                                        <p:tav tm="0">
+                                          <p:val>
+                                            <p:strVal val="1+#ppt_h/2"/>
+                                          </p:val>
+                                        </p:tav>
+                                        <p:tav tm="100000">
+                                          <p:val>
+                                            <p:strVal val="#ppt_y"/>
+                                          </p:val>
+                                        </p:tav>
+                                      </p:tavLst>
+                                    </p:anim>
+                                  </p:childTnLst>
+                                </p:cTn>
+                              </p:par>
+                            </p:childTnLst>
+                          </p:cTn>
+                        </p:par>
+                      </p:childTnLst>
+                    </p:cTn>
+                  </p:par>
+                </p:childTnLst>
+              </p:cTn>
+              <p:prevCondLst>
+                <p:cond evt="onPrev" delay="0">
+                  <p:tgtEl>
+                    <p:sldTgt/>
+                  </p:tgtEl>
+                </p:cond>
+              </p:prevCondLst>
+              <p:nextCondLst>
+                <p:cond evt="onNext" delay="0">
+                  <p:tgtEl>
+                    <p:sldTgt/>
+                  </p:tgtEl>
+                </p:cond>
+              </p:nextCondLst>
+            </p:seq>
+          </p:childTnLst>
+        </p:cTn>
+      </p:par>
+    </p:tnLst>
+    <p:bldLst>
+      <p:bldP spid="13" grpId="0" animBg="1"/>
+    </p:bldLst>
+  </p:timing>
+</p:sld>
+</file>
+
+<file path=ppt/slides/slide45.xml><?xml version="1.0" encoding="utf-8"?>
+<p:sld xmlns:a="http://schemas.openxmlformats.org/drawingml/2006/main" xmlns:r="http://schemas.openxmlformats.org/officeDocument/2006/relationships" xmlns:p="http://schemas.openxmlformats.org/presentationml/2006/main">
+  <p:cSld>
+    <p:spTree>
+      <p:nvGrpSpPr>
+        <p:cNvPr id="1" name=""/>
+        <p:cNvGrpSpPr/>
+        <p:nvPr/>
+      </p:nvGrpSpPr>
+      <p:grpSpPr>
+        <a:xfrm>
+          <a:off x="0" y="0"/>
+          <a:ext cx="0" cy="0"/>
+          <a:chOff x="0" y="0"/>
+          <a:chExt cx="0" cy="0"/>
+        </a:xfrm>
+      </p:grpSpPr>
+      <p:sp>
+        <p:nvSpPr>
+          <p:cNvPr id="2" name="Title 1"/>
+          <p:cNvSpPr>
+            <a:spLocks noGrp="1"/>
+          </p:cNvSpPr>
+          <p:nvPr>
+            <p:ph type="title"/>
+          </p:nvPr>
+        </p:nvSpPr>
+        <p:spPr>
+          <a:xfrm>
+            <a:off x="838200" y="365126"/>
+            <a:ext cx="6113662" cy="1409174"/>
+          </a:xfrm>
+        </p:spPr>
+        <p:txBody>
+          <a:bodyPr>
+            <a:normAutofit/>
+          </a:bodyPr>
+          <a:lstStyle/>
+          <a:p>
+            <a:r>
+              <a:rPr lang="en-US" sz="3600" dirty="0"/>
+              <a:t>Object-Oriented Programming</a:t>
+            </a:r>
+            <a:br>
+              <a:rPr lang="en-US" sz="3600" dirty="0"/>
+            </a:br>
+            <a:r>
+              <a:rPr lang="en-US" sz="1800" dirty="0"/>
+              <a:t>Session: Week 8 Session 4 </a:t>
+            </a:r>
+            <a:br>
+              <a:rPr lang="en-US" sz="1800" dirty="0"/>
+            </a:br>
+            <a:r>
+              <a:rPr lang="en-US" sz="1800" dirty="0"/>
+              <a:t>Instructor: Eric Pogue</a:t>
+            </a:r>
+            <a:endParaRPr lang="en-US" sz="1800" b="1" i="1" u="sng" dirty="0"/>
+          </a:p>
+        </p:txBody>
+      </p:sp>
+      <p:pic>
+        <p:nvPicPr>
+          <p:cNvPr id="4" name="Content Placeholder 4"/>
+          <p:cNvPicPr>
+            <a:picLocks noChangeAspect="1"/>
+          </p:cNvPicPr>
+          <p:nvPr/>
+        </p:nvPicPr>
+        <p:blipFill>
+          <a:blip r:embed="rId3"/>
+          <a:stretch>
+            <a:fillRect/>
+          </a:stretch>
+        </p:blipFill>
+        <p:spPr>
+          <a:xfrm>
+            <a:off x="9072894" y="182925"/>
+            <a:ext cx="2656367" cy="1366321"/>
+          </a:xfrm>
+          <a:prstGeom prst="rect">
+            <a:avLst/>
+          </a:prstGeom>
+        </p:spPr>
+      </p:pic>
+      <p:sp>
+        <p:nvSpPr>
+          <p:cNvPr id="10" name="Content Placeholder 2"/>
+          <p:cNvSpPr>
+            <a:spLocks noGrp="1"/>
+          </p:cNvSpPr>
+          <p:nvPr>
+            <p:ph idx="1"/>
+          </p:nvPr>
+        </p:nvSpPr>
+        <p:spPr>
+          <a:xfrm>
+            <a:off x="838200" y="1884313"/>
+            <a:ext cx="10718950" cy="4571242"/>
+          </a:xfrm>
+        </p:spPr>
+        <p:txBody>
+          <a:bodyPr>
+            <a:noAutofit/>
+          </a:bodyPr>
+          <a:lstStyle/>
+          <a:p>
+            <a:pPr marL="0" indent="0">
+              <a:buNone/>
+            </a:pPr>
+            <a:r>
+              <a:rPr lang="en-US" sz="2000" u="sng" dirty="0" err="1"/>
+              <a:t>ShapeDrawDataServerStart</a:t>
+            </a:r>
+            <a:r>
+              <a:rPr lang="en-US" sz="2000" u="sng" dirty="0"/>
+              <a:t> Application:</a:t>
+            </a:r>
+          </a:p>
+          <a:p>
+            <a:pPr marL="457200" indent="-457200">
+              <a:buFont typeface="+mj-lt"/>
+              <a:buAutoNum type="arabicPeriod"/>
+            </a:pPr>
+            <a:r>
+              <a:rPr lang="en-US" sz="2000" dirty="0"/>
+              <a:t>Develop application entirely in Visual Studio 2017 and C#</a:t>
+            </a:r>
+          </a:p>
+          <a:p>
+            <a:pPr marL="457200" indent="-457200">
+              <a:buFont typeface="+mj-lt"/>
+              <a:buAutoNum type="arabicPeriod"/>
+            </a:pPr>
+            <a:r>
+              <a:rPr lang="en-US" sz="2000" dirty="0"/>
+              <a:t>Listen for a socket request</a:t>
+            </a:r>
+          </a:p>
+          <a:p>
+            <a:pPr marL="457200" indent="-457200">
+              <a:buFont typeface="+mj-lt"/>
+              <a:buAutoNum type="arabicPeriod"/>
+            </a:pPr>
+            <a:r>
+              <a:rPr lang="en-US" sz="2000" dirty="0"/>
+              <a:t>Test Server and Client together</a:t>
+            </a:r>
+          </a:p>
+          <a:p>
+            <a:pPr marL="457200" indent="-457200">
+              <a:buFont typeface="+mj-lt"/>
+              <a:buAutoNum type="arabicPeriod"/>
+            </a:pPr>
+            <a:r>
+              <a:rPr lang="en-US" sz="2000" dirty="0"/>
+              <a:t>Reiterate that you may utilize this code as the starting point for your Week 8 assignment</a:t>
+            </a:r>
+          </a:p>
+          <a:p>
+            <a:pPr marL="457200" indent="-457200">
+              <a:buFont typeface="+mj-lt"/>
+              <a:buAutoNum type="arabicPeriod"/>
+            </a:pPr>
+            <a:r>
+              <a:rPr lang="en-US" sz="2000" dirty="0"/>
+              <a:t>Next Steps</a:t>
+            </a:r>
+          </a:p>
+          <a:p>
+            <a:pPr marL="0" indent="0">
+              <a:buNone/>
+            </a:pPr>
+            <a:endParaRPr lang="en-US" sz="2000" dirty="0"/>
+          </a:p>
+        </p:txBody>
+      </p:sp>
+    </p:spTree>
+    <p:extLst>
+      <p:ext uri="{BB962C8B-B14F-4D97-AF65-F5344CB8AC3E}">
+        <p14:creationId xmlns:p14="http://schemas.microsoft.com/office/powerpoint/2010/main" val="3729853180"/>
+      </p:ext>
+    </p:extLst>
+  </p:cSld>
+  <p:clrMapOvr>
+    <a:masterClrMapping/>
+  </p:clrMapOvr>
+</p:sld>
+</file>
+
+<file path=ppt/slides/slide46.xml><?xml version="1.0" encoding="utf-8"?>
 <p:sld xmlns:a="http://schemas.openxmlformats.org/drawingml/2006/main" xmlns:r="http://schemas.openxmlformats.org/officeDocument/2006/relationships" xmlns:p="http://schemas.openxmlformats.org/presentationml/2006/main">
   <p:cSld>
     <p:bg>
@@ -23284,7 +24682,7 @@
 </p:sld>
 </file>
 
-<file path=ppt/slides/slide44.xml><?xml version="1.0" encoding="utf-8"?>
+<file path=ppt/slides/slide47.xml><?xml version="1.0" encoding="utf-8"?>
 <p:sld xmlns:a="http://schemas.openxmlformats.org/drawingml/2006/main" xmlns:r="http://schemas.openxmlformats.org/officeDocument/2006/relationships" xmlns:p="http://schemas.openxmlformats.org/presentationml/2006/main">
   <p:cSld>
     <p:bg>
@@ -24619,12 +26017,9 @@
 </file>
 
 <file path=customXml/item1.xml><?xml version="1.0" encoding="utf-8"?>
-<?mso-contentType ?>
-<FormTemplates xmlns="http://schemas.microsoft.com/sharepoint/v3/contenttype/forms">
-  <Display>DocumentLibraryForm</Display>
-  <Edit>DocumentLibraryForm</Edit>
-  <New>DocumentLibraryForm</New>
-</FormTemplates>
+<p:properties xmlns:p="http://schemas.microsoft.com/office/2006/metadata/properties" xmlns:xsi="http://www.w3.org/2001/XMLSchema-instance" xmlns:pc="http://schemas.microsoft.com/office/infopath/2007/PartnerControls">
+  <documentManagement/>
+</p:properties>
 </file>
 
 <file path=customXml/item2.xml><?xml version="1.0" encoding="utf-8"?>
@@ -24742,15 +26137,25 @@
 </file>
 
 <file path=customXml/item3.xml><?xml version="1.0" encoding="utf-8"?>
-<p:properties xmlns:p="http://schemas.microsoft.com/office/2006/metadata/properties" xmlns:xsi="http://www.w3.org/2001/XMLSchema-instance" xmlns:pc="http://schemas.microsoft.com/office/infopath/2007/PartnerControls">
-  <documentManagement/>
-</p:properties>
+<?mso-contentType ?>
+<FormTemplates xmlns="http://schemas.microsoft.com/sharepoint/v3/contenttype/forms">
+  <Display>DocumentLibraryForm</Display>
+  <Edit>DocumentLibraryForm</Edit>
+  <New>DocumentLibraryForm</New>
+</FormTemplates>
 </file>
 
 <file path=customXml/itemProps1.xml><?xml version="1.0" encoding="utf-8"?>
-<ds:datastoreItem xmlns:ds="http://schemas.openxmlformats.org/officeDocument/2006/customXml" ds:itemID="{87FD8B20-B89A-4B23-9329-175195DD4D8A}">
+<ds:datastoreItem xmlns:ds="http://schemas.openxmlformats.org/officeDocument/2006/customXml" ds:itemID="{3473EA1A-2744-48E8-B2A3-4F89C0FC849C}">
   <ds:schemaRefs>
-    <ds:schemaRef ds:uri="http://schemas.microsoft.com/sharepoint/v3/contenttype/forms"/>
+    <ds:schemaRef ds:uri="http://purl.org/dc/terms/"/>
+    <ds:schemaRef ds:uri="http://schemas.openxmlformats.org/package/2006/metadata/core-properties"/>
+    <ds:schemaRef ds:uri="http://purl.org/dc/dcmitype/"/>
+    <ds:schemaRef ds:uri="http://schemas.microsoft.com/office/infopath/2007/PartnerControls"/>
+    <ds:schemaRef ds:uri="http://purl.org/dc/elements/1.1/"/>
+    <ds:schemaRef ds:uri="http://schemas.microsoft.com/office/2006/metadata/properties"/>
+    <ds:schemaRef ds:uri="http://schemas.microsoft.com/office/2006/documentManagement/types"/>
+    <ds:schemaRef ds:uri="http://www.w3.org/XML/1998/namespace"/>
   </ds:schemaRefs>
 </ds:datastoreItem>
 </file>
@@ -24772,16 +26177,9 @@
 </file>
 
 <file path=customXml/itemProps3.xml><?xml version="1.0" encoding="utf-8"?>
-<ds:datastoreItem xmlns:ds="http://schemas.openxmlformats.org/officeDocument/2006/customXml" ds:itemID="{3473EA1A-2744-48E8-B2A3-4F89C0FC849C}">
+<ds:datastoreItem xmlns:ds="http://schemas.openxmlformats.org/officeDocument/2006/customXml" ds:itemID="{87FD8B20-B89A-4B23-9329-175195DD4D8A}">
   <ds:schemaRefs>
-    <ds:schemaRef ds:uri="http://purl.org/dc/terms/"/>
-    <ds:schemaRef ds:uri="http://schemas.microsoft.com/office/2006/documentManagement/types"/>
-    <ds:schemaRef ds:uri="http://purl.org/dc/dcmitype/"/>
-    <ds:schemaRef ds:uri="http://schemas.microsoft.com/office/infopath/2007/PartnerControls"/>
-    <ds:schemaRef ds:uri="http://purl.org/dc/elements/1.1/"/>
-    <ds:schemaRef ds:uri="http://schemas.microsoft.com/office/2006/metadata/properties"/>
-    <ds:schemaRef ds:uri="http://schemas.openxmlformats.org/package/2006/metadata/core-properties"/>
-    <ds:schemaRef ds:uri="http://www.w3.org/XML/1998/namespace"/>
+    <ds:schemaRef ds:uri="http://schemas.microsoft.com/sharepoint/v3/contenttype/forms"/>
   </ds:schemaRefs>
 </ds:datastoreItem>
 </file>
--- a/CPSC-24500/Week08/2017SpringW08Slides.pptx
+++ b/CPSC-24500/Week08/2017SpringW08Slides.pptx
@@ -5,7 +5,7 @@
     <p:sldMasterId id="2147483648" r:id="rId4"/>
   </p:sldMasterIdLst>
   <p:notesMasterIdLst>
-    <p:notesMasterId r:id="rId52"/>
+    <p:notesMasterId r:id="rId55"/>
   </p:notesMasterIdLst>
   <p:sldIdLst>
     <p:sldId id="381" r:id="rId5"/>
@@ -29,32 +29,35 @@
     <p:sldId id="571" r:id="rId23"/>
     <p:sldId id="572" r:id="rId24"/>
     <p:sldId id="573" r:id="rId25"/>
-    <p:sldId id="574" r:id="rId26"/>
-    <p:sldId id="575" r:id="rId27"/>
-    <p:sldId id="576" r:id="rId28"/>
-    <p:sldId id="577" r:id="rId29"/>
-    <p:sldId id="578" r:id="rId30"/>
-    <p:sldId id="579" r:id="rId31"/>
-    <p:sldId id="580" r:id="rId32"/>
-    <p:sldId id="582" r:id="rId33"/>
-    <p:sldId id="583" r:id="rId34"/>
-    <p:sldId id="584" r:id="rId35"/>
-    <p:sldId id="585" r:id="rId36"/>
-    <p:sldId id="587" r:id="rId37"/>
-    <p:sldId id="588" r:id="rId38"/>
-    <p:sldId id="586" r:id="rId39"/>
-    <p:sldId id="590" r:id="rId40"/>
-    <p:sldId id="591" r:id="rId41"/>
-    <p:sldId id="592" r:id="rId42"/>
-    <p:sldId id="589" r:id="rId43"/>
-    <p:sldId id="567" r:id="rId44"/>
-    <p:sldId id="569" r:id="rId45"/>
-    <p:sldId id="568" r:id="rId46"/>
-    <p:sldId id="593" r:id="rId47"/>
-    <p:sldId id="595" r:id="rId48"/>
-    <p:sldId id="594" r:id="rId49"/>
-    <p:sldId id="547" r:id="rId50"/>
-    <p:sldId id="551" r:id="rId51"/>
+    <p:sldId id="597" r:id="rId26"/>
+    <p:sldId id="598" r:id="rId27"/>
+    <p:sldId id="574" r:id="rId28"/>
+    <p:sldId id="575" r:id="rId29"/>
+    <p:sldId id="576" r:id="rId30"/>
+    <p:sldId id="577" r:id="rId31"/>
+    <p:sldId id="578" r:id="rId32"/>
+    <p:sldId id="579" r:id="rId33"/>
+    <p:sldId id="580" r:id="rId34"/>
+    <p:sldId id="582" r:id="rId35"/>
+    <p:sldId id="583" r:id="rId36"/>
+    <p:sldId id="584" r:id="rId37"/>
+    <p:sldId id="596" r:id="rId38"/>
+    <p:sldId id="585" r:id="rId39"/>
+    <p:sldId id="587" r:id="rId40"/>
+    <p:sldId id="588" r:id="rId41"/>
+    <p:sldId id="586" r:id="rId42"/>
+    <p:sldId id="590" r:id="rId43"/>
+    <p:sldId id="591" r:id="rId44"/>
+    <p:sldId id="592" r:id="rId45"/>
+    <p:sldId id="589" r:id="rId46"/>
+    <p:sldId id="567" r:id="rId47"/>
+    <p:sldId id="569" r:id="rId48"/>
+    <p:sldId id="568" r:id="rId49"/>
+    <p:sldId id="593" r:id="rId50"/>
+    <p:sldId id="595" r:id="rId51"/>
+    <p:sldId id="594" r:id="rId52"/>
+    <p:sldId id="547" r:id="rId53"/>
+    <p:sldId id="551" r:id="rId54"/>
   </p:sldIdLst>
   <p:sldSz cx="12192000" cy="6858000"/>
   <p:notesSz cx="7315200" cy="9601200"/>
@@ -250,7 +253,7 @@
           <a:p>
             <a:fld id="{91ED72D7-FE6F-4B82-8D31-76BC00B06094}" type="datetimeFigureOut">
               <a:rPr lang="en-US" smtClean="0"/>
-              <a:t>5/8/2017</a:t>
+              <a:t>5/9/2017</a:t>
             </a:fld>
             <a:endParaRPr lang="en-US" dirty="0"/>
           </a:p>
@@ -1854,7 +1857,7 @@
           <a:p>
             <a:pPr lvl="0"/>
             <a:r>
-              <a:rPr lang="en-US" sz="1000" dirty="0"/>
+              <a:rPr lang="en-US" sz="1000" b="1" dirty="0"/>
               <a:t>Databases and Database Management Systems (DBMS) are a HUGE topic and one of the cornerstones of most IT organizations. We are just going to be  touching the surface today. </a:t>
             </a:r>
           </a:p>
@@ -1888,46 +1891,7 @@
             <a:pPr lvl="0"/>
             <a:r>
               <a:rPr lang="en-US" sz="1000" dirty="0"/>
-              <a:t>Spreadsheets are often used </a:t>
-            </a:r>
-          </a:p>
-          <a:p>
-            <a:pPr lvl="0"/>
-            <a:endParaRPr lang="en-US" sz="1000" dirty="0"/>
-          </a:p>
-          <a:p>
-            <a:pPr lvl="0"/>
-            <a:r>
-              <a:rPr lang="en-US" sz="1000" dirty="0"/>
-              <a:t>Student</a:t>
-            </a:r>
-          </a:p>
-          <a:p>
-            <a:pPr lvl="0"/>
-            <a:r>
-              <a:rPr lang="en-US" sz="1000" dirty="0"/>
-              <a:t>Course</a:t>
-            </a:r>
-          </a:p>
-          <a:p>
-            <a:pPr lvl="0"/>
-            <a:r>
-              <a:rPr lang="en-US" sz="1000" dirty="0"/>
-              <a:t>Semester</a:t>
-            </a:r>
-          </a:p>
-          <a:p>
-            <a:pPr lvl="0"/>
-            <a:r>
-              <a:rPr lang="en-US" sz="1000" dirty="0"/>
-              <a:t>Room</a:t>
-            </a:r>
-          </a:p>
-          <a:p>
-            <a:pPr lvl="0"/>
-            <a:r>
-              <a:rPr lang="en-US" sz="1000" dirty="0"/>
-              <a:t>Prerequisite  Courses</a:t>
+              <a:t>Spreadsheets are often used… inappropriately in many cases.</a:t>
             </a:r>
           </a:p>
           <a:p>
@@ -2029,7 +1993,7 @@
             <a:pPr lvl="0"/>
             <a:r>
               <a:rPr lang="en-US" sz="1000" dirty="0"/>
-              <a:t>Relationships are based on the shaping of columns between col</a:t>
+              <a:t>We generally attempt model our databases so that that they reflect real-world relationships. Optimal database design and optimal object-oriented design often diverge. When they do, you will need to make a judgement call. </a:t>
             </a:r>
           </a:p>
           <a:p>
@@ -2040,41 +2004,14 @@
             <a:pPr lvl="0"/>
             <a:r>
               <a:rPr lang="en-US" sz="1000" dirty="0"/>
-              <a:t>Table definition</a:t>
+              <a:t>Normalization vs De-normalization:</a:t>
             </a:r>
           </a:p>
           <a:p>
             <a:pPr lvl="0"/>
-            <a:endParaRPr lang="en-US" sz="1000" dirty="0"/>
-          </a:p>
-          <a:p>
-            <a:pPr>
-              <a:buFont typeface="Wingdings" panose="05000000000000000000" pitchFamily="2" charset="2"/>
-              <a:buChar char="§"/>
-            </a:pPr>
             <a:r>
               <a:rPr lang="en-US" sz="1000" dirty="0"/>
-              <a:t>guidelines that help you determine what classes are needed and how they should divide up the work </a:t>
-            </a:r>
-          </a:p>
-          <a:p>
-            <a:pPr>
-              <a:buFont typeface="Wingdings" panose="05000000000000000000" pitchFamily="2" charset="2"/>
-              <a:buChar char="§"/>
-            </a:pPr>
-            <a:r>
-              <a:rPr lang="en-US" sz="1000" dirty="0"/>
-              <a:t>such as modelling the availability of rooms in hotels in a way that supports finding a hotel with vacancies.</a:t>
-            </a:r>
-          </a:p>
-          <a:p>
-            <a:pPr>
-              <a:buFont typeface="Wingdings" panose="05000000000000000000" pitchFamily="2" charset="2"/>
-              <a:buChar char="§"/>
-            </a:pPr>
-            <a:r>
-              <a:rPr lang="en-US" sz="1000" dirty="0"/>
-              <a:t>Natural relationship among different parts of the data</a:t>
+              <a:t>https://en.wikipedia.org/wiki/Database_normalization</a:t>
             </a:r>
           </a:p>
           <a:p>
@@ -2170,10 +2107,6 @@
             <a:pPr lvl="0"/>
             <a:endParaRPr lang="en-US" sz="1000" dirty="0"/>
           </a:p>
-          <a:p>
-            <a:pPr lvl="0"/>
-            <a:endParaRPr lang="en-US" sz="1000" dirty="0"/>
-          </a:p>
         </p:txBody>
       </p:sp>
       <p:sp>
@@ -2202,7 +2135,7 @@
     </p:spTree>
     <p:extLst>
       <p:ext uri="{BB962C8B-B14F-4D97-AF65-F5344CB8AC3E}">
-        <p14:creationId xmlns:p14="http://schemas.microsoft.com/office/powerpoint/2010/main" val="2632683263"/>
+        <p14:creationId xmlns:p14="http://schemas.microsoft.com/office/powerpoint/2010/main" val="2972188767"/>
       </p:ext>
     </p:extLst>
   </p:cSld>
@@ -2256,246 +2189,6 @@
           <a:bodyPr/>
           <a:lstStyle/>
           <a:p>
-            <a:r>
-              <a:rPr lang="en-US" sz="1000" dirty="0"/>
-              <a:t>I will often start with definitions from Wikipedia and other sources. If you are struggling with a topic and/or would like more information, it can often be valuable to review the references. You should be able  to click on the [link] tag (possibly while holding the shift key down) in order open the reference in a browser. Please let me know if this is not working for you.  </a:t>
-            </a:r>
-          </a:p>
-          <a:p>
-            <a:pPr lvl="0"/>
-            <a:endParaRPr lang="en-US" sz="1000" dirty="0"/>
-          </a:p>
-          <a:p>
-            <a:pPr lvl="0"/>
-            <a:r>
-              <a:rPr lang="en-US" sz="1000" dirty="0"/>
-              <a:t>Databases and Database Management Systems (DBMS) are a HUGE topic and one of the cornerstones of most IT organizations. We are just going to be  touching the surface today. </a:t>
-            </a:r>
-          </a:p>
-          <a:p>
-            <a:pPr lvl="0"/>
-            <a:endParaRPr lang="en-US" sz="1000" dirty="0"/>
-          </a:p>
-          <a:p>
-            <a:pPr lvl="0"/>
-            <a:r>
-              <a:rPr lang="en-US" sz="1000" dirty="0"/>
-              <a:t>We often inadvertently refer to database management systems as databases. We should try to be specific in our conversation. In addition, we generally use the term database and DBMS to infer a relational database. </a:t>
-            </a:r>
-          </a:p>
-          <a:p>
-            <a:pPr lvl="0"/>
-            <a:endParaRPr lang="en-US" sz="1000" dirty="0"/>
-          </a:p>
-          <a:p>
-            <a:pPr lvl="0"/>
-            <a:r>
-              <a:rPr lang="en-US" sz="1000" dirty="0"/>
-              <a:t>Databases are generally not portable between DBMS systems. However, a level of portability can be obtained by utilizing industry standard tools and languages like SQL.</a:t>
-            </a:r>
-          </a:p>
-          <a:p>
-            <a:pPr lvl="0"/>
-            <a:endParaRPr lang="en-US" sz="1000" dirty="0"/>
-          </a:p>
-          <a:p>
-            <a:pPr lvl="0"/>
-            <a:r>
-              <a:rPr lang="en-US" sz="1000" dirty="0"/>
-              <a:t>Spreadsheets are often used </a:t>
-            </a:r>
-          </a:p>
-          <a:p>
-            <a:pPr lvl="0"/>
-            <a:endParaRPr lang="en-US" sz="1000" dirty="0"/>
-          </a:p>
-          <a:p>
-            <a:pPr lvl="0"/>
-            <a:r>
-              <a:rPr lang="en-US" sz="1000" dirty="0"/>
-              <a:t>Student</a:t>
-            </a:r>
-          </a:p>
-          <a:p>
-            <a:pPr lvl="0"/>
-            <a:r>
-              <a:rPr lang="en-US" sz="1000" dirty="0"/>
-              <a:t>Course</a:t>
-            </a:r>
-          </a:p>
-          <a:p>
-            <a:pPr lvl="0"/>
-            <a:r>
-              <a:rPr lang="en-US" sz="1000" dirty="0"/>
-              <a:t>Semester</a:t>
-            </a:r>
-          </a:p>
-          <a:p>
-            <a:pPr lvl="0"/>
-            <a:r>
-              <a:rPr lang="en-US" sz="1000" dirty="0"/>
-              <a:t>Room</a:t>
-            </a:r>
-          </a:p>
-          <a:p>
-            <a:pPr lvl="0"/>
-            <a:r>
-              <a:rPr lang="en-US" sz="1000" dirty="0"/>
-              <a:t>Prerequisite  Courses</a:t>
-            </a:r>
-          </a:p>
-          <a:p>
-            <a:pPr lvl="0"/>
-            <a:endParaRPr lang="en-US" sz="1000" dirty="0"/>
-          </a:p>
-          <a:p>
-            <a:pPr lvl="0"/>
-            <a:r>
-              <a:rPr lang="en-US" sz="1000" dirty="0"/>
-              <a:t>A database is not generally </a:t>
-            </a:r>
-            <a:r>
-              <a:rPr lang="en-US" sz="1000" dirty="0">
-                <a:hlinkClick r:id="rId3" tooltip="Software portability"/>
-              </a:rPr>
-              <a:t>portable</a:t>
-            </a:r>
-            <a:r>
-              <a:rPr lang="en-US" sz="1000" dirty="0"/>
-              <a:t> across different DBMSs, but different DBMS can interoperate by using </a:t>
-            </a:r>
-            <a:r>
-              <a:rPr lang="en-US" sz="1000" dirty="0">
-                <a:hlinkClick r:id="rId4" tooltip="Technical standard"/>
-              </a:rPr>
-              <a:t>standards</a:t>
-            </a:r>
-            <a:r>
-              <a:rPr lang="en-US" sz="1000" dirty="0"/>
-              <a:t> such as </a:t>
-            </a:r>
-            <a:r>
-              <a:rPr lang="en-US" sz="1000" dirty="0">
-                <a:hlinkClick r:id="rId5" tooltip="SQL"/>
-              </a:rPr>
-              <a:t>SQL</a:t>
-            </a:r>
-            <a:r>
-              <a:rPr lang="en-US" sz="1000" dirty="0"/>
-              <a:t> and </a:t>
-            </a:r>
-            <a:r>
-              <a:rPr lang="en-US" sz="1000" dirty="0">
-                <a:hlinkClick r:id="rId6" tooltip="ODBC"/>
-              </a:rPr>
-              <a:t>ODBC</a:t>
-            </a:r>
-            <a:r>
-              <a:rPr lang="en-US" sz="1000" dirty="0"/>
-              <a:t> or </a:t>
-            </a:r>
-            <a:r>
-              <a:rPr lang="en-US" sz="1000" dirty="0">
-                <a:hlinkClick r:id="rId7" tooltip="JDBC"/>
-              </a:rPr>
-              <a:t>JDBC</a:t>
-            </a:r>
-            <a:r>
-              <a:rPr lang="en-US" sz="1000" dirty="0"/>
-              <a:t> to allow a single application to work with more than one DBMS. Database management systems are often classified according to the </a:t>
-            </a:r>
-            <a:r>
-              <a:rPr lang="en-US" sz="1000" dirty="0">
-                <a:hlinkClick r:id="rId8" tooltip="Database model"/>
-              </a:rPr>
-              <a:t>database model</a:t>
-            </a:r>
-            <a:r>
-              <a:rPr lang="en-US" sz="1000" dirty="0"/>
-              <a:t> that they support; the most popular database systems since the 1980s have all supported the </a:t>
-            </a:r>
-            <a:r>
-              <a:rPr lang="en-US" sz="1000" dirty="0">
-                <a:hlinkClick r:id="rId9" tooltip="Relational model"/>
-              </a:rPr>
-              <a:t>relational model</a:t>
-            </a:r>
-            <a:r>
-              <a:rPr lang="en-US" sz="1000" dirty="0"/>
-              <a:t> as represented by the </a:t>
-            </a:r>
-            <a:r>
-              <a:rPr lang="en-US" sz="1000" dirty="0">
-                <a:hlinkClick r:id="rId5" tooltip="SQL"/>
-              </a:rPr>
-              <a:t>SQL</a:t>
-            </a:r>
-            <a:r>
-              <a:rPr lang="en-US" sz="1000" dirty="0"/>
-              <a:t> language.</a:t>
-            </a:r>
-          </a:p>
-          <a:p>
-            <a:pPr lvl="0"/>
-            <a:endParaRPr lang="en-US" sz="1000" dirty="0"/>
-          </a:p>
-          <a:p>
-            <a:pPr lvl="0"/>
-            <a:r>
-              <a:rPr lang="en-US" sz="1000" dirty="0"/>
-              <a:t>Relationships are based on the shaping of columns between col</a:t>
-            </a:r>
-          </a:p>
-          <a:p>
-            <a:pPr lvl="0"/>
-            <a:endParaRPr lang="en-US" sz="1000" dirty="0"/>
-          </a:p>
-          <a:p>
-            <a:pPr lvl="0"/>
-            <a:r>
-              <a:rPr lang="en-US" sz="1000" dirty="0"/>
-              <a:t>Table definition</a:t>
-            </a:r>
-          </a:p>
-          <a:p>
-            <a:pPr lvl="0"/>
-            <a:endParaRPr lang="en-US" sz="1000" dirty="0"/>
-          </a:p>
-          <a:p>
-            <a:pPr>
-              <a:buFont typeface="Wingdings" panose="05000000000000000000" pitchFamily="2" charset="2"/>
-              <a:buChar char="§"/>
-            </a:pPr>
-            <a:r>
-              <a:rPr lang="en-US" sz="1000" dirty="0"/>
-              <a:t>guidelines that help you determine what classes are needed and how they should divide up the work </a:t>
-            </a:r>
-          </a:p>
-          <a:p>
-            <a:pPr>
-              <a:buFont typeface="Wingdings" panose="05000000000000000000" pitchFamily="2" charset="2"/>
-              <a:buChar char="§"/>
-            </a:pPr>
-            <a:r>
-              <a:rPr lang="en-US" sz="1000" dirty="0"/>
-              <a:t>such as modelling the availability of rooms in hotels in a way that supports finding a hotel with vacancies.</a:t>
-            </a:r>
-          </a:p>
-          <a:p>
-            <a:pPr>
-              <a:buFont typeface="Wingdings" panose="05000000000000000000" pitchFamily="2" charset="2"/>
-              <a:buChar char="§"/>
-            </a:pPr>
-            <a:r>
-              <a:rPr lang="en-US" sz="1000" dirty="0"/>
-              <a:t>Natural relationship among different parts of the data</a:t>
-            </a:r>
-          </a:p>
-          <a:p>
-            <a:pPr lvl="0"/>
-            <a:endParaRPr lang="en-US" sz="1000" dirty="0"/>
-          </a:p>
-          <a:p>
             <a:pPr lvl="0"/>
             <a:endParaRPr lang="en-US" sz="1000" dirty="0"/>
           </a:p>
@@ -2527,7 +2220,7 @@
     </p:spTree>
     <p:extLst>
       <p:ext uri="{BB962C8B-B14F-4D97-AF65-F5344CB8AC3E}">
-        <p14:creationId xmlns:p14="http://schemas.microsoft.com/office/powerpoint/2010/main" val="1778134974"/>
+        <p14:creationId xmlns:p14="http://schemas.microsoft.com/office/powerpoint/2010/main" val="3053354516"/>
       </p:ext>
     </p:extLst>
   </p:cSld>
@@ -2582,10 +2275,11 @@
           <a:lstStyle/>
           <a:p>
             <a:pPr lvl="0"/>
-            <a:r>
-              <a:rPr lang="en-US" sz="1000" dirty="0"/>
-              <a:t>Very powerful language for managing data and is often used as an “embedded” language from within other environments like Java, C#, and Python.</a:t>
-            </a:r>
+            <a:endParaRPr lang="en-US" sz="1000" dirty="0"/>
+          </a:p>
+          <a:p>
+            <a:pPr lvl="0"/>
+            <a:endParaRPr lang="en-US" sz="1000" dirty="0"/>
           </a:p>
         </p:txBody>
       </p:sp>
@@ -2615,7 +2309,7 @@
     </p:spTree>
     <p:extLst>
       <p:ext uri="{BB962C8B-B14F-4D97-AF65-F5344CB8AC3E}">
-        <p14:creationId xmlns:p14="http://schemas.microsoft.com/office/powerpoint/2010/main" val="2229914595"/>
+        <p14:creationId xmlns:p14="http://schemas.microsoft.com/office/powerpoint/2010/main" val="2632683263"/>
       </p:ext>
     </p:extLst>
   </p:cSld>
@@ -2669,6 +2363,246 @@
           <a:bodyPr/>
           <a:lstStyle/>
           <a:p>
+            <a:r>
+              <a:rPr lang="en-US" sz="1000" dirty="0"/>
+              <a:t>I will often start with definitions from Wikipedia and other sources. If you are struggling with a topic and/or would like more information, it can often be valuable to review the references. You should be able  to click on the [link] tag (possibly while holding the shift key down) in order open the reference in a browser. Please let me know if this is not working for you.  </a:t>
+            </a:r>
+          </a:p>
+          <a:p>
+            <a:pPr lvl="0"/>
+            <a:endParaRPr lang="en-US" sz="1000" dirty="0"/>
+          </a:p>
+          <a:p>
+            <a:pPr lvl="0"/>
+            <a:r>
+              <a:rPr lang="en-US" sz="1000" dirty="0"/>
+              <a:t>Databases and Database Management Systems (DBMS) are a HUGE topic and one of the cornerstones of most IT organizations. We are just going to be  touching the surface today. </a:t>
+            </a:r>
+          </a:p>
+          <a:p>
+            <a:pPr lvl="0"/>
+            <a:endParaRPr lang="en-US" sz="1000" dirty="0"/>
+          </a:p>
+          <a:p>
+            <a:pPr lvl="0"/>
+            <a:r>
+              <a:rPr lang="en-US" sz="1000" dirty="0"/>
+              <a:t>We often inadvertently refer to database management systems as databases. We should try to be specific in our conversation. In addition, we generally use the term database and DBMS to infer a relational database. </a:t>
+            </a:r>
+          </a:p>
+          <a:p>
+            <a:pPr lvl="0"/>
+            <a:endParaRPr lang="en-US" sz="1000" dirty="0"/>
+          </a:p>
+          <a:p>
+            <a:pPr lvl="0"/>
+            <a:r>
+              <a:rPr lang="en-US" sz="1000" dirty="0"/>
+              <a:t>Databases are generally not portable between DBMS systems. However, a level of portability can be obtained by utilizing industry standard tools and languages like SQL.</a:t>
+            </a:r>
+          </a:p>
+          <a:p>
+            <a:pPr lvl="0"/>
+            <a:endParaRPr lang="en-US" sz="1000" dirty="0"/>
+          </a:p>
+          <a:p>
+            <a:pPr lvl="0"/>
+            <a:r>
+              <a:rPr lang="en-US" sz="1000" dirty="0"/>
+              <a:t>Spreadsheets are often used </a:t>
+            </a:r>
+          </a:p>
+          <a:p>
+            <a:pPr lvl="0"/>
+            <a:endParaRPr lang="en-US" sz="1000" dirty="0"/>
+          </a:p>
+          <a:p>
+            <a:pPr lvl="0"/>
+            <a:r>
+              <a:rPr lang="en-US" sz="1000" dirty="0"/>
+              <a:t>Student</a:t>
+            </a:r>
+          </a:p>
+          <a:p>
+            <a:pPr lvl="0"/>
+            <a:r>
+              <a:rPr lang="en-US" sz="1000" dirty="0"/>
+              <a:t>Course</a:t>
+            </a:r>
+          </a:p>
+          <a:p>
+            <a:pPr lvl="0"/>
+            <a:r>
+              <a:rPr lang="en-US" sz="1000" dirty="0"/>
+              <a:t>Semester</a:t>
+            </a:r>
+          </a:p>
+          <a:p>
+            <a:pPr lvl="0"/>
+            <a:r>
+              <a:rPr lang="en-US" sz="1000" dirty="0"/>
+              <a:t>Room</a:t>
+            </a:r>
+          </a:p>
+          <a:p>
+            <a:pPr lvl="0"/>
+            <a:r>
+              <a:rPr lang="en-US" sz="1000" dirty="0"/>
+              <a:t>Prerequisite  Courses</a:t>
+            </a:r>
+          </a:p>
+          <a:p>
+            <a:pPr lvl="0"/>
+            <a:endParaRPr lang="en-US" sz="1000" dirty="0"/>
+          </a:p>
+          <a:p>
+            <a:pPr lvl="0"/>
+            <a:r>
+              <a:rPr lang="en-US" sz="1000" dirty="0"/>
+              <a:t>A database is not generally </a:t>
+            </a:r>
+            <a:r>
+              <a:rPr lang="en-US" sz="1000" dirty="0">
+                <a:hlinkClick r:id="rId3" tooltip="Software portability"/>
+              </a:rPr>
+              <a:t>portable</a:t>
+            </a:r>
+            <a:r>
+              <a:rPr lang="en-US" sz="1000" dirty="0"/>
+              <a:t> across different DBMSs, but different DBMS can interoperate by using </a:t>
+            </a:r>
+            <a:r>
+              <a:rPr lang="en-US" sz="1000" dirty="0">
+                <a:hlinkClick r:id="rId4" tooltip="Technical standard"/>
+              </a:rPr>
+              <a:t>standards</a:t>
+            </a:r>
+            <a:r>
+              <a:rPr lang="en-US" sz="1000" dirty="0"/>
+              <a:t> such as </a:t>
+            </a:r>
+            <a:r>
+              <a:rPr lang="en-US" sz="1000" dirty="0">
+                <a:hlinkClick r:id="rId5" tooltip="SQL"/>
+              </a:rPr>
+              <a:t>SQL</a:t>
+            </a:r>
+            <a:r>
+              <a:rPr lang="en-US" sz="1000" dirty="0"/>
+              <a:t> and </a:t>
+            </a:r>
+            <a:r>
+              <a:rPr lang="en-US" sz="1000" dirty="0">
+                <a:hlinkClick r:id="rId6" tooltip="ODBC"/>
+              </a:rPr>
+              <a:t>ODBC</a:t>
+            </a:r>
+            <a:r>
+              <a:rPr lang="en-US" sz="1000" dirty="0"/>
+              <a:t> or </a:t>
+            </a:r>
+            <a:r>
+              <a:rPr lang="en-US" sz="1000" dirty="0">
+                <a:hlinkClick r:id="rId7" tooltip="JDBC"/>
+              </a:rPr>
+              <a:t>JDBC</a:t>
+            </a:r>
+            <a:r>
+              <a:rPr lang="en-US" sz="1000" dirty="0"/>
+              <a:t> to allow a single application to work with more than one DBMS. Database management systems are often classified according to the </a:t>
+            </a:r>
+            <a:r>
+              <a:rPr lang="en-US" sz="1000" dirty="0">
+                <a:hlinkClick r:id="rId8" tooltip="Database model"/>
+              </a:rPr>
+              <a:t>database model</a:t>
+            </a:r>
+            <a:r>
+              <a:rPr lang="en-US" sz="1000" dirty="0"/>
+              <a:t> that they support; the most popular database systems since the 1980s have all supported the </a:t>
+            </a:r>
+            <a:r>
+              <a:rPr lang="en-US" sz="1000" dirty="0">
+                <a:hlinkClick r:id="rId9" tooltip="Relational model"/>
+              </a:rPr>
+              <a:t>relational model</a:t>
+            </a:r>
+            <a:r>
+              <a:rPr lang="en-US" sz="1000" dirty="0"/>
+              <a:t> as represented by the </a:t>
+            </a:r>
+            <a:r>
+              <a:rPr lang="en-US" sz="1000" dirty="0">
+                <a:hlinkClick r:id="rId5" tooltip="SQL"/>
+              </a:rPr>
+              <a:t>SQL</a:t>
+            </a:r>
+            <a:r>
+              <a:rPr lang="en-US" sz="1000" dirty="0"/>
+              <a:t> language.</a:t>
+            </a:r>
+          </a:p>
+          <a:p>
+            <a:pPr lvl="0"/>
+            <a:endParaRPr lang="en-US" sz="1000" dirty="0"/>
+          </a:p>
+          <a:p>
+            <a:pPr lvl="0"/>
+            <a:r>
+              <a:rPr lang="en-US" sz="1000" dirty="0"/>
+              <a:t>Relationships are based on the shaping of columns between col</a:t>
+            </a:r>
+          </a:p>
+          <a:p>
+            <a:pPr lvl="0"/>
+            <a:endParaRPr lang="en-US" sz="1000" dirty="0"/>
+          </a:p>
+          <a:p>
+            <a:pPr lvl="0"/>
+            <a:r>
+              <a:rPr lang="en-US" sz="1000" dirty="0"/>
+              <a:t>Table definition</a:t>
+            </a:r>
+          </a:p>
+          <a:p>
+            <a:pPr lvl="0"/>
+            <a:endParaRPr lang="en-US" sz="1000" dirty="0"/>
+          </a:p>
+          <a:p>
+            <a:pPr>
+              <a:buFont typeface="Wingdings" panose="05000000000000000000" pitchFamily="2" charset="2"/>
+              <a:buChar char="§"/>
+            </a:pPr>
+            <a:r>
+              <a:rPr lang="en-US" sz="1000" dirty="0"/>
+              <a:t>guidelines that help you determine what classes are needed and how they should divide up the work </a:t>
+            </a:r>
+          </a:p>
+          <a:p>
+            <a:pPr>
+              <a:buFont typeface="Wingdings" panose="05000000000000000000" pitchFamily="2" charset="2"/>
+              <a:buChar char="§"/>
+            </a:pPr>
+            <a:r>
+              <a:rPr lang="en-US" sz="1000" dirty="0"/>
+              <a:t>such as modelling the availability of rooms in hotels in a way that supports finding a hotel with vacancies.</a:t>
+            </a:r>
+          </a:p>
+          <a:p>
+            <a:pPr>
+              <a:buFont typeface="Wingdings" panose="05000000000000000000" pitchFamily="2" charset="2"/>
+              <a:buChar char="§"/>
+            </a:pPr>
+            <a:r>
+              <a:rPr lang="en-US" sz="1000" dirty="0"/>
+              <a:t>Natural relationship among different parts of the data</a:t>
+            </a:r>
+          </a:p>
+          <a:p>
+            <a:pPr lvl="0"/>
+            <a:endParaRPr lang="en-US" sz="1000" dirty="0"/>
+          </a:p>
+          <a:p>
             <a:pPr lvl="0"/>
             <a:endParaRPr lang="en-US" sz="1000" dirty="0"/>
           </a:p>
@@ -2700,7 +2634,7 @@
     </p:spTree>
     <p:extLst>
       <p:ext uri="{BB962C8B-B14F-4D97-AF65-F5344CB8AC3E}">
-        <p14:creationId xmlns:p14="http://schemas.microsoft.com/office/powerpoint/2010/main" val="2224292989"/>
+        <p14:creationId xmlns:p14="http://schemas.microsoft.com/office/powerpoint/2010/main" val="1778134974"/>
       </p:ext>
     </p:extLst>
   </p:cSld>
@@ -2755,7 +2689,10 @@
           <a:lstStyle/>
           <a:p>
             <a:pPr lvl="0"/>
-            <a:endParaRPr lang="en-US" sz="1000" dirty="0"/>
+            <a:r>
+              <a:rPr lang="en-US" sz="1000" dirty="0"/>
+              <a:t>Very powerful language for managing data and is often used as an “embedded” language from within other environments like Java, C#, and Python.</a:t>
+            </a:r>
           </a:p>
         </p:txBody>
       </p:sp>
@@ -2785,7 +2722,7 @@
     </p:spTree>
     <p:extLst>
       <p:ext uri="{BB962C8B-B14F-4D97-AF65-F5344CB8AC3E}">
-        <p14:creationId xmlns:p14="http://schemas.microsoft.com/office/powerpoint/2010/main" val="2345784146"/>
+        <p14:creationId xmlns:p14="http://schemas.microsoft.com/office/powerpoint/2010/main" val="2229914595"/>
       </p:ext>
     </p:extLst>
   </p:cSld>
@@ -2840,21 +2777,7 @@
           <a:lstStyle/>
           <a:p>
             <a:pPr lvl="0"/>
-            <a:r>
-              <a:rPr lang="en-US" sz="1000" dirty="0"/>
-              <a:t>Replication is most often a bad idea.</a:t>
-            </a:r>
-          </a:p>
-          <a:p>
-            <a:pPr lvl="0"/>
             <a:endParaRPr lang="en-US" sz="1000" dirty="0"/>
-          </a:p>
-          <a:p>
-            <a:pPr lvl="0"/>
-            <a:r>
-              <a:rPr lang="en-US" sz="1000" dirty="0"/>
-              <a:t>“Smart Naming”</a:t>
-            </a:r>
           </a:p>
         </p:txBody>
       </p:sp>
@@ -2884,7 +2807,7 @@
     </p:spTree>
     <p:extLst>
       <p:ext uri="{BB962C8B-B14F-4D97-AF65-F5344CB8AC3E}">
-        <p14:creationId xmlns:p14="http://schemas.microsoft.com/office/powerpoint/2010/main" val="3816355225"/>
+        <p14:creationId xmlns:p14="http://schemas.microsoft.com/office/powerpoint/2010/main" val="2224292989"/>
       </p:ext>
     </p:extLst>
   </p:cSld>
@@ -2939,21 +2862,7 @@
           <a:lstStyle/>
           <a:p>
             <a:pPr lvl="0"/>
-            <a:r>
-              <a:rPr lang="en-US" sz="1000" dirty="0"/>
-              <a:t>Replication is most often a bad idea.</a:t>
-            </a:r>
-          </a:p>
-          <a:p>
-            <a:pPr lvl="0"/>
             <a:endParaRPr lang="en-US" sz="1000" dirty="0"/>
-          </a:p>
-          <a:p>
-            <a:pPr lvl="0"/>
-            <a:r>
-              <a:rPr lang="en-US" sz="1000" dirty="0"/>
-              <a:t>“Smart Naming”</a:t>
-            </a:r>
           </a:p>
         </p:txBody>
       </p:sp>
@@ -2983,7 +2892,7 @@
     </p:spTree>
     <p:extLst>
       <p:ext uri="{BB962C8B-B14F-4D97-AF65-F5344CB8AC3E}">
-        <p14:creationId xmlns:p14="http://schemas.microsoft.com/office/powerpoint/2010/main" val="42647209"/>
+        <p14:creationId xmlns:p14="http://schemas.microsoft.com/office/powerpoint/2010/main" val="2345784146"/>
       </p:ext>
     </p:extLst>
   </p:cSld>
@@ -3040,21 +2949,7 @@
             <a:pPr lvl="0"/>
             <a:r>
               <a:rPr lang="en-US" sz="1000" dirty="0"/>
-              <a:t>Cross-platform Enforced Encapsulation &amp; Data Hiding! </a:t>
-            </a:r>
-          </a:p>
-          <a:p>
-            <a:pPr lvl="0"/>
-            <a:r>
-              <a:rPr lang="en-US" sz="1000" dirty="0"/>
-              <a:t>Security</a:t>
-            </a:r>
-          </a:p>
-          <a:p>
-            <a:pPr lvl="0"/>
-            <a:r>
-              <a:rPr lang="en-US" sz="1000" dirty="0"/>
-              <a:t>Sharing of business logic and processes. </a:t>
+              <a:t>Replication is most often a bad idea.</a:t>
             </a:r>
           </a:p>
           <a:p>
@@ -3065,18 +2960,7 @@
             <a:pPr lvl="0"/>
             <a:r>
               <a:rPr lang="en-US" sz="1000" dirty="0"/>
-              <a:t>Interface Inheritance</a:t>
-            </a:r>
-          </a:p>
-          <a:p>
-            <a:pPr lvl="0"/>
-            <a:endParaRPr lang="en-US" sz="1000" dirty="0"/>
-          </a:p>
-          <a:p>
-            <a:pPr lvl="0"/>
-            <a:r>
-              <a:rPr lang="en-US" sz="1000" dirty="0"/>
-              <a:t>Very little benefit in Implementation Inheritance or Polymorphism</a:t>
+              <a:t>“Smart Naming”</a:t>
             </a:r>
           </a:p>
         </p:txBody>
@@ -3107,7 +2991,7 @@
     </p:spTree>
     <p:extLst>
       <p:ext uri="{BB962C8B-B14F-4D97-AF65-F5344CB8AC3E}">
-        <p14:creationId xmlns:p14="http://schemas.microsoft.com/office/powerpoint/2010/main" val="1021989633"/>
+        <p14:creationId xmlns:p14="http://schemas.microsoft.com/office/powerpoint/2010/main" val="3816355225"/>
       </p:ext>
     </p:extLst>
   </p:cSld>
@@ -3298,7 +3182,21 @@
           <a:lstStyle/>
           <a:p>
             <a:pPr lvl="0"/>
+            <a:r>
+              <a:rPr lang="en-US" sz="1000" dirty="0"/>
+              <a:t>Replication is most often a bad idea.</a:t>
+            </a:r>
+          </a:p>
+          <a:p>
+            <a:pPr lvl="0"/>
             <a:endParaRPr lang="en-US" sz="1000" dirty="0"/>
+          </a:p>
+          <a:p>
+            <a:pPr lvl="0"/>
+            <a:r>
+              <a:rPr lang="en-US" sz="1000" dirty="0"/>
+              <a:t>“Smart Naming”</a:t>
+            </a:r>
           </a:p>
         </p:txBody>
       </p:sp>
@@ -3328,7 +3226,7 @@
     </p:spTree>
     <p:extLst>
       <p:ext uri="{BB962C8B-B14F-4D97-AF65-F5344CB8AC3E}">
-        <p14:creationId xmlns:p14="http://schemas.microsoft.com/office/powerpoint/2010/main" val="968010982"/>
+        <p14:creationId xmlns:p14="http://schemas.microsoft.com/office/powerpoint/2010/main" val="42647209"/>
       </p:ext>
     </p:extLst>
   </p:cSld>
@@ -3385,7 +3283,21 @@
             <a:pPr lvl="0"/>
             <a:r>
               <a:rPr lang="en-US" sz="1000" dirty="0"/>
-              <a:t>Replication is most often a bad idea.</a:t>
+              <a:t>Cross-platform Enforced Encapsulation &amp; Data Hiding! </a:t>
+            </a:r>
+          </a:p>
+          <a:p>
+            <a:pPr lvl="0"/>
+            <a:r>
+              <a:rPr lang="en-US" sz="1000" dirty="0"/>
+              <a:t>Security</a:t>
+            </a:r>
+          </a:p>
+          <a:p>
+            <a:pPr lvl="0"/>
+            <a:r>
+              <a:rPr lang="en-US" sz="1000" dirty="0"/>
+              <a:t>Sharing of business logic and processes. </a:t>
             </a:r>
           </a:p>
           <a:p>
@@ -3396,7 +3308,18 @@
             <a:pPr lvl="0"/>
             <a:r>
               <a:rPr lang="en-US" sz="1000" dirty="0"/>
-              <a:t>“Smart Naming”</a:t>
+              <a:t>Interface Inheritance</a:t>
+            </a:r>
+          </a:p>
+          <a:p>
+            <a:pPr lvl="0"/>
+            <a:endParaRPr lang="en-US" sz="1000" dirty="0"/>
+          </a:p>
+          <a:p>
+            <a:pPr lvl="0"/>
+            <a:r>
+              <a:rPr lang="en-US" sz="1000" dirty="0"/>
+              <a:t>Very little benefit in Implementation Inheritance or Polymorphism</a:t>
             </a:r>
           </a:p>
         </p:txBody>
@@ -3427,7 +3350,7 @@
     </p:spTree>
     <p:extLst>
       <p:ext uri="{BB962C8B-B14F-4D97-AF65-F5344CB8AC3E}">
-        <p14:creationId xmlns:p14="http://schemas.microsoft.com/office/powerpoint/2010/main" val="296184696"/>
+        <p14:creationId xmlns:p14="http://schemas.microsoft.com/office/powerpoint/2010/main" val="1021989633"/>
       </p:ext>
     </p:extLst>
   </p:cSld>
@@ -3481,12 +3404,7 @@
           <a:bodyPr/>
           <a:lstStyle/>
           <a:p>
-            <a:r>
-              <a:rPr lang="en-US" sz="1000" dirty="0"/>
-              <a:t>We are reviewing this so that we can relate it back to databases and client-server development.</a:t>
-            </a:r>
-          </a:p>
-          <a:p>
+            <a:pPr lvl="0"/>
             <a:endParaRPr lang="en-US" sz="1000" dirty="0"/>
           </a:p>
         </p:txBody>
@@ -3517,7 +3435,7 @@
     </p:spTree>
     <p:extLst>
       <p:ext uri="{BB962C8B-B14F-4D97-AF65-F5344CB8AC3E}">
-        <p14:creationId xmlns:p14="http://schemas.microsoft.com/office/powerpoint/2010/main" val="53278265"/>
+        <p14:creationId xmlns:p14="http://schemas.microsoft.com/office/powerpoint/2010/main" val="968010982"/>
       </p:ext>
     </p:extLst>
   </p:cSld>
@@ -3571,7 +3489,22 @@
           <a:bodyPr/>
           <a:lstStyle/>
           <a:p>
+            <a:pPr lvl="0"/>
+            <a:r>
+              <a:rPr lang="en-US" sz="1000" dirty="0"/>
+              <a:t>Replication is most often a bad idea.</a:t>
+            </a:r>
+          </a:p>
+          <a:p>
+            <a:pPr lvl="0"/>
             <a:endParaRPr lang="en-US" sz="1000" dirty="0"/>
+          </a:p>
+          <a:p>
+            <a:pPr lvl="0"/>
+            <a:r>
+              <a:rPr lang="en-US" sz="1000" dirty="0"/>
+              <a:t>“Smart Naming”</a:t>
+            </a:r>
           </a:p>
         </p:txBody>
       </p:sp>
@@ -3594,14 +3527,14 @@
               <a:rPr lang="en-US" smtClean="0"/>
               <a:t>33</a:t>
             </a:fld>
-            <a:endParaRPr lang="en-US"/>
+            <a:endParaRPr lang="en-US" dirty="0"/>
           </a:p>
         </p:txBody>
       </p:sp>
     </p:spTree>
     <p:extLst>
       <p:ext uri="{BB962C8B-B14F-4D97-AF65-F5344CB8AC3E}">
-        <p14:creationId xmlns:p14="http://schemas.microsoft.com/office/powerpoint/2010/main" val="1612581022"/>
+        <p14:creationId xmlns:p14="http://schemas.microsoft.com/office/powerpoint/2010/main" val="296184696"/>
       </p:ext>
     </p:extLst>
   </p:cSld>
@@ -3655,6 +3588,7 @@
           <a:bodyPr/>
           <a:lstStyle/>
           <a:p>
+            <a:pPr lvl="0"/>
             <a:endParaRPr lang="en-US" sz="1000" dirty="0"/>
           </a:p>
         </p:txBody>
@@ -3678,14 +3612,14 @@
               <a:rPr lang="en-US" smtClean="0"/>
               <a:t>34</a:t>
             </a:fld>
-            <a:endParaRPr lang="en-US"/>
+            <a:endParaRPr lang="en-US" dirty="0"/>
           </a:p>
         </p:txBody>
       </p:sp>
     </p:spTree>
     <p:extLst>
       <p:ext uri="{BB962C8B-B14F-4D97-AF65-F5344CB8AC3E}">
-        <p14:creationId xmlns:p14="http://schemas.microsoft.com/office/powerpoint/2010/main" val="4044999324"/>
+        <p14:creationId xmlns:p14="http://schemas.microsoft.com/office/powerpoint/2010/main" val="3230512530"/>
       </p:ext>
     </p:extLst>
   </p:cSld>
@@ -3739,7 +3673,12 @@
           <a:bodyPr/>
           <a:lstStyle/>
           <a:p>
-            <a:pPr lvl="0"/>
+            <a:r>
+              <a:rPr lang="en-US" sz="1000" dirty="0"/>
+              <a:t>We are reviewing this so that we can relate it back to databases and client-server development.</a:t>
+            </a:r>
+          </a:p>
+          <a:p>
             <a:endParaRPr lang="en-US" sz="1000" dirty="0"/>
           </a:p>
         </p:txBody>
@@ -3770,7 +3709,7 @@
     </p:spTree>
     <p:extLst>
       <p:ext uri="{BB962C8B-B14F-4D97-AF65-F5344CB8AC3E}">
-        <p14:creationId xmlns:p14="http://schemas.microsoft.com/office/powerpoint/2010/main" val="2249380272"/>
+        <p14:creationId xmlns:p14="http://schemas.microsoft.com/office/powerpoint/2010/main" val="53278265"/>
       </p:ext>
     </p:extLst>
   </p:cSld>
@@ -3824,58 +3763,6 @@
           <a:bodyPr/>
           <a:lstStyle/>
           <a:p>
-            <a:pPr marL="0" marR="0" lvl="0" indent="0" algn="l" defTabSz="914400" rtl="0" eaLnBrk="1" fontAlgn="auto" latinLnBrk="0" hangingPunct="1">
-              <a:lnSpc>
-                <a:spcPct val="100000"/>
-              </a:lnSpc>
-              <a:spcBef>
-                <a:spcPts val="0"/>
-              </a:spcBef>
-              <a:spcAft>
-                <a:spcPts val="0"/>
-              </a:spcAft>
-              <a:buClrTx/>
-              <a:buSzTx/>
-              <a:buFontTx/>
-              <a:buNone/>
-              <a:tabLst/>
-              <a:defRPr/>
-            </a:pPr>
-            <a:r>
-              <a:rPr lang="en-US" sz="1000" dirty="0"/>
-              <a:t>Week 8 Programming Assignment:</a:t>
-            </a:r>
-          </a:p>
-          <a:p>
-            <a:pPr marL="0" marR="0" lvl="0" indent="0" algn="l" defTabSz="914400" rtl="0" eaLnBrk="1" fontAlgn="auto" latinLnBrk="0" hangingPunct="1">
-              <a:lnSpc>
-                <a:spcPct val="100000"/>
-              </a:lnSpc>
-              <a:spcBef>
-                <a:spcPts val="0"/>
-              </a:spcBef>
-              <a:spcAft>
-                <a:spcPts val="0"/>
-              </a:spcAft>
-              <a:buClrTx/>
-              <a:buSzTx/>
-              <a:buFontTx/>
-              <a:buNone/>
-              <a:tabLst/>
-              <a:defRPr/>
-            </a:pPr>
-            <a:r>
-              <a:rPr lang="en-US" sz="1000" dirty="0">
-                <a:hlinkClick r:id="rId3"/>
-              </a:rPr>
-              <a:t>http://www.epogue.info/CPSC-24500/Week08/2017SpringW08ProgrammingAssignment.pdf</a:t>
-            </a:r>
-            <a:endParaRPr lang="en-US" sz="1000" dirty="0"/>
-          </a:p>
-          <a:p>
-            <a:pPr marL="0" indent="0">
-              <a:buNone/>
-            </a:pPr>
             <a:endParaRPr lang="en-US" sz="1000" dirty="0"/>
           </a:p>
         </p:txBody>
@@ -3899,14 +3786,14 @@
               <a:rPr lang="en-US" smtClean="0"/>
               <a:t>36</a:t>
             </a:fld>
-            <a:endParaRPr lang="en-US" dirty="0"/>
+            <a:endParaRPr lang="en-US"/>
           </a:p>
         </p:txBody>
       </p:sp>
     </p:spTree>
     <p:extLst>
       <p:ext uri="{BB962C8B-B14F-4D97-AF65-F5344CB8AC3E}">
-        <p14:creationId xmlns:p14="http://schemas.microsoft.com/office/powerpoint/2010/main" val="2290223596"/>
+        <p14:creationId xmlns:p14="http://schemas.microsoft.com/office/powerpoint/2010/main" val="1612581022"/>
       </p:ext>
     </p:extLst>
   </p:cSld>
@@ -3983,14 +3870,14 @@
               <a:rPr lang="en-US" smtClean="0"/>
               <a:t>37</a:t>
             </a:fld>
-            <a:endParaRPr lang="en-US" dirty="0"/>
+            <a:endParaRPr lang="en-US"/>
           </a:p>
         </p:txBody>
       </p:sp>
     </p:spTree>
     <p:extLst>
       <p:ext uri="{BB962C8B-B14F-4D97-AF65-F5344CB8AC3E}">
-        <p14:creationId xmlns:p14="http://schemas.microsoft.com/office/powerpoint/2010/main" val="397481805"/>
+        <p14:creationId xmlns:p14="http://schemas.microsoft.com/office/powerpoint/2010/main" val="4044999324"/>
       </p:ext>
     </p:extLst>
   </p:cSld>
@@ -4044,10 +3931,8 @@
           <a:bodyPr/>
           <a:lstStyle/>
           <a:p>
-            <a:r>
-              <a:rPr lang="en-US" sz="1000" dirty="0"/>
-              <a:t>Starting point means that you should fully understand the code, but you can use it verbatim. You still must fix any errors or warning to get full credit.</a:t>
-            </a:r>
+            <a:pPr lvl="0"/>
+            <a:endParaRPr lang="en-US" sz="1000" dirty="0"/>
           </a:p>
         </p:txBody>
       </p:sp>
@@ -4077,7 +3962,7 @@
     </p:spTree>
     <p:extLst>
       <p:ext uri="{BB962C8B-B14F-4D97-AF65-F5344CB8AC3E}">
-        <p14:creationId xmlns:p14="http://schemas.microsoft.com/office/powerpoint/2010/main" val="1715060900"/>
+        <p14:creationId xmlns:p14="http://schemas.microsoft.com/office/powerpoint/2010/main" val="2249380272"/>
       </p:ext>
     </p:extLst>
   </p:cSld>
@@ -4131,7 +4016,59 @@
           <a:bodyPr/>
           <a:lstStyle/>
           <a:p>
-            <a:endParaRPr lang="en-US" dirty="0"/>
+            <a:pPr marL="0" marR="0" lvl="0" indent="0" algn="l" defTabSz="914400" rtl="0" eaLnBrk="1" fontAlgn="auto" latinLnBrk="0" hangingPunct="1">
+              <a:lnSpc>
+                <a:spcPct val="100000"/>
+              </a:lnSpc>
+              <a:spcBef>
+                <a:spcPts val="0"/>
+              </a:spcBef>
+              <a:spcAft>
+                <a:spcPts val="0"/>
+              </a:spcAft>
+              <a:buClrTx/>
+              <a:buSzTx/>
+              <a:buFontTx/>
+              <a:buNone/>
+              <a:tabLst/>
+              <a:defRPr/>
+            </a:pPr>
+            <a:r>
+              <a:rPr lang="en-US" sz="1000" dirty="0"/>
+              <a:t>Week 8 Programming Assignment:</a:t>
+            </a:r>
+          </a:p>
+          <a:p>
+            <a:pPr marL="0" marR="0" lvl="0" indent="0" algn="l" defTabSz="914400" rtl="0" eaLnBrk="1" fontAlgn="auto" latinLnBrk="0" hangingPunct="1">
+              <a:lnSpc>
+                <a:spcPct val="100000"/>
+              </a:lnSpc>
+              <a:spcBef>
+                <a:spcPts val="0"/>
+              </a:spcBef>
+              <a:spcAft>
+                <a:spcPts val="0"/>
+              </a:spcAft>
+              <a:buClrTx/>
+              <a:buSzTx/>
+              <a:buFontTx/>
+              <a:buNone/>
+              <a:tabLst/>
+              <a:defRPr/>
+            </a:pPr>
+            <a:r>
+              <a:rPr lang="en-US" sz="1000" dirty="0">
+                <a:hlinkClick r:id="rId3"/>
+              </a:rPr>
+              <a:t>http://www.epogue.info/CPSC-24500/Week08/2017SpringW08ProgrammingAssignment.pdf</a:t>
+            </a:r>
+            <a:endParaRPr lang="en-US" sz="1000" dirty="0"/>
+          </a:p>
+          <a:p>
+            <a:pPr marL="0" indent="0">
+              <a:buNone/>
+            </a:pPr>
+            <a:endParaRPr lang="en-US" sz="1000" dirty="0"/>
           </a:p>
         </p:txBody>
       </p:sp>
@@ -4161,7 +4098,7 @@
     </p:spTree>
     <p:extLst>
       <p:ext uri="{BB962C8B-B14F-4D97-AF65-F5344CB8AC3E}">
-        <p14:creationId xmlns:p14="http://schemas.microsoft.com/office/powerpoint/2010/main" val="1079749854"/>
+        <p14:creationId xmlns:p14="http://schemas.microsoft.com/office/powerpoint/2010/main" val="2290223596"/>
       </p:ext>
     </p:extLst>
   </p:cSld>
@@ -4332,7 +4269,7 @@
     </p:spTree>
     <p:extLst>
       <p:ext uri="{BB962C8B-B14F-4D97-AF65-F5344CB8AC3E}">
-        <p14:creationId xmlns:p14="http://schemas.microsoft.com/office/powerpoint/2010/main" val="1754509018"/>
+        <p14:creationId xmlns:p14="http://schemas.microsoft.com/office/powerpoint/2010/main" val="397481805"/>
       </p:ext>
     </p:extLst>
   </p:cSld>
@@ -4386,7 +4323,10 @@
           <a:bodyPr/>
           <a:lstStyle/>
           <a:p>
-            <a:endParaRPr lang="en-US" dirty="0"/>
+            <a:r>
+              <a:rPr lang="en-US" sz="1000" dirty="0"/>
+              <a:t>Starting point means that you should fully understand the code, but you can use it verbatim. You still must fix any errors or warning to get full credit.</a:t>
+            </a:r>
           </a:p>
         </p:txBody>
       </p:sp>
@@ -4416,7 +4356,7 @@
     </p:spTree>
     <p:extLst>
       <p:ext uri="{BB962C8B-B14F-4D97-AF65-F5344CB8AC3E}">
-        <p14:creationId xmlns:p14="http://schemas.microsoft.com/office/powerpoint/2010/main" val="68900848"/>
+        <p14:creationId xmlns:p14="http://schemas.microsoft.com/office/powerpoint/2010/main" val="1715060900"/>
       </p:ext>
     </p:extLst>
   </p:cSld>
@@ -4470,7 +4410,7 @@
           <a:bodyPr/>
           <a:lstStyle/>
           <a:p>
-            <a:endParaRPr lang="en-US" sz="1000" dirty="0"/>
+            <a:endParaRPr lang="en-US" dirty="0"/>
           </a:p>
         </p:txBody>
       </p:sp>
@@ -4500,7 +4440,7 @@
     </p:spTree>
     <p:extLst>
       <p:ext uri="{BB962C8B-B14F-4D97-AF65-F5344CB8AC3E}">
-        <p14:creationId xmlns:p14="http://schemas.microsoft.com/office/powerpoint/2010/main" val="253435733"/>
+        <p14:creationId xmlns:p14="http://schemas.microsoft.com/office/powerpoint/2010/main" val="1079749854"/>
       </p:ext>
     </p:extLst>
   </p:cSld>
@@ -4554,12 +4494,6 @@
           <a:bodyPr/>
           <a:lstStyle/>
           <a:p>
-            <a:r>
-              <a:rPr lang="en-US" sz="1000" dirty="0"/>
-              <a:t>We are reviewing this so that we can relate it back to databases and client-server development.</a:t>
-            </a:r>
-          </a:p>
-          <a:p>
             <a:endParaRPr lang="en-US" sz="1000" dirty="0"/>
           </a:p>
         </p:txBody>
@@ -4590,7 +4524,7 @@
     </p:spTree>
     <p:extLst>
       <p:ext uri="{BB962C8B-B14F-4D97-AF65-F5344CB8AC3E}">
-        <p14:creationId xmlns:p14="http://schemas.microsoft.com/office/powerpoint/2010/main" val="166182486"/>
+        <p14:creationId xmlns:p14="http://schemas.microsoft.com/office/powerpoint/2010/main" val="1754509018"/>
       </p:ext>
     </p:extLst>
   </p:cSld>
@@ -4644,8 +4578,7 @@
           <a:bodyPr/>
           <a:lstStyle/>
           <a:p>
-            <a:pPr lvl="0"/>
-            <a:endParaRPr lang="en-US" sz="1000" dirty="0"/>
+            <a:endParaRPr lang="en-US" dirty="0"/>
           </a:p>
         </p:txBody>
       </p:sp>
@@ -4675,7 +4608,7 @@
     </p:spTree>
     <p:extLst>
       <p:ext uri="{BB962C8B-B14F-4D97-AF65-F5344CB8AC3E}">
-        <p14:creationId xmlns:p14="http://schemas.microsoft.com/office/powerpoint/2010/main" val="3760054081"/>
+        <p14:creationId xmlns:p14="http://schemas.microsoft.com/office/powerpoint/2010/main" val="68900848"/>
       </p:ext>
     </p:extLst>
   </p:cSld>
@@ -4759,7 +4692,7 @@
     </p:spTree>
     <p:extLst>
       <p:ext uri="{BB962C8B-B14F-4D97-AF65-F5344CB8AC3E}">
-        <p14:creationId xmlns:p14="http://schemas.microsoft.com/office/powerpoint/2010/main" val="4194078173"/>
+        <p14:creationId xmlns:p14="http://schemas.microsoft.com/office/powerpoint/2010/main" val="253435733"/>
       </p:ext>
     </p:extLst>
   </p:cSld>
@@ -4813,6 +4746,12 @@
           <a:bodyPr/>
           <a:lstStyle/>
           <a:p>
+            <a:r>
+              <a:rPr lang="en-US" sz="1000" dirty="0"/>
+              <a:t>We are reviewing this so that we can relate it back to databases and client-server development.</a:t>
+            </a:r>
+          </a:p>
+          <a:p>
             <a:endParaRPr lang="en-US" sz="1000" dirty="0"/>
           </a:p>
         </p:txBody>
@@ -4843,7 +4782,7 @@
     </p:spTree>
     <p:extLst>
       <p:ext uri="{BB962C8B-B14F-4D97-AF65-F5344CB8AC3E}">
-        <p14:creationId xmlns:p14="http://schemas.microsoft.com/office/powerpoint/2010/main" val="2081081894"/>
+        <p14:creationId xmlns:p14="http://schemas.microsoft.com/office/powerpoint/2010/main" val="166182486"/>
       </p:ext>
     </p:extLst>
   </p:cSld>
@@ -4897,6 +4836,7 @@
           <a:bodyPr/>
           <a:lstStyle/>
           <a:p>
+            <a:pPr lvl="0"/>
             <a:endParaRPr lang="en-US" sz="1000" dirty="0"/>
           </a:p>
         </p:txBody>
@@ -4927,7 +4867,175 @@
     </p:spTree>
     <p:extLst>
       <p:ext uri="{BB962C8B-B14F-4D97-AF65-F5344CB8AC3E}">
-        <p14:creationId xmlns:p14="http://schemas.microsoft.com/office/powerpoint/2010/main" val="818036464"/>
+        <p14:creationId xmlns:p14="http://schemas.microsoft.com/office/powerpoint/2010/main" val="3760054081"/>
+      </p:ext>
+    </p:extLst>
+  </p:cSld>
+  <p:clrMapOvr>
+    <a:masterClrMapping/>
+  </p:clrMapOvr>
+</p:notes>
+</file>
+
+<file path=ppt/notesSlides/notesSlide48.xml><?xml version="1.0" encoding="utf-8"?>
+<p:notes xmlns:a="http://schemas.openxmlformats.org/drawingml/2006/main" xmlns:r="http://schemas.openxmlformats.org/officeDocument/2006/relationships" xmlns:p="http://schemas.openxmlformats.org/presentationml/2006/main">
+  <p:cSld>
+    <p:spTree>
+      <p:nvGrpSpPr>
+        <p:cNvPr id="1" name=""/>
+        <p:cNvGrpSpPr/>
+        <p:nvPr/>
+      </p:nvGrpSpPr>
+      <p:grpSpPr>
+        <a:xfrm>
+          <a:off x="0" y="0"/>
+          <a:ext cx="0" cy="0"/>
+          <a:chOff x="0" y="0"/>
+          <a:chExt cx="0" cy="0"/>
+        </a:xfrm>
+      </p:grpSpPr>
+      <p:sp>
+        <p:nvSpPr>
+          <p:cNvPr id="2" name="Slide Image Placeholder 1"/>
+          <p:cNvSpPr>
+            <a:spLocks noGrp="1" noRot="1" noChangeAspect="1"/>
+          </p:cNvSpPr>
+          <p:nvPr>
+            <p:ph type="sldImg"/>
+          </p:nvPr>
+        </p:nvSpPr>
+        <p:spPr/>
+      </p:sp>
+      <p:sp>
+        <p:nvSpPr>
+          <p:cNvPr id="3" name="Notes Placeholder 2"/>
+          <p:cNvSpPr>
+            <a:spLocks noGrp="1"/>
+          </p:cNvSpPr>
+          <p:nvPr>
+            <p:ph type="body" idx="1"/>
+          </p:nvPr>
+        </p:nvSpPr>
+        <p:spPr/>
+        <p:txBody>
+          <a:bodyPr/>
+          <a:lstStyle/>
+          <a:p>
+            <a:endParaRPr lang="en-US" sz="1000" dirty="0"/>
+          </a:p>
+        </p:txBody>
+      </p:sp>
+      <p:sp>
+        <p:nvSpPr>
+          <p:cNvPr id="4" name="Slide Number Placeholder 3"/>
+          <p:cNvSpPr>
+            <a:spLocks noGrp="1"/>
+          </p:cNvSpPr>
+          <p:nvPr>
+            <p:ph type="sldNum" sz="quarter" idx="10"/>
+          </p:nvPr>
+        </p:nvSpPr>
+        <p:spPr/>
+        <p:txBody>
+          <a:bodyPr/>
+          <a:lstStyle/>
+          <a:p>
+            <a:fld id="{5394DE12-7B9B-46AA-AC19-C30A49928B9B}" type="slidenum">
+              <a:rPr lang="en-US" smtClean="0"/>
+              <a:t>48</a:t>
+            </a:fld>
+            <a:endParaRPr lang="en-US" dirty="0"/>
+          </a:p>
+        </p:txBody>
+      </p:sp>
+    </p:spTree>
+    <p:extLst>
+      <p:ext uri="{BB962C8B-B14F-4D97-AF65-F5344CB8AC3E}">
+        <p14:creationId xmlns:p14="http://schemas.microsoft.com/office/powerpoint/2010/main" val="4194078173"/>
+      </p:ext>
+    </p:extLst>
+  </p:cSld>
+  <p:clrMapOvr>
+    <a:masterClrMapping/>
+  </p:clrMapOvr>
+</p:notes>
+</file>
+
+<file path=ppt/notesSlides/notesSlide49.xml><?xml version="1.0" encoding="utf-8"?>
+<p:notes xmlns:a="http://schemas.openxmlformats.org/drawingml/2006/main" xmlns:r="http://schemas.openxmlformats.org/officeDocument/2006/relationships" xmlns:p="http://schemas.openxmlformats.org/presentationml/2006/main">
+  <p:cSld>
+    <p:spTree>
+      <p:nvGrpSpPr>
+        <p:cNvPr id="1" name=""/>
+        <p:cNvGrpSpPr/>
+        <p:nvPr/>
+      </p:nvGrpSpPr>
+      <p:grpSpPr>
+        <a:xfrm>
+          <a:off x="0" y="0"/>
+          <a:ext cx="0" cy="0"/>
+          <a:chOff x="0" y="0"/>
+          <a:chExt cx="0" cy="0"/>
+        </a:xfrm>
+      </p:grpSpPr>
+      <p:sp>
+        <p:nvSpPr>
+          <p:cNvPr id="2" name="Slide Image Placeholder 1"/>
+          <p:cNvSpPr>
+            <a:spLocks noGrp="1" noRot="1" noChangeAspect="1"/>
+          </p:cNvSpPr>
+          <p:nvPr>
+            <p:ph type="sldImg"/>
+          </p:nvPr>
+        </p:nvSpPr>
+        <p:spPr/>
+      </p:sp>
+      <p:sp>
+        <p:nvSpPr>
+          <p:cNvPr id="3" name="Notes Placeholder 2"/>
+          <p:cNvSpPr>
+            <a:spLocks noGrp="1"/>
+          </p:cNvSpPr>
+          <p:nvPr>
+            <p:ph type="body" idx="1"/>
+          </p:nvPr>
+        </p:nvSpPr>
+        <p:spPr/>
+        <p:txBody>
+          <a:bodyPr/>
+          <a:lstStyle/>
+          <a:p>
+            <a:endParaRPr lang="en-US" sz="1000" dirty="0"/>
+          </a:p>
+        </p:txBody>
+      </p:sp>
+      <p:sp>
+        <p:nvSpPr>
+          <p:cNvPr id="4" name="Slide Number Placeholder 3"/>
+          <p:cNvSpPr>
+            <a:spLocks noGrp="1"/>
+          </p:cNvSpPr>
+          <p:nvPr>
+            <p:ph type="sldNum" sz="quarter" idx="10"/>
+          </p:nvPr>
+        </p:nvSpPr>
+        <p:spPr/>
+        <p:txBody>
+          <a:bodyPr/>
+          <a:lstStyle/>
+          <a:p>
+            <a:fld id="{5394DE12-7B9B-46AA-AC19-C30A49928B9B}" type="slidenum">
+              <a:rPr lang="en-US" smtClean="0"/>
+              <a:t>49</a:t>
+            </a:fld>
+            <a:endParaRPr lang="en-US" dirty="0"/>
+          </a:p>
+        </p:txBody>
+      </p:sp>
+    </p:spTree>
+    <p:extLst>
+      <p:ext uri="{BB962C8B-B14F-4D97-AF65-F5344CB8AC3E}">
+        <p14:creationId xmlns:p14="http://schemas.microsoft.com/office/powerpoint/2010/main" val="2081081894"/>
       </p:ext>
     </p:extLst>
   </p:cSld>
@@ -5275,6 +5383,90 @@
     <p:extLst>
       <p:ext uri="{BB962C8B-B14F-4D97-AF65-F5344CB8AC3E}">
         <p14:creationId xmlns:p14="http://schemas.microsoft.com/office/powerpoint/2010/main" val="2032722182"/>
+      </p:ext>
+    </p:extLst>
+  </p:cSld>
+  <p:clrMapOvr>
+    <a:masterClrMapping/>
+  </p:clrMapOvr>
+</p:notes>
+</file>
+
+<file path=ppt/notesSlides/notesSlide50.xml><?xml version="1.0" encoding="utf-8"?>
+<p:notes xmlns:a="http://schemas.openxmlformats.org/drawingml/2006/main" xmlns:r="http://schemas.openxmlformats.org/officeDocument/2006/relationships" xmlns:p="http://schemas.openxmlformats.org/presentationml/2006/main">
+  <p:cSld>
+    <p:spTree>
+      <p:nvGrpSpPr>
+        <p:cNvPr id="1" name=""/>
+        <p:cNvGrpSpPr/>
+        <p:nvPr/>
+      </p:nvGrpSpPr>
+      <p:grpSpPr>
+        <a:xfrm>
+          <a:off x="0" y="0"/>
+          <a:ext cx="0" cy="0"/>
+          <a:chOff x="0" y="0"/>
+          <a:chExt cx="0" cy="0"/>
+        </a:xfrm>
+      </p:grpSpPr>
+      <p:sp>
+        <p:nvSpPr>
+          <p:cNvPr id="2" name="Slide Image Placeholder 1"/>
+          <p:cNvSpPr>
+            <a:spLocks noGrp="1" noRot="1" noChangeAspect="1"/>
+          </p:cNvSpPr>
+          <p:nvPr>
+            <p:ph type="sldImg"/>
+          </p:nvPr>
+        </p:nvSpPr>
+        <p:spPr/>
+      </p:sp>
+      <p:sp>
+        <p:nvSpPr>
+          <p:cNvPr id="3" name="Notes Placeholder 2"/>
+          <p:cNvSpPr>
+            <a:spLocks noGrp="1"/>
+          </p:cNvSpPr>
+          <p:nvPr>
+            <p:ph type="body" idx="1"/>
+          </p:nvPr>
+        </p:nvSpPr>
+        <p:spPr/>
+        <p:txBody>
+          <a:bodyPr/>
+          <a:lstStyle/>
+          <a:p>
+            <a:endParaRPr lang="en-US" sz="1000" dirty="0"/>
+          </a:p>
+        </p:txBody>
+      </p:sp>
+      <p:sp>
+        <p:nvSpPr>
+          <p:cNvPr id="4" name="Slide Number Placeholder 3"/>
+          <p:cNvSpPr>
+            <a:spLocks noGrp="1"/>
+          </p:cNvSpPr>
+          <p:nvPr>
+            <p:ph type="sldNum" sz="quarter" idx="10"/>
+          </p:nvPr>
+        </p:nvSpPr>
+        <p:spPr/>
+        <p:txBody>
+          <a:bodyPr/>
+          <a:lstStyle/>
+          <a:p>
+            <a:fld id="{5394DE12-7B9B-46AA-AC19-C30A49928B9B}" type="slidenum">
+              <a:rPr lang="en-US" smtClean="0"/>
+              <a:t>50</a:t>
+            </a:fld>
+            <a:endParaRPr lang="en-US" dirty="0"/>
+          </a:p>
+        </p:txBody>
+      </p:sp>
+    </p:spTree>
+    <p:extLst>
+      <p:ext uri="{BB962C8B-B14F-4D97-AF65-F5344CB8AC3E}">
+        <p14:creationId xmlns:p14="http://schemas.microsoft.com/office/powerpoint/2010/main" val="818036464"/>
       </p:ext>
     </p:extLst>
   </p:cSld>
@@ -6022,7 +6214,7 @@
           <a:p>
             <a:fld id="{969F32F5-AB1C-41B2-AE79-C9DE1D1745A4}" type="datetimeFigureOut">
               <a:rPr lang="en-US" smtClean="0"/>
-              <a:t>5/8/2017</a:t>
+              <a:t>5/9/2017</a:t>
             </a:fld>
             <a:endParaRPr lang="en-US" dirty="0"/>
           </a:p>
@@ -6190,7 +6382,7 @@
           <a:p>
             <a:fld id="{969F32F5-AB1C-41B2-AE79-C9DE1D1745A4}" type="datetimeFigureOut">
               <a:rPr lang="en-US" smtClean="0"/>
-              <a:t>5/8/2017</a:t>
+              <a:t>5/9/2017</a:t>
             </a:fld>
             <a:endParaRPr lang="en-US" dirty="0"/>
           </a:p>
@@ -6368,7 +6560,7 @@
           <a:p>
             <a:fld id="{969F32F5-AB1C-41B2-AE79-C9DE1D1745A4}" type="datetimeFigureOut">
               <a:rPr lang="en-US" smtClean="0"/>
-              <a:t>5/8/2017</a:t>
+              <a:t>5/9/2017</a:t>
             </a:fld>
             <a:endParaRPr lang="en-US" dirty="0"/>
           </a:p>
@@ -6536,7 +6728,7 @@
           <a:p>
             <a:fld id="{969F32F5-AB1C-41B2-AE79-C9DE1D1745A4}" type="datetimeFigureOut">
               <a:rPr lang="en-US" smtClean="0"/>
-              <a:t>5/8/2017</a:t>
+              <a:t>5/9/2017</a:t>
             </a:fld>
             <a:endParaRPr lang="en-US" dirty="0"/>
           </a:p>
@@ -6781,7 +6973,7 @@
           <a:p>
             <a:fld id="{969F32F5-AB1C-41B2-AE79-C9DE1D1745A4}" type="datetimeFigureOut">
               <a:rPr lang="en-US" smtClean="0"/>
-              <a:t>5/8/2017</a:t>
+              <a:t>5/9/2017</a:t>
             </a:fld>
             <a:endParaRPr lang="en-US" dirty="0"/>
           </a:p>
@@ -7010,7 +7202,7 @@
           <a:p>
             <a:fld id="{969F32F5-AB1C-41B2-AE79-C9DE1D1745A4}" type="datetimeFigureOut">
               <a:rPr lang="en-US" smtClean="0"/>
-              <a:t>5/8/2017</a:t>
+              <a:t>5/9/2017</a:t>
             </a:fld>
             <a:endParaRPr lang="en-US" dirty="0"/>
           </a:p>
@@ -7374,7 +7566,7 @@
           <a:p>
             <a:fld id="{969F32F5-AB1C-41B2-AE79-C9DE1D1745A4}" type="datetimeFigureOut">
               <a:rPr lang="en-US" smtClean="0"/>
-              <a:t>5/8/2017</a:t>
+              <a:t>5/9/2017</a:t>
             </a:fld>
             <a:endParaRPr lang="en-US" dirty="0"/>
           </a:p>
@@ -7491,7 +7683,7 @@
           <a:p>
             <a:fld id="{969F32F5-AB1C-41B2-AE79-C9DE1D1745A4}" type="datetimeFigureOut">
               <a:rPr lang="en-US" smtClean="0"/>
-              <a:t>5/8/2017</a:t>
+              <a:t>5/9/2017</a:t>
             </a:fld>
             <a:endParaRPr lang="en-US" dirty="0"/>
           </a:p>
@@ -7586,7 +7778,7 @@
           <a:p>
             <a:fld id="{969F32F5-AB1C-41B2-AE79-C9DE1D1745A4}" type="datetimeFigureOut">
               <a:rPr lang="en-US" smtClean="0"/>
-              <a:t>5/8/2017</a:t>
+              <a:t>5/9/2017</a:t>
             </a:fld>
             <a:endParaRPr lang="en-US" dirty="0"/>
           </a:p>
@@ -7861,7 +8053,7 @@
           <a:p>
             <a:fld id="{969F32F5-AB1C-41B2-AE79-C9DE1D1745A4}" type="datetimeFigureOut">
               <a:rPr lang="en-US" smtClean="0"/>
-              <a:t>5/8/2017</a:t>
+              <a:t>5/9/2017</a:t>
             </a:fld>
             <a:endParaRPr lang="en-US" dirty="0"/>
           </a:p>
@@ -8113,7 +8305,7 @@
           <a:p>
             <a:fld id="{969F32F5-AB1C-41B2-AE79-C9DE1D1745A4}" type="datetimeFigureOut">
               <a:rPr lang="en-US" smtClean="0"/>
-              <a:t>5/8/2017</a:t>
+              <a:t>5/9/2017</a:t>
             </a:fld>
             <a:endParaRPr lang="en-US" dirty="0"/>
           </a:p>
@@ -8324,7 +8516,7 @@
           <a:p>
             <a:fld id="{969F32F5-AB1C-41B2-AE79-C9DE1D1745A4}" type="datetimeFigureOut">
               <a:rPr lang="en-US" smtClean="0"/>
-              <a:t>5/8/2017</a:t>
+              <a:t>5/9/2017</a:t>
             </a:fld>
             <a:endParaRPr lang="en-US" dirty="0"/>
           </a:p>
@@ -10556,7 +10748,7 @@
             </a:pPr>
             <a:r>
               <a:rPr lang="en-US" sz="2000" dirty="0"/>
-              <a:t>Reminder on Requesting Graded Homework Assignments</a:t>
+              <a:t>Thank you!</a:t>
             </a:r>
           </a:p>
           <a:p>
@@ -10566,7 +10758,7 @@
             </a:pPr>
             <a:r>
               <a:rPr lang="en-US" sz="2000" dirty="0"/>
-              <a:t>Quick Review this Week’s:</a:t>
+              <a:t>Quickly Review this Week’s:</a:t>
             </a:r>
             <a:endParaRPr lang="en-US" sz="1600" dirty="0"/>
           </a:p>
@@ -10620,7 +10812,7 @@
             </a:pPr>
             <a:r>
               <a:rPr lang="en-US" sz="2000" dirty="0"/>
-              <a:t>Programming Examples… as time allows</a:t>
+              <a:t>Programming Examples preview</a:t>
             </a:r>
           </a:p>
         </p:txBody>
@@ -11290,8 +11482,15 @@
           <a:p>
             <a:r>
               <a:rPr lang="en-US" sz="3600" dirty="0"/>
-              <a:t>Phone Number Database Example</a:t>
-            </a:r>
+              <a:t>Database Normalization </a:t>
+            </a:r>
+            <a:r>
+              <a:rPr lang="en-US" sz="3600" dirty="0">
+                <a:hlinkClick r:id="rId3"/>
+              </a:rPr>
+              <a:t>[link]</a:t>
+            </a:r>
+            <a:endParaRPr lang="en-US" sz="3600" dirty="0"/>
           </a:p>
         </p:txBody>
       </p:sp>
@@ -11308,12 +11507,12 @@
         <p:spPr>
           <a:xfrm>
             <a:off x="838200" y="1051756"/>
-            <a:ext cx="10622974" cy="5492584"/>
+            <a:ext cx="10622974" cy="2042318"/>
           </a:xfrm>
         </p:spPr>
         <p:txBody>
           <a:bodyPr>
-            <a:normAutofit/>
+            <a:normAutofit fontScale="92500" lnSpcReduction="10000"/>
           </a:bodyPr>
           <a:lstStyle/>
           <a:p>
@@ -11322,168 +11521,33 @@
             </a:pPr>
             <a:r>
               <a:rPr lang="en-US" sz="2000" dirty="0"/>
-              <a:t>For example, a </a:t>
-            </a:r>
-            <a:r>
-              <a:rPr lang="en-US" sz="2000" dirty="0" err="1"/>
-              <a:t>PhoneNumber</a:t>
-            </a:r>
-            <a:r>
-              <a:rPr lang="en-US" sz="2000" dirty="0"/>
-              <a:t> database could be set up with two Tables. One table of Names and the  other table of </a:t>
-            </a:r>
-            <a:r>
-              <a:rPr lang="en-US" sz="2000" dirty="0" err="1"/>
-              <a:t>PhoneNumbers</a:t>
-            </a:r>
-            <a:r>
-              <a:rPr lang="en-US" sz="2000" dirty="0"/>
-              <a:t>. For this simple example we might end up with something like:</a:t>
-            </a:r>
-          </a:p>
-          <a:p>
-            <a:pPr>
-              <a:buFont typeface="Wingdings" panose="05000000000000000000" pitchFamily="2" charset="2"/>
-              <a:buChar char="§"/>
-            </a:pPr>
-            <a:r>
-              <a:rPr lang="en-US" sz="2000" u="sng" dirty="0"/>
-              <a:t>Schemas</a:t>
-            </a:r>
-            <a:r>
-              <a:rPr lang="en-US" sz="2000" dirty="0"/>
-              <a:t>: Two tables one called Names and one called </a:t>
-            </a:r>
-            <a:r>
-              <a:rPr lang="en-US" sz="2000" dirty="0" err="1"/>
-              <a:t>PhoneNumbers</a:t>
-            </a:r>
-            <a:r>
-              <a:rPr lang="en-US" sz="2000" dirty="0"/>
-              <a:t>, text will be stored in UTF-8, we will allow duplicates, and set an index on </a:t>
-            </a:r>
-            <a:r>
-              <a:rPr lang="en-US" sz="2000" dirty="0" err="1"/>
-              <a:t>Names.FirstName</a:t>
-            </a:r>
-            <a:r>
-              <a:rPr lang="en-US" sz="2000" dirty="0"/>
-              <a:t> and </a:t>
-            </a:r>
-            <a:r>
-              <a:rPr lang="en-US" sz="2000" dirty="0" err="1"/>
-              <a:t>Names.LastName</a:t>
-            </a:r>
-            <a:r>
-              <a:rPr lang="en-US" sz="2000" dirty="0"/>
-              <a:t>.</a:t>
-            </a:r>
-          </a:p>
-          <a:p>
-            <a:pPr>
-              <a:buFont typeface="Wingdings" panose="05000000000000000000" pitchFamily="2" charset="2"/>
-              <a:buChar char="§"/>
-            </a:pPr>
-            <a:r>
-              <a:rPr lang="en-US" sz="2000" u="sng" dirty="0"/>
-              <a:t>Names Table</a:t>
-            </a:r>
-            <a:r>
-              <a:rPr lang="en-US" sz="2000" dirty="0"/>
-              <a:t>: Three fields including </a:t>
-            </a:r>
-            <a:r>
-              <a:rPr lang="en-US" sz="2000" dirty="0" err="1"/>
-              <a:t>FirstName</a:t>
-            </a:r>
-            <a:r>
-              <a:rPr lang="en-US" sz="2000" dirty="0"/>
-              <a:t> and </a:t>
-            </a:r>
-            <a:r>
-              <a:rPr lang="en-US" sz="2000" dirty="0" err="1"/>
-              <a:t>LastName</a:t>
-            </a:r>
-            <a:r>
-              <a:rPr lang="en-US" sz="2000" dirty="0"/>
-              <a:t> of UTF-8 text, maximum length 40 characters, and can not be NULL. The third field will be an autoincrement unique ID that is an integer and does not allow duplicates. All three fields would be indexed for fast searching.</a:t>
-            </a:r>
-          </a:p>
-          <a:p>
-            <a:pPr>
-              <a:buFont typeface="Wingdings" panose="05000000000000000000" pitchFamily="2" charset="2"/>
-              <a:buChar char="§"/>
-            </a:pPr>
-            <a:r>
-              <a:rPr lang="en-US" sz="2000" u="sng" dirty="0" err="1"/>
-              <a:t>PhoneNumbers</a:t>
-            </a:r>
-            <a:r>
-              <a:rPr lang="en-US" sz="2000" u="sng" dirty="0"/>
-              <a:t> Table</a:t>
-            </a:r>
-            <a:r>
-              <a:rPr lang="en-US" sz="2000" dirty="0"/>
-              <a:t>: Four fields including </a:t>
-            </a:r>
-            <a:r>
-              <a:rPr lang="en-US" sz="2000" dirty="0" err="1"/>
-              <a:t>CountryCode</a:t>
-            </a:r>
-            <a:r>
-              <a:rPr lang="en-US" sz="2000" dirty="0"/>
-              <a:t>, </a:t>
-            </a:r>
-            <a:r>
-              <a:rPr lang="en-US" sz="2000" dirty="0" err="1"/>
-              <a:t>AreaCode</a:t>
-            </a:r>
-            <a:r>
-              <a:rPr lang="en-US" sz="2000" dirty="0"/>
-              <a:t>, and Number which are all UTF-8 strings that can only contain numbers. Maximum lengths for each are 2, 3, and 7 respectively. The fourth field will be  the unique ID of the person associated with the phone number. </a:t>
-            </a:r>
-            <a:r>
-              <a:rPr lang="en-US" sz="2000" dirty="0" err="1"/>
-              <a:t>CountryCode</a:t>
-            </a:r>
-            <a:r>
-              <a:rPr lang="en-US" sz="2000" dirty="0"/>
-              <a:t> can be NULL, other fields cannot. Fields will not be indexed as it will be rare that we have a phone number and want to lookup the person.</a:t>
-            </a:r>
-          </a:p>
-          <a:p>
-            <a:pPr>
-              <a:buFont typeface="Wingdings" panose="05000000000000000000" pitchFamily="2" charset="2"/>
-              <a:buChar char="§"/>
-            </a:pPr>
-            <a:r>
-              <a:rPr lang="en-US" sz="2000" u="sng" dirty="0"/>
-              <a:t>Views &amp; Queries</a:t>
-            </a:r>
-            <a:r>
-              <a:rPr lang="en-US" sz="2000" dirty="0"/>
-              <a:t> – A query that Joins a set of  Names to all of their respective phone numbers and shows that in a view would be valuable.</a:t>
-            </a:r>
-          </a:p>
-          <a:p>
-            <a:pPr>
-              <a:buFont typeface="Wingdings" panose="05000000000000000000" pitchFamily="2" charset="2"/>
-              <a:buChar char="§"/>
-            </a:pPr>
-            <a:endParaRPr lang="en-US" sz="2000" dirty="0"/>
+              <a:t>Database Normalization, or simply normalization, is the process of organizing the columns (attributes) and tables (relations) of a relational database to reduce data redundancy and improve data integrity. </a:t>
+            </a:r>
           </a:p>
           <a:p>
             <a:pPr marL="0" indent="0">
               <a:buNone/>
             </a:pPr>
-            <a:endParaRPr lang="en-US" sz="2000" dirty="0"/>
+            <a:r>
+              <a:rPr lang="en-US" sz="2000" dirty="0"/>
+              <a:t>Normalization is also the process of simplifying the design of a database so that it achieves the optimum structure. It reduces and eliminates redundant data. In normalization, data integrity is assured. It can also cause a performance tradeoff.</a:t>
+            </a:r>
+          </a:p>
+          <a:p>
+            <a:pPr marL="0" indent="0">
+              <a:buNone/>
+            </a:pPr>
+            <a:r>
+              <a:rPr lang="en-US" sz="2000" dirty="0"/>
+              <a:t>It may be important when you are doing object-modeling in your application to consider the database relationships and  normalizing that will be important.</a:t>
+            </a:r>
           </a:p>
         </p:txBody>
       </p:sp>
     </p:spTree>
     <p:extLst>
       <p:ext uri="{BB962C8B-B14F-4D97-AF65-F5344CB8AC3E}">
-        <p14:creationId xmlns:p14="http://schemas.microsoft.com/office/powerpoint/2010/main" val="3018519491"/>
+        <p14:creationId xmlns:p14="http://schemas.microsoft.com/office/powerpoint/2010/main" val="3567909679"/>
       </p:ext>
     </p:extLst>
   </p:cSld>
@@ -11534,6 +11598,631 @@
           <a:p>
             <a:r>
               <a:rPr lang="en-US" sz="3600" dirty="0"/>
+              <a:t>Database Normalization Example:</a:t>
+            </a:r>
+          </a:p>
+        </p:txBody>
+      </p:sp>
+      <p:sp>
+        <p:nvSpPr>
+          <p:cNvPr id="3" name="Content Placeholder 2"/>
+          <p:cNvSpPr>
+            <a:spLocks noGrp="1"/>
+          </p:cNvSpPr>
+          <p:nvPr>
+            <p:ph idx="1"/>
+          </p:nvPr>
+        </p:nvSpPr>
+        <p:spPr>
+          <a:xfrm>
+            <a:off x="838200" y="1051756"/>
+            <a:ext cx="10622974" cy="665402"/>
+          </a:xfrm>
+        </p:spPr>
+        <p:txBody>
+          <a:bodyPr>
+            <a:normAutofit/>
+          </a:bodyPr>
+          <a:lstStyle/>
+          <a:p>
+            <a:pPr marL="0" indent="0">
+              <a:buNone/>
+            </a:pPr>
+            <a:r>
+              <a:rPr lang="en-US" sz="2000" dirty="0"/>
+              <a:t>Consider the non-normalized and normalized table structure for a simple “checkbook” transaction database:</a:t>
+            </a:r>
+          </a:p>
+          <a:p>
+            <a:pPr marL="0" indent="0">
+              <a:buNone/>
+            </a:pPr>
+            <a:endParaRPr lang="en-US" sz="2000" dirty="0"/>
+          </a:p>
+        </p:txBody>
+      </p:sp>
+      <p:pic>
+        <p:nvPicPr>
+          <p:cNvPr id="5" name="Picture 4"/>
+          <p:cNvPicPr>
+            <a:picLocks noChangeAspect="1"/>
+          </p:cNvPicPr>
+          <p:nvPr/>
+        </p:nvPicPr>
+        <p:blipFill>
+          <a:blip r:embed="rId3"/>
+          <a:stretch>
+            <a:fillRect/>
+          </a:stretch>
+        </p:blipFill>
+        <p:spPr>
+          <a:xfrm>
+            <a:off x="915513" y="2082935"/>
+            <a:ext cx="6671476" cy="1044083"/>
+          </a:xfrm>
+          <a:prstGeom prst="rect">
+            <a:avLst/>
+          </a:prstGeom>
+        </p:spPr>
+      </p:pic>
+      <p:pic>
+        <p:nvPicPr>
+          <p:cNvPr id="6" name="Picture 5"/>
+          <p:cNvPicPr>
+            <a:picLocks noChangeAspect="1"/>
+          </p:cNvPicPr>
+          <p:nvPr/>
+        </p:nvPicPr>
+        <p:blipFill>
+          <a:blip r:embed="rId4"/>
+          <a:stretch>
+            <a:fillRect/>
+          </a:stretch>
+        </p:blipFill>
+        <p:spPr>
+          <a:xfrm>
+            <a:off x="8667728" y="2082935"/>
+            <a:ext cx="3341325" cy="2903334"/>
+          </a:xfrm>
+          <a:prstGeom prst="rect">
+            <a:avLst/>
+          </a:prstGeom>
+        </p:spPr>
+      </p:pic>
+      <p:pic>
+        <p:nvPicPr>
+          <p:cNvPr id="7" name="Picture 6"/>
+          <p:cNvPicPr>
+            <a:picLocks noChangeAspect="1"/>
+          </p:cNvPicPr>
+          <p:nvPr/>
+        </p:nvPicPr>
+        <p:blipFill>
+          <a:blip r:embed="rId5"/>
+          <a:stretch>
+            <a:fillRect/>
+          </a:stretch>
+        </p:blipFill>
+        <p:spPr>
+          <a:xfrm>
+            <a:off x="915513" y="5909153"/>
+            <a:ext cx="5838938" cy="217750"/>
+          </a:xfrm>
+          <a:prstGeom prst="rect">
+            <a:avLst/>
+          </a:prstGeom>
+        </p:spPr>
+      </p:pic>
+    </p:spTree>
+    <p:extLst>
+      <p:ext uri="{BB962C8B-B14F-4D97-AF65-F5344CB8AC3E}">
+        <p14:creationId xmlns:p14="http://schemas.microsoft.com/office/powerpoint/2010/main" val="221938642"/>
+      </p:ext>
+    </p:extLst>
+  </p:cSld>
+  <p:clrMapOvr>
+    <a:masterClrMapping/>
+  </p:clrMapOvr>
+  <p:timing>
+    <p:tnLst>
+      <p:par>
+        <p:cTn id="1" dur="indefinite" restart="never" nodeType="tmRoot">
+          <p:childTnLst>
+            <p:seq concurrent="1" nextAc="seek">
+              <p:cTn id="2" dur="indefinite" nodeType="mainSeq">
+                <p:childTnLst>
+                  <p:par>
+                    <p:cTn id="3" fill="hold">
+                      <p:stCondLst>
+                        <p:cond delay="indefinite"/>
+                      </p:stCondLst>
+                      <p:childTnLst>
+                        <p:par>
+                          <p:cTn id="4" fill="hold">
+                            <p:stCondLst>
+                              <p:cond delay="0"/>
+                            </p:stCondLst>
+                            <p:childTnLst>
+                              <p:par>
+                                <p:cTn id="5" presetID="2" presetClass="entr" presetSubtype="4" fill="hold" nodeType="clickEffect">
+                                  <p:stCondLst>
+                                    <p:cond delay="0"/>
+                                  </p:stCondLst>
+                                  <p:childTnLst>
+                                    <p:set>
+                                      <p:cBhvr>
+                                        <p:cTn id="6" dur="1" fill="hold">
+                                          <p:stCondLst>
+                                            <p:cond delay="0"/>
+                                          </p:stCondLst>
+                                        </p:cTn>
+                                        <p:tgtEl>
+                                          <p:spTgt spid="6"/>
+                                        </p:tgtEl>
+                                        <p:attrNameLst>
+                                          <p:attrName>style.visibility</p:attrName>
+                                        </p:attrNameLst>
+                                      </p:cBhvr>
+                                      <p:to>
+                                        <p:strVal val="visible"/>
+                                      </p:to>
+                                    </p:set>
+                                    <p:anim calcmode="lin" valueType="num">
+                                      <p:cBhvr additive="base">
+                                        <p:cTn id="7" dur="500" fill="hold"/>
+                                        <p:tgtEl>
+                                          <p:spTgt spid="6"/>
+                                        </p:tgtEl>
+                                        <p:attrNameLst>
+                                          <p:attrName>ppt_x</p:attrName>
+                                        </p:attrNameLst>
+                                      </p:cBhvr>
+                                      <p:tavLst>
+                                        <p:tav tm="0">
+                                          <p:val>
+                                            <p:strVal val="#ppt_x"/>
+                                          </p:val>
+                                        </p:tav>
+                                        <p:tav tm="100000">
+                                          <p:val>
+                                            <p:strVal val="#ppt_x"/>
+                                          </p:val>
+                                        </p:tav>
+                                      </p:tavLst>
+                                    </p:anim>
+                                    <p:anim calcmode="lin" valueType="num">
+                                      <p:cBhvr additive="base">
+                                        <p:cTn id="8" dur="500" fill="hold"/>
+                                        <p:tgtEl>
+                                          <p:spTgt spid="6"/>
+                                        </p:tgtEl>
+                                        <p:attrNameLst>
+                                          <p:attrName>ppt_y</p:attrName>
+                                        </p:attrNameLst>
+                                      </p:cBhvr>
+                                      <p:tavLst>
+                                        <p:tav tm="0">
+                                          <p:val>
+                                            <p:strVal val="1+#ppt_h/2"/>
+                                          </p:val>
+                                        </p:tav>
+                                        <p:tav tm="100000">
+                                          <p:val>
+                                            <p:strVal val="#ppt_y"/>
+                                          </p:val>
+                                        </p:tav>
+                                      </p:tavLst>
+                                    </p:anim>
+                                  </p:childTnLst>
+                                </p:cTn>
+                              </p:par>
+                            </p:childTnLst>
+                          </p:cTn>
+                        </p:par>
+                      </p:childTnLst>
+                    </p:cTn>
+                  </p:par>
+                  <p:par>
+                    <p:cTn id="9" fill="hold">
+                      <p:stCondLst>
+                        <p:cond delay="indefinite"/>
+                      </p:stCondLst>
+                      <p:childTnLst>
+                        <p:par>
+                          <p:cTn id="10" fill="hold">
+                            <p:stCondLst>
+                              <p:cond delay="0"/>
+                            </p:stCondLst>
+                            <p:childTnLst>
+                              <p:par>
+                                <p:cTn id="11" presetID="2" presetClass="entr" presetSubtype="4" fill="hold" nodeType="clickEffect">
+                                  <p:stCondLst>
+                                    <p:cond delay="0"/>
+                                  </p:stCondLst>
+                                  <p:childTnLst>
+                                    <p:set>
+                                      <p:cBhvr>
+                                        <p:cTn id="12" dur="1" fill="hold">
+                                          <p:stCondLst>
+                                            <p:cond delay="0"/>
+                                          </p:stCondLst>
+                                        </p:cTn>
+                                        <p:tgtEl>
+                                          <p:spTgt spid="7"/>
+                                        </p:tgtEl>
+                                        <p:attrNameLst>
+                                          <p:attrName>style.visibility</p:attrName>
+                                        </p:attrNameLst>
+                                      </p:cBhvr>
+                                      <p:to>
+                                        <p:strVal val="visible"/>
+                                      </p:to>
+                                    </p:set>
+                                    <p:anim calcmode="lin" valueType="num">
+                                      <p:cBhvr additive="base">
+                                        <p:cTn id="13" dur="500" fill="hold"/>
+                                        <p:tgtEl>
+                                          <p:spTgt spid="7"/>
+                                        </p:tgtEl>
+                                        <p:attrNameLst>
+                                          <p:attrName>ppt_x</p:attrName>
+                                        </p:attrNameLst>
+                                      </p:cBhvr>
+                                      <p:tavLst>
+                                        <p:tav tm="0">
+                                          <p:val>
+                                            <p:strVal val="#ppt_x"/>
+                                          </p:val>
+                                        </p:tav>
+                                        <p:tav tm="100000">
+                                          <p:val>
+                                            <p:strVal val="#ppt_x"/>
+                                          </p:val>
+                                        </p:tav>
+                                      </p:tavLst>
+                                    </p:anim>
+                                    <p:anim calcmode="lin" valueType="num">
+                                      <p:cBhvr additive="base">
+                                        <p:cTn id="14" dur="500" fill="hold"/>
+                                        <p:tgtEl>
+                                          <p:spTgt spid="7"/>
+                                        </p:tgtEl>
+                                        <p:attrNameLst>
+                                          <p:attrName>ppt_y</p:attrName>
+                                        </p:attrNameLst>
+                                      </p:cBhvr>
+                                      <p:tavLst>
+                                        <p:tav tm="0">
+                                          <p:val>
+                                            <p:strVal val="1+#ppt_h/2"/>
+                                          </p:val>
+                                        </p:tav>
+                                        <p:tav tm="100000">
+                                          <p:val>
+                                            <p:strVal val="#ppt_y"/>
+                                          </p:val>
+                                        </p:tav>
+                                      </p:tavLst>
+                                    </p:anim>
+                                  </p:childTnLst>
+                                </p:cTn>
+                              </p:par>
+                            </p:childTnLst>
+                          </p:cTn>
+                        </p:par>
+                      </p:childTnLst>
+                    </p:cTn>
+                  </p:par>
+                </p:childTnLst>
+              </p:cTn>
+              <p:prevCondLst>
+                <p:cond evt="onPrev" delay="0">
+                  <p:tgtEl>
+                    <p:sldTgt/>
+                  </p:tgtEl>
+                </p:cond>
+              </p:prevCondLst>
+              <p:nextCondLst>
+                <p:cond evt="onNext" delay="0">
+                  <p:tgtEl>
+                    <p:sldTgt/>
+                  </p:tgtEl>
+                </p:cond>
+              </p:nextCondLst>
+            </p:seq>
+          </p:childTnLst>
+        </p:cTn>
+      </p:par>
+    </p:tnLst>
+  </p:timing>
+</p:sld>
+</file>
+
+<file path=ppt/slides/slide24.xml><?xml version="1.0" encoding="utf-8"?>
+<p:sld xmlns:a="http://schemas.openxmlformats.org/drawingml/2006/main" xmlns:r="http://schemas.openxmlformats.org/officeDocument/2006/relationships" xmlns:p="http://schemas.openxmlformats.org/presentationml/2006/main">
+  <p:cSld>
+    <p:spTree>
+      <p:nvGrpSpPr>
+        <p:cNvPr id="1" name=""/>
+        <p:cNvGrpSpPr/>
+        <p:nvPr/>
+      </p:nvGrpSpPr>
+      <p:grpSpPr>
+        <a:xfrm>
+          <a:off x="0" y="0"/>
+          <a:ext cx="0" cy="0"/>
+          <a:chOff x="0" y="0"/>
+          <a:chExt cx="0" cy="0"/>
+        </a:xfrm>
+      </p:grpSpPr>
+      <p:sp>
+        <p:nvSpPr>
+          <p:cNvPr id="2" name="Title 1"/>
+          <p:cNvSpPr>
+            <a:spLocks noGrp="1"/>
+          </p:cNvSpPr>
+          <p:nvPr>
+            <p:ph type="title"/>
+          </p:nvPr>
+        </p:nvSpPr>
+        <p:spPr>
+          <a:xfrm>
+            <a:off x="838200" y="365126"/>
+            <a:ext cx="10515600" cy="757272"/>
+          </a:xfrm>
+        </p:spPr>
+        <p:txBody>
+          <a:bodyPr>
+            <a:normAutofit/>
+          </a:bodyPr>
+          <a:lstStyle/>
+          <a:p>
+            <a:r>
+              <a:rPr lang="en-US" sz="3600" dirty="0"/>
+              <a:t>Phone Number Database Example</a:t>
+            </a:r>
+          </a:p>
+        </p:txBody>
+      </p:sp>
+      <p:sp>
+        <p:nvSpPr>
+          <p:cNvPr id="3" name="Content Placeholder 2"/>
+          <p:cNvSpPr>
+            <a:spLocks noGrp="1"/>
+          </p:cNvSpPr>
+          <p:nvPr>
+            <p:ph idx="1"/>
+          </p:nvPr>
+        </p:nvSpPr>
+        <p:spPr>
+          <a:xfrm>
+            <a:off x="838200" y="1051756"/>
+            <a:ext cx="10622974" cy="5492584"/>
+          </a:xfrm>
+        </p:spPr>
+        <p:txBody>
+          <a:bodyPr>
+            <a:normAutofit/>
+          </a:bodyPr>
+          <a:lstStyle/>
+          <a:p>
+            <a:pPr marL="0" indent="0">
+              <a:buNone/>
+            </a:pPr>
+            <a:r>
+              <a:rPr lang="en-US" sz="2000" dirty="0"/>
+              <a:t>For example, a </a:t>
+            </a:r>
+            <a:r>
+              <a:rPr lang="en-US" sz="2000" dirty="0" err="1"/>
+              <a:t>PhoneNumber</a:t>
+            </a:r>
+            <a:r>
+              <a:rPr lang="en-US" sz="2000" dirty="0"/>
+              <a:t> database could be set up with two Tables. One table of Names and the  other table of </a:t>
+            </a:r>
+            <a:r>
+              <a:rPr lang="en-US" sz="2000" dirty="0" err="1"/>
+              <a:t>PhoneNumbers</a:t>
+            </a:r>
+            <a:r>
+              <a:rPr lang="en-US" sz="2000" dirty="0"/>
+              <a:t>. For this simple example we might end up with something like:</a:t>
+            </a:r>
+          </a:p>
+          <a:p>
+            <a:pPr>
+              <a:buFont typeface="Wingdings" panose="05000000000000000000" pitchFamily="2" charset="2"/>
+              <a:buChar char="§"/>
+            </a:pPr>
+            <a:r>
+              <a:rPr lang="en-US" sz="2000" u="sng" dirty="0"/>
+              <a:t>Schemas</a:t>
+            </a:r>
+            <a:r>
+              <a:rPr lang="en-US" sz="2000" dirty="0"/>
+              <a:t>: Two tables one called Names and one called </a:t>
+            </a:r>
+            <a:r>
+              <a:rPr lang="en-US" sz="2000" dirty="0" err="1"/>
+              <a:t>PhoneNumbers</a:t>
+            </a:r>
+            <a:r>
+              <a:rPr lang="en-US" sz="2000" dirty="0"/>
+              <a:t>, text will be stored in UTF-8, we will allow duplicates, and set an index on </a:t>
+            </a:r>
+            <a:r>
+              <a:rPr lang="en-US" sz="2000" dirty="0" err="1"/>
+              <a:t>Names.FirstName</a:t>
+            </a:r>
+            <a:r>
+              <a:rPr lang="en-US" sz="2000" dirty="0"/>
+              <a:t> and </a:t>
+            </a:r>
+            <a:r>
+              <a:rPr lang="en-US" sz="2000" dirty="0" err="1"/>
+              <a:t>Names.LastName</a:t>
+            </a:r>
+            <a:r>
+              <a:rPr lang="en-US" sz="2000" dirty="0"/>
+              <a:t>.</a:t>
+            </a:r>
+          </a:p>
+          <a:p>
+            <a:pPr>
+              <a:buFont typeface="Wingdings" panose="05000000000000000000" pitchFamily="2" charset="2"/>
+              <a:buChar char="§"/>
+            </a:pPr>
+            <a:r>
+              <a:rPr lang="en-US" sz="2000" u="sng" dirty="0"/>
+              <a:t>Names Table</a:t>
+            </a:r>
+            <a:r>
+              <a:rPr lang="en-US" sz="2000" dirty="0"/>
+              <a:t>: Three fields including </a:t>
+            </a:r>
+            <a:r>
+              <a:rPr lang="en-US" sz="2000" dirty="0" err="1"/>
+              <a:t>FirstName</a:t>
+            </a:r>
+            <a:r>
+              <a:rPr lang="en-US" sz="2000" dirty="0"/>
+              <a:t> and </a:t>
+            </a:r>
+            <a:r>
+              <a:rPr lang="en-US" sz="2000" dirty="0" err="1"/>
+              <a:t>LastName</a:t>
+            </a:r>
+            <a:r>
+              <a:rPr lang="en-US" sz="2000" dirty="0"/>
+              <a:t> of UTF-8 text, maximum length 40 characters, and can not be NULL. The third field will be an autoincrement unique ID that is an integer and does not allow duplicates. All three fields would be indexed for fast searching.</a:t>
+            </a:r>
+          </a:p>
+          <a:p>
+            <a:pPr>
+              <a:buFont typeface="Wingdings" panose="05000000000000000000" pitchFamily="2" charset="2"/>
+              <a:buChar char="§"/>
+            </a:pPr>
+            <a:r>
+              <a:rPr lang="en-US" sz="2000" u="sng" dirty="0" err="1"/>
+              <a:t>PhoneNumbers</a:t>
+            </a:r>
+            <a:r>
+              <a:rPr lang="en-US" sz="2000" u="sng" dirty="0"/>
+              <a:t> Table</a:t>
+            </a:r>
+            <a:r>
+              <a:rPr lang="en-US" sz="2000" dirty="0"/>
+              <a:t>: Four fields including </a:t>
+            </a:r>
+            <a:r>
+              <a:rPr lang="en-US" sz="2000" dirty="0" err="1"/>
+              <a:t>CountryCode</a:t>
+            </a:r>
+            <a:r>
+              <a:rPr lang="en-US" sz="2000" dirty="0"/>
+              <a:t>, </a:t>
+            </a:r>
+            <a:r>
+              <a:rPr lang="en-US" sz="2000" dirty="0" err="1"/>
+              <a:t>AreaCode</a:t>
+            </a:r>
+            <a:r>
+              <a:rPr lang="en-US" sz="2000" dirty="0"/>
+              <a:t>, and Number which are all UTF-8 strings that can only contain numbers. Maximum lengths for each are 2, 3, and 7 respectively. The fourth field will be  the unique ID of the person associated with the phone number. </a:t>
+            </a:r>
+            <a:r>
+              <a:rPr lang="en-US" sz="2000" dirty="0" err="1"/>
+              <a:t>CountryCode</a:t>
+            </a:r>
+            <a:r>
+              <a:rPr lang="en-US" sz="2000" dirty="0"/>
+              <a:t> can be NULL, other fields cannot. Fields will not be indexed as it will be rare that we have a phone number and want to lookup the person.</a:t>
+            </a:r>
+          </a:p>
+          <a:p>
+            <a:pPr>
+              <a:buFont typeface="Wingdings" panose="05000000000000000000" pitchFamily="2" charset="2"/>
+              <a:buChar char="§"/>
+            </a:pPr>
+            <a:r>
+              <a:rPr lang="en-US" sz="2000" u="sng" dirty="0"/>
+              <a:t>Views &amp; Queries</a:t>
+            </a:r>
+            <a:r>
+              <a:rPr lang="en-US" sz="2000" dirty="0"/>
+              <a:t> – A query that Joins a set of  Names to all of their respective phone numbers and shows that in a view would be valuable.</a:t>
+            </a:r>
+          </a:p>
+          <a:p>
+            <a:pPr>
+              <a:buFont typeface="Wingdings" panose="05000000000000000000" pitchFamily="2" charset="2"/>
+              <a:buChar char="§"/>
+            </a:pPr>
+            <a:endParaRPr lang="en-US" sz="2000" dirty="0"/>
+          </a:p>
+          <a:p>
+            <a:pPr marL="0" indent="0">
+              <a:buNone/>
+            </a:pPr>
+            <a:endParaRPr lang="en-US" sz="2000" dirty="0"/>
+          </a:p>
+        </p:txBody>
+      </p:sp>
+    </p:spTree>
+    <p:extLst>
+      <p:ext uri="{BB962C8B-B14F-4D97-AF65-F5344CB8AC3E}">
+        <p14:creationId xmlns:p14="http://schemas.microsoft.com/office/powerpoint/2010/main" val="3018519491"/>
+      </p:ext>
+    </p:extLst>
+  </p:cSld>
+  <p:clrMapOvr>
+    <a:masterClrMapping/>
+  </p:clrMapOvr>
+</p:sld>
+</file>
+
+<file path=ppt/slides/slide25.xml><?xml version="1.0" encoding="utf-8"?>
+<p:sld xmlns:a="http://schemas.openxmlformats.org/drawingml/2006/main" xmlns:r="http://schemas.openxmlformats.org/officeDocument/2006/relationships" xmlns:p="http://schemas.openxmlformats.org/presentationml/2006/main">
+  <p:cSld>
+    <p:spTree>
+      <p:nvGrpSpPr>
+        <p:cNvPr id="1" name=""/>
+        <p:cNvGrpSpPr/>
+        <p:nvPr/>
+      </p:nvGrpSpPr>
+      <p:grpSpPr>
+        <a:xfrm>
+          <a:off x="0" y="0"/>
+          <a:ext cx="0" cy="0"/>
+          <a:chOff x="0" y="0"/>
+          <a:chExt cx="0" cy="0"/>
+        </a:xfrm>
+      </p:grpSpPr>
+      <p:sp>
+        <p:nvSpPr>
+          <p:cNvPr id="2" name="Title 1"/>
+          <p:cNvSpPr>
+            <a:spLocks noGrp="1"/>
+          </p:cNvSpPr>
+          <p:nvPr>
+            <p:ph type="title"/>
+          </p:nvPr>
+        </p:nvSpPr>
+        <p:spPr>
+          <a:xfrm>
+            <a:off x="838200" y="365126"/>
+            <a:ext cx="10515600" cy="757272"/>
+          </a:xfrm>
+        </p:spPr>
+        <p:txBody>
+          <a:bodyPr>
+            <a:normAutofit/>
+          </a:bodyPr>
+          <a:lstStyle/>
+          <a:p>
+            <a:r>
+              <a:rPr lang="en-US" sz="3600" dirty="0"/>
               <a:t>Structured Query Language (SQL) </a:t>
             </a:r>
             <a:r>
@@ -11629,7 +12318,7 @@
 </p:sld>
 </file>
 
-<file path=ppt/slides/slide24.xml><?xml version="1.0" encoding="utf-8"?>
+<file path=ppt/slides/slide26.xml><?xml version="1.0" encoding="utf-8"?>
 <p:sld xmlns:a="http://schemas.openxmlformats.org/drawingml/2006/main" xmlns:r="http://schemas.openxmlformats.org/officeDocument/2006/relationships" xmlns:p="http://schemas.openxmlformats.org/presentationml/2006/main">
   <p:cSld>
     <p:spTree>
@@ -12103,7 +12792,7 @@
 </p:sld>
 </file>
 
-<file path=ppt/slides/slide25.xml><?xml version="1.0" encoding="utf-8"?>
+<file path=ppt/slides/slide27.xml><?xml version="1.0" encoding="utf-8"?>
 <p:sld xmlns:a="http://schemas.openxmlformats.org/drawingml/2006/main" xmlns:r="http://schemas.openxmlformats.org/officeDocument/2006/relationships" xmlns:p="http://schemas.openxmlformats.org/presentationml/2006/main">
   <p:cSld>
     <p:spTree>
@@ -12260,7 +12949,7 @@
 </p:sld>
 </file>
 
-<file path=ppt/slides/slide26.xml><?xml version="1.0" encoding="utf-8"?>
+<file path=ppt/slides/slide28.xml><?xml version="1.0" encoding="utf-8"?>
 <p:sld xmlns:a="http://schemas.openxmlformats.org/drawingml/2006/main" xmlns:r="http://schemas.openxmlformats.org/officeDocument/2006/relationships" xmlns:p="http://schemas.openxmlformats.org/presentationml/2006/main">
   <p:cSld>
     <p:spTree>
@@ -12373,7 +13062,7 @@
             </a:pPr>
             <a:r>
               <a:rPr lang="en-US" sz="2000" dirty="0"/>
-              <a:t>Don’t utilize two-tier client-server architectures for anything more than small scale (less than 10 local users) application</a:t>
+              <a:t>Don’t utilize two-tier client-server architectures for anything more than small scale (less than 8 local users) application</a:t>
             </a:r>
           </a:p>
           <a:p>
@@ -12383,7 +13072,23 @@
             </a:pPr>
             <a:r>
               <a:rPr lang="en-US" sz="2000" dirty="0"/>
-              <a:t>Recombine you data, and functionality by creating three-tier application for more important applications</a:t>
+              <a:t>… And be very </a:t>
+            </a:r>
+            <a:r>
+              <a:rPr lang="en-US" sz="2000" dirty="0" err="1"/>
+              <a:t>very</a:t>
+            </a:r>
+            <a:r>
+              <a:rPr lang="en-US" sz="2000" dirty="0"/>
+              <a:t> careful about using tools that automate the connection between you two-</a:t>
+            </a:r>
+            <a:r>
+              <a:rPr lang="en-US" sz="2000" dirty="0" err="1"/>
+              <a:t>teir</a:t>
+            </a:r>
+            <a:r>
+              <a:rPr lang="en-US" sz="2000" dirty="0"/>
+              <a:t> view elements and their associated database elements</a:t>
             </a:r>
           </a:p>
           <a:p>
@@ -12393,7 +13098,7 @@
             </a:pPr>
             <a:r>
               <a:rPr lang="en-US" sz="2000" dirty="0"/>
-              <a:t>Don’t try to “automate” your object model to relationship model conversions</a:t>
+              <a:t>Recombine you data, and functionality by creating three-tier application for more important applications</a:t>
             </a:r>
           </a:p>
           <a:p>
@@ -12403,15 +13108,17 @@
             </a:pPr>
             <a:r>
               <a:rPr lang="en-US" sz="2000" dirty="0"/>
-              <a:t>Never, never, never uses “smart” or cute naming conventions to represent </a:t>
-            </a:r>
-            <a:r>
-              <a:rPr lang="en-US" sz="2000" dirty="0" err="1"/>
-              <a:t>relatinships</a:t>
-            </a:r>
+              <a:t>Don’t try to “automate” your object model to relationship model conversions</a:t>
+            </a:r>
+          </a:p>
+          <a:p>
+            <a:pPr>
+              <a:buFont typeface="Wingdings" panose="05000000000000000000" pitchFamily="2" charset="2"/>
+              <a:buChar char="§"/>
+            </a:pPr>
             <a:r>
               <a:rPr lang="en-US" sz="2000" dirty="0"/>
-              <a:t>!</a:t>
+              <a:t>Never, never, never uses “smart” or cute naming conventions to represent relationships!</a:t>
             </a:r>
           </a:p>
         </p:txBody>
@@ -12429,7 +13136,7 @@
 </p:sld>
 </file>
 
-<file path=ppt/slides/slide27.xml><?xml version="1.0" encoding="utf-8"?>
+<file path=ppt/slides/slide29.xml><?xml version="1.0" encoding="utf-8"?>
 <p:sld xmlns:a="http://schemas.openxmlformats.org/drawingml/2006/main" xmlns:r="http://schemas.openxmlformats.org/officeDocument/2006/relationships" xmlns:p="http://schemas.openxmlformats.org/presentationml/2006/main">
   <p:cSld>
     <p:spTree>
@@ -14767,7 +15474,111 @@
 </p:sld>
 </file>
 
-<file path=ppt/slides/slide28.xml><?xml version="1.0" encoding="utf-8"?>
+<file path=ppt/slides/slide3.xml><?xml version="1.0" encoding="utf-8"?>
+<p:sld xmlns:a="http://schemas.openxmlformats.org/drawingml/2006/main" xmlns:r="http://schemas.openxmlformats.org/officeDocument/2006/relationships" xmlns:p="http://schemas.openxmlformats.org/presentationml/2006/main">
+  <p:cSld>
+    <p:spTree>
+      <p:nvGrpSpPr>
+        <p:cNvPr id="1" name=""/>
+        <p:cNvGrpSpPr/>
+        <p:nvPr/>
+      </p:nvGrpSpPr>
+      <p:grpSpPr>
+        <a:xfrm>
+          <a:off x="0" y="0"/>
+          <a:ext cx="0" cy="0"/>
+          <a:chOff x="0" y="0"/>
+          <a:chExt cx="0" cy="0"/>
+        </a:xfrm>
+      </p:grpSpPr>
+      <p:sp>
+        <p:nvSpPr>
+          <p:cNvPr id="2" name="Title 1"/>
+          <p:cNvSpPr>
+            <a:spLocks noGrp="1"/>
+          </p:cNvSpPr>
+          <p:nvPr>
+            <p:ph type="title"/>
+          </p:nvPr>
+        </p:nvSpPr>
+        <p:spPr>
+          <a:xfrm>
+            <a:off x="838200" y="365125"/>
+            <a:ext cx="10411047" cy="1325563"/>
+          </a:xfrm>
+        </p:spPr>
+        <p:txBody>
+          <a:bodyPr>
+            <a:normAutofit/>
+          </a:bodyPr>
+          <a:lstStyle/>
+          <a:p>
+            <a:r>
+              <a:rPr lang="en-US" sz="3600" dirty="0"/>
+              <a:t>Review Programming Assignment</a:t>
+            </a:r>
+          </a:p>
+        </p:txBody>
+      </p:sp>
+      <p:sp>
+        <p:nvSpPr>
+          <p:cNvPr id="3" name="Content Placeholder 2"/>
+          <p:cNvSpPr>
+            <a:spLocks noGrp="1"/>
+          </p:cNvSpPr>
+          <p:nvPr>
+            <p:ph idx="1"/>
+          </p:nvPr>
+        </p:nvSpPr>
+        <p:spPr>
+          <a:xfrm>
+            <a:off x="838199" y="1549178"/>
+            <a:ext cx="10453578" cy="4783519"/>
+          </a:xfrm>
+        </p:spPr>
+        <p:txBody>
+          <a:bodyPr>
+            <a:normAutofit/>
+          </a:bodyPr>
+          <a:lstStyle/>
+          <a:p>
+            <a:pPr marL="0" indent="0">
+              <a:buNone/>
+            </a:pPr>
+            <a:r>
+              <a:rPr lang="en-US" sz="2000" dirty="0"/>
+              <a:t>Week 8 Programming Assignment </a:t>
+            </a:r>
+            <a:r>
+              <a:rPr lang="en-US" sz="2000" u="sng" dirty="0">
+                <a:hlinkClick r:id="rId3"/>
+              </a:rPr>
+              <a:t>[link]</a:t>
+            </a:r>
+            <a:endParaRPr lang="en-US" sz="2000" dirty="0"/>
+          </a:p>
+          <a:p>
+            <a:pPr marL="0" indent="0">
+              <a:buNone/>
+            </a:pPr>
+            <a:endParaRPr lang="en-US" sz="2000" dirty="0"/>
+          </a:p>
+        </p:txBody>
+      </p:sp>
+    </p:spTree>
+    <p:extLst>
+      <p:ext uri="{BB962C8B-B14F-4D97-AF65-F5344CB8AC3E}">
+        <p14:creationId xmlns:p14="http://schemas.microsoft.com/office/powerpoint/2010/main" val="686912340"/>
+      </p:ext>
+    </p:extLst>
+  </p:cSld>
+  <p:clrMapOvr>
+    <a:masterClrMapping/>
+  </p:clrMapOvr>
+</p:sld>
+</file>
+
+<file path=ppt/slides/slide30.xml><?xml version="1.0" encoding="utf-8"?>
 <p:sld xmlns:a="http://schemas.openxmlformats.org/drawingml/2006/main" xmlns:r="http://schemas.openxmlformats.org/officeDocument/2006/relationships" xmlns:p="http://schemas.openxmlformats.org/presentationml/2006/main">
   <p:cSld>
     <p:spTree>
@@ -16272,7 +17083,7 @@
 </p:sld>
 </file>
 
-<file path=ppt/slides/slide29.xml><?xml version="1.0" encoding="utf-8"?>
+<file path=ppt/slides/slide31.xml><?xml version="1.0" encoding="utf-8"?>
 <p:sld xmlns:a="http://schemas.openxmlformats.org/drawingml/2006/main" xmlns:r="http://schemas.openxmlformats.org/officeDocument/2006/relationships" xmlns:p="http://schemas.openxmlformats.org/presentationml/2006/main">
   <p:cSld>
     <p:spTree>
@@ -18115,111 +18926,7 @@
 </p:sld>
 </file>
 
-<file path=ppt/slides/slide3.xml><?xml version="1.0" encoding="utf-8"?>
-<p:sld xmlns:a="http://schemas.openxmlformats.org/drawingml/2006/main" xmlns:r="http://schemas.openxmlformats.org/officeDocument/2006/relationships" xmlns:p="http://schemas.openxmlformats.org/presentationml/2006/main">
-  <p:cSld>
-    <p:spTree>
-      <p:nvGrpSpPr>
-        <p:cNvPr id="1" name=""/>
-        <p:cNvGrpSpPr/>
-        <p:nvPr/>
-      </p:nvGrpSpPr>
-      <p:grpSpPr>
-        <a:xfrm>
-          <a:off x="0" y="0"/>
-          <a:ext cx="0" cy="0"/>
-          <a:chOff x="0" y="0"/>
-          <a:chExt cx="0" cy="0"/>
-        </a:xfrm>
-      </p:grpSpPr>
-      <p:sp>
-        <p:nvSpPr>
-          <p:cNvPr id="2" name="Title 1"/>
-          <p:cNvSpPr>
-            <a:spLocks noGrp="1"/>
-          </p:cNvSpPr>
-          <p:nvPr>
-            <p:ph type="title"/>
-          </p:nvPr>
-        </p:nvSpPr>
-        <p:spPr>
-          <a:xfrm>
-            <a:off x="838200" y="365125"/>
-            <a:ext cx="10411047" cy="1325563"/>
-          </a:xfrm>
-        </p:spPr>
-        <p:txBody>
-          <a:bodyPr>
-            <a:normAutofit/>
-          </a:bodyPr>
-          <a:lstStyle/>
-          <a:p>
-            <a:r>
-              <a:rPr lang="en-US" sz="3600" dirty="0"/>
-              <a:t>Review Programming Assignment</a:t>
-            </a:r>
-          </a:p>
-        </p:txBody>
-      </p:sp>
-      <p:sp>
-        <p:nvSpPr>
-          <p:cNvPr id="3" name="Content Placeholder 2"/>
-          <p:cNvSpPr>
-            <a:spLocks noGrp="1"/>
-          </p:cNvSpPr>
-          <p:nvPr>
-            <p:ph idx="1"/>
-          </p:nvPr>
-        </p:nvSpPr>
-        <p:spPr>
-          <a:xfrm>
-            <a:off x="838199" y="1549178"/>
-            <a:ext cx="10453578" cy="4783519"/>
-          </a:xfrm>
-        </p:spPr>
-        <p:txBody>
-          <a:bodyPr>
-            <a:normAutofit/>
-          </a:bodyPr>
-          <a:lstStyle/>
-          <a:p>
-            <a:pPr marL="0" indent="0">
-              <a:buNone/>
-            </a:pPr>
-            <a:r>
-              <a:rPr lang="en-US" sz="2000" dirty="0"/>
-              <a:t>Week 8 Programming Assignment </a:t>
-            </a:r>
-            <a:r>
-              <a:rPr lang="en-US" sz="2000" u="sng" dirty="0">
-                <a:hlinkClick r:id="rId3"/>
-              </a:rPr>
-              <a:t>[link]</a:t>
-            </a:r>
-            <a:endParaRPr lang="en-US" sz="2000" dirty="0"/>
-          </a:p>
-          <a:p>
-            <a:pPr marL="0" indent="0">
-              <a:buNone/>
-            </a:pPr>
-            <a:endParaRPr lang="en-US" sz="2000" dirty="0"/>
-          </a:p>
-        </p:txBody>
-      </p:sp>
-    </p:spTree>
-    <p:extLst>
-      <p:ext uri="{BB962C8B-B14F-4D97-AF65-F5344CB8AC3E}">
-        <p14:creationId xmlns:p14="http://schemas.microsoft.com/office/powerpoint/2010/main" val="686912340"/>
-      </p:ext>
-    </p:extLst>
-  </p:cSld>
-  <p:clrMapOvr>
-    <a:masterClrMapping/>
-  </p:clrMapOvr>
-</p:sld>
-</file>
-
-<file path=ppt/slides/slide30.xml><?xml version="1.0" encoding="utf-8"?>
+<file path=ppt/slides/slide32.xml><?xml version="1.0" encoding="utf-8"?>
 <p:sld xmlns:a="http://schemas.openxmlformats.org/drawingml/2006/main" xmlns:r="http://schemas.openxmlformats.org/officeDocument/2006/relationships" xmlns:p="http://schemas.openxmlformats.org/presentationml/2006/main">
   <p:cSld>
     <p:spTree>
@@ -19462,7 +20169,7 @@
 </p:sld>
 </file>
 
-<file path=ppt/slides/slide31.xml><?xml version="1.0" encoding="utf-8"?>
+<file path=ppt/slides/slide33.xml><?xml version="1.0" encoding="utf-8"?>
 <p:sld xmlns:a="http://schemas.openxmlformats.org/drawingml/2006/main" xmlns:r="http://schemas.openxmlformats.org/officeDocument/2006/relationships" xmlns:p="http://schemas.openxmlformats.org/presentationml/2006/main">
   <p:cSld>
     <p:spTree>
@@ -20768,391 +21475,6 @@
 </p:sld>
 </file>
 
-<file path=ppt/slides/slide32.xml><?xml version="1.0" encoding="utf-8"?>
-<p:sld xmlns:a="http://schemas.openxmlformats.org/drawingml/2006/main" xmlns:r="http://schemas.openxmlformats.org/officeDocument/2006/relationships" xmlns:p="http://schemas.openxmlformats.org/presentationml/2006/main">
-  <p:cSld>
-    <p:spTree>
-      <p:nvGrpSpPr>
-        <p:cNvPr id="1" name=""/>
-        <p:cNvGrpSpPr/>
-        <p:nvPr/>
-      </p:nvGrpSpPr>
-      <p:grpSpPr>
-        <a:xfrm>
-          <a:off x="0" y="0"/>
-          <a:ext cx="0" cy="0"/>
-          <a:chOff x="0" y="0"/>
-          <a:chExt cx="0" cy="0"/>
-        </a:xfrm>
-      </p:grpSpPr>
-      <p:sp>
-        <p:nvSpPr>
-          <p:cNvPr id="2" name="Title 1"/>
-          <p:cNvSpPr>
-            <a:spLocks noGrp="1"/>
-          </p:cNvSpPr>
-          <p:nvPr>
-            <p:ph type="title"/>
-          </p:nvPr>
-        </p:nvSpPr>
-        <p:spPr>
-          <a:xfrm>
-            <a:off x="838200" y="474626"/>
-            <a:ext cx="10515600" cy="757272"/>
-          </a:xfrm>
-        </p:spPr>
-        <p:txBody>
-          <a:bodyPr>
-            <a:normAutofit/>
-          </a:bodyPr>
-          <a:lstStyle/>
-          <a:p>
-            <a:r>
-              <a:rPr lang="en-US" sz="3600" dirty="0"/>
-              <a:t>Learning Objectives – Week 8</a:t>
-            </a:r>
-            <a:endParaRPr lang="en-US" sz="3600" b="1" i="1" u="sng" dirty="0"/>
-          </a:p>
-        </p:txBody>
-      </p:sp>
-      <p:sp>
-        <p:nvSpPr>
-          <p:cNvPr id="3" name="Content Placeholder 2"/>
-          <p:cNvSpPr>
-            <a:spLocks noGrp="1"/>
-          </p:cNvSpPr>
-          <p:nvPr>
-            <p:ph idx="1"/>
-          </p:nvPr>
-        </p:nvSpPr>
-        <p:spPr>
-          <a:xfrm>
-            <a:off x="838200" y="1231898"/>
-            <a:ext cx="10718950" cy="5463343"/>
-          </a:xfrm>
-        </p:spPr>
-        <p:txBody>
-          <a:bodyPr>
-            <a:normAutofit/>
-          </a:bodyPr>
-          <a:lstStyle/>
-          <a:p>
-            <a:pPr marL="457200" indent="-457200">
-              <a:buFont typeface="+mj-lt"/>
-              <a:buAutoNum type="arabicPeriod"/>
-            </a:pPr>
-            <a:r>
-              <a:rPr lang="en-US" sz="2000" dirty="0">
-                <a:solidFill>
-                  <a:schemeClr val="bg1">
-                    <a:lumMod val="65000"/>
-                  </a:schemeClr>
-                </a:solidFill>
-              </a:rPr>
-              <a:t>Describe what a thread is and why it can be useful to distribute tasks among multiple threads</a:t>
-            </a:r>
-          </a:p>
-          <a:p>
-            <a:pPr marL="457200" indent="-457200">
-              <a:buFont typeface="+mj-lt"/>
-              <a:buAutoNum type="arabicPeriod"/>
-            </a:pPr>
-            <a:r>
-              <a:rPr lang="en-US" sz="2000" dirty="0">
-                <a:solidFill>
-                  <a:schemeClr val="bg1">
-                    <a:lumMod val="65000"/>
-                  </a:schemeClr>
-                </a:solidFill>
-              </a:rPr>
-              <a:t>Review our multi-threaded application development activities</a:t>
-            </a:r>
-          </a:p>
-          <a:p>
-            <a:pPr marL="457200" indent="-457200">
-              <a:buFont typeface="+mj-lt"/>
-              <a:buAutoNum type="arabicPeriod"/>
-            </a:pPr>
-            <a:r>
-              <a:rPr lang="en-US" sz="2000" dirty="0">
-                <a:solidFill>
-                  <a:schemeClr val="bg1">
-                    <a:lumMod val="65000"/>
-                  </a:schemeClr>
-                </a:solidFill>
-              </a:rPr>
-              <a:t>Explain why it is important to synchronize threads that need to share data source access</a:t>
-            </a:r>
-          </a:p>
-          <a:p>
-            <a:pPr marL="457200" indent="-457200">
-              <a:buFont typeface="+mj-lt"/>
-              <a:buAutoNum type="arabicPeriod"/>
-            </a:pPr>
-            <a:r>
-              <a:rPr lang="en-US" sz="2000" dirty="0">
-                <a:solidFill>
-                  <a:schemeClr val="bg1">
-                    <a:lumMod val="65000"/>
-                  </a:schemeClr>
-                </a:solidFill>
-              </a:rPr>
-              <a:t>Review Object Oriented Programming benefits including the associating Data &amp; Functionality, Encapsulation &amp; Information Hiding, Inheritance, and Polymorphism</a:t>
-            </a:r>
-          </a:p>
-          <a:p>
-            <a:pPr marL="457200" indent="-457200">
-              <a:buFont typeface="+mj-lt"/>
-              <a:buAutoNum type="arabicPeriod"/>
-            </a:pPr>
-            <a:r>
-              <a:rPr lang="en-US" sz="2000" dirty="0">
-                <a:solidFill>
-                  <a:schemeClr val="bg1">
-                    <a:lumMod val="65000"/>
-                  </a:schemeClr>
-                </a:solidFill>
-              </a:rPr>
-              <a:t>Review databases, database servers, and the SQL language</a:t>
-            </a:r>
-          </a:p>
-          <a:p>
-            <a:pPr marL="457200" indent="-457200">
-              <a:buFont typeface="+mj-lt"/>
-              <a:buAutoNum type="arabicPeriod"/>
-            </a:pPr>
-            <a:r>
-              <a:rPr lang="en-US" sz="2000" dirty="0">
-                <a:solidFill>
-                  <a:schemeClr val="bg1">
-                    <a:lumMod val="65000"/>
-                  </a:schemeClr>
-                </a:solidFill>
-              </a:rPr>
-              <a:t>Understand how databases support (or don’t support)work within a Object Oriented Programming environment</a:t>
-            </a:r>
-          </a:p>
-          <a:p>
-            <a:pPr marL="457200" indent="-457200">
-              <a:buFont typeface="+mj-lt"/>
-              <a:buAutoNum type="arabicPeriod"/>
-            </a:pPr>
-            <a:r>
-              <a:rPr lang="en-US" sz="2000" dirty="0">
-                <a:solidFill>
-                  <a:schemeClr val="bg1">
-                    <a:lumMod val="65000"/>
-                  </a:schemeClr>
-                </a:solidFill>
-              </a:rPr>
-              <a:t>Understand client-server (two-tier), three-tier, and n-tier architectures</a:t>
-            </a:r>
-          </a:p>
-          <a:p>
-            <a:pPr marL="457200" indent="-457200">
-              <a:buFont typeface="+mj-lt"/>
-              <a:buAutoNum type="arabicPeriod"/>
-            </a:pPr>
-            <a:r>
-              <a:rPr lang="en-US" sz="2000" dirty="0"/>
-              <a:t>Introduce network programming concepts </a:t>
-            </a:r>
-          </a:p>
-          <a:p>
-            <a:pPr marL="457200" indent="-457200">
-              <a:buFont typeface="+mj-lt"/>
-              <a:buAutoNum type="arabicPeriod"/>
-            </a:pPr>
-            <a:r>
-              <a:rPr lang="en-US" sz="2000" dirty="0"/>
-              <a:t>Understand Web Services network programming</a:t>
-            </a:r>
-          </a:p>
-          <a:p>
-            <a:pPr marL="457200" indent="-457200">
-              <a:buFont typeface="+mj-lt"/>
-              <a:buAutoNum type="arabicPeriod"/>
-            </a:pPr>
-            <a:r>
-              <a:rPr lang="en-US" sz="2000" dirty="0"/>
-              <a:t>Develop a middle-tier data server using network programming</a:t>
-            </a:r>
-          </a:p>
-        </p:txBody>
-      </p:sp>
-    </p:spTree>
-    <p:extLst>
-      <p:ext uri="{BB962C8B-B14F-4D97-AF65-F5344CB8AC3E}">
-        <p14:creationId xmlns:p14="http://schemas.microsoft.com/office/powerpoint/2010/main" val="1084624715"/>
-      </p:ext>
-    </p:extLst>
-  </p:cSld>
-  <p:clrMapOvr>
-    <a:masterClrMapping/>
-  </p:clrMapOvr>
-</p:sld>
-</file>
-
-<file path=ppt/slides/slide33.xml><?xml version="1.0" encoding="utf-8"?>
-<p:sld xmlns:a="http://schemas.openxmlformats.org/drawingml/2006/main" xmlns:r="http://schemas.openxmlformats.org/officeDocument/2006/relationships" xmlns:p="http://schemas.openxmlformats.org/presentationml/2006/main">
-  <p:cSld>
-    <p:spTree>
-      <p:nvGrpSpPr>
-        <p:cNvPr id="1" name=""/>
-        <p:cNvGrpSpPr/>
-        <p:nvPr/>
-      </p:nvGrpSpPr>
-      <p:grpSpPr>
-        <a:xfrm>
-          <a:off x="0" y="0"/>
-          <a:ext cx="0" cy="0"/>
-          <a:chOff x="0" y="0"/>
-          <a:chExt cx="0" cy="0"/>
-        </a:xfrm>
-      </p:grpSpPr>
-      <p:sp>
-        <p:nvSpPr>
-          <p:cNvPr id="2" name="Title 1"/>
-          <p:cNvSpPr>
-            <a:spLocks noGrp="1"/>
-          </p:cNvSpPr>
-          <p:nvPr>
-            <p:ph type="title"/>
-          </p:nvPr>
-        </p:nvSpPr>
-        <p:spPr>
-          <a:xfrm>
-            <a:off x="811620" y="365126"/>
-            <a:ext cx="10515600" cy="757272"/>
-          </a:xfrm>
-        </p:spPr>
-        <p:txBody>
-          <a:bodyPr>
-            <a:normAutofit/>
-          </a:bodyPr>
-          <a:lstStyle/>
-          <a:p>
-            <a:r>
-              <a:rPr lang="en-US" sz="3600" dirty="0"/>
-              <a:t>Three-Tier Architecture Protocols &amp; Formats</a:t>
-            </a:r>
-          </a:p>
-        </p:txBody>
-      </p:sp>
-      <p:sp>
-        <p:nvSpPr>
-          <p:cNvPr id="8" name="Content Placeholder 2"/>
-          <p:cNvSpPr>
-            <a:spLocks noGrp="1"/>
-          </p:cNvSpPr>
-          <p:nvPr>
-            <p:ph idx="1"/>
-          </p:nvPr>
-        </p:nvSpPr>
-        <p:spPr>
-          <a:xfrm>
-            <a:off x="811620" y="1145929"/>
-            <a:ext cx="10456854" cy="4783519"/>
-          </a:xfrm>
-        </p:spPr>
-        <p:txBody>
-          <a:bodyPr>
-            <a:normAutofit/>
-          </a:bodyPr>
-          <a:lstStyle/>
-          <a:p>
-            <a:pPr marL="0" indent="0">
-              <a:buNone/>
-            </a:pPr>
-            <a:r>
-              <a:rPr lang="en-US" sz="2000" dirty="0"/>
-              <a:t>Three-Tier application architectures can use a variety of network protocols and formats including::  </a:t>
-            </a:r>
-          </a:p>
-          <a:p>
-            <a:r>
-              <a:rPr lang="en-US" sz="2000" dirty="0"/>
-              <a:t>TCP/IP: Transmission Control Protocol / Internet Protocol</a:t>
-            </a:r>
-          </a:p>
-          <a:p>
-            <a:r>
-              <a:rPr lang="en-US" sz="2000" dirty="0"/>
-              <a:t>Sockets: Another term for TCP/IP </a:t>
-            </a:r>
-          </a:p>
-          <a:p>
-            <a:r>
-              <a:rPr lang="en-US" sz="2000" dirty="0"/>
-              <a:t>HTTP: Hypertext Transfer Protocol </a:t>
-            </a:r>
-          </a:p>
-          <a:p>
-            <a:r>
-              <a:rPr lang="en-US" sz="2000" dirty="0"/>
-              <a:t>HTTPs: Hypertext Transfer Protocol Secure</a:t>
-            </a:r>
-          </a:p>
-          <a:p>
-            <a:r>
-              <a:rPr lang="en-US" sz="2000" dirty="0"/>
-              <a:t>SSL: Secure Sockets Layer</a:t>
-            </a:r>
-          </a:p>
-          <a:p>
-            <a:r>
-              <a:rPr lang="en-US" sz="2000" dirty="0"/>
-              <a:t>XML or JSON: Extensible Markup Language</a:t>
-            </a:r>
-          </a:p>
-          <a:p>
-            <a:r>
-              <a:rPr lang="en-US" sz="2000" dirty="0"/>
-              <a:t>SQL</a:t>
-            </a:r>
-          </a:p>
-          <a:p>
-            <a:pPr marL="0" indent="0">
-              <a:buNone/>
-            </a:pPr>
-            <a:endParaRPr lang="en-US" sz="2000" dirty="0"/>
-          </a:p>
-          <a:p>
-            <a:pPr marL="0" indent="0">
-              <a:buNone/>
-            </a:pPr>
-            <a:r>
-              <a:rPr lang="en-US" sz="2000" dirty="0"/>
-              <a:t>Aggregated Protocol Standards:</a:t>
-            </a:r>
-          </a:p>
-          <a:p>
-            <a:r>
-              <a:rPr lang="en-US" sz="2000" dirty="0"/>
-              <a:t>SOAP: Simple Object Access Protocol (HTTP/HTTPs/Sockets with XML)</a:t>
-            </a:r>
-          </a:p>
-          <a:p>
-            <a:r>
-              <a:rPr lang="en-US" sz="2000" dirty="0"/>
-              <a:t>REST: Representational State Transfer (HTTP/HTTPs with JSON)</a:t>
-            </a:r>
-          </a:p>
-        </p:txBody>
-      </p:sp>
-    </p:spTree>
-    <p:extLst>
-      <p:ext uri="{BB962C8B-B14F-4D97-AF65-F5344CB8AC3E}">
-        <p14:creationId xmlns:p14="http://schemas.microsoft.com/office/powerpoint/2010/main" val="2816847282"/>
-      </p:ext>
-    </p:extLst>
-  </p:cSld>
-  <p:clrMapOvr>
-    <a:masterClrMapping/>
-  </p:clrMapOvr>
-</p:sld>
-</file>
-
 <file path=ppt/slides/slide34.xml><?xml version="1.0" encoding="utf-8"?>
 <p:sld xmlns:a="http://schemas.openxmlformats.org/drawingml/2006/main" xmlns:r="http://schemas.openxmlformats.org/officeDocument/2006/relationships" xmlns:p="http://schemas.openxmlformats.org/presentationml/2006/main">
   <p:cSld>
@@ -21182,6 +21504,578 @@
         </p:nvSpPr>
         <p:spPr>
           <a:xfrm>
+            <a:off x="838200" y="365126"/>
+            <a:ext cx="10515600" cy="757272"/>
+          </a:xfrm>
+        </p:spPr>
+        <p:txBody>
+          <a:bodyPr>
+            <a:normAutofit/>
+          </a:bodyPr>
+          <a:lstStyle/>
+          <a:p>
+            <a:r>
+              <a:rPr lang="en-US" sz="3600" dirty="0"/>
+              <a:t>Review… Data Base Management Systems with OOP</a:t>
+            </a:r>
+          </a:p>
+        </p:txBody>
+      </p:sp>
+      <p:sp>
+        <p:nvSpPr>
+          <p:cNvPr id="3" name="Content Placeholder 2"/>
+          <p:cNvSpPr>
+            <a:spLocks noGrp="1"/>
+          </p:cNvSpPr>
+          <p:nvPr>
+            <p:ph idx="1"/>
+          </p:nvPr>
+        </p:nvSpPr>
+        <p:spPr>
+          <a:xfrm>
+            <a:off x="838200" y="1051756"/>
+            <a:ext cx="10622974" cy="5492584"/>
+          </a:xfrm>
+        </p:spPr>
+        <p:txBody>
+          <a:bodyPr>
+            <a:normAutofit/>
+          </a:bodyPr>
+          <a:lstStyle/>
+          <a:p>
+            <a:pPr marL="0" indent="0">
+              <a:buNone/>
+            </a:pPr>
+            <a:r>
+              <a:rPr lang="en-US" sz="2000" dirty="0"/>
+              <a:t>Live in harmony. Embrace the database while keep a focus on OOP concepts:</a:t>
+            </a:r>
+          </a:p>
+          <a:p>
+            <a:pPr>
+              <a:buFont typeface="Wingdings" panose="05000000000000000000" pitchFamily="2" charset="2"/>
+              <a:buChar char="§"/>
+            </a:pPr>
+            <a:r>
+              <a:rPr lang="en-US" sz="2000" dirty="0"/>
+              <a:t>Store your data in a database</a:t>
+            </a:r>
+          </a:p>
+          <a:p>
+            <a:pPr>
+              <a:buFont typeface="Wingdings" panose="05000000000000000000" pitchFamily="2" charset="2"/>
+              <a:buChar char="§"/>
+            </a:pPr>
+            <a:r>
+              <a:rPr lang="en-US" sz="2000" dirty="0"/>
+              <a:t>Enforce all important relationships in the database</a:t>
+            </a:r>
+          </a:p>
+          <a:p>
+            <a:pPr>
+              <a:buFont typeface="Wingdings" panose="05000000000000000000" pitchFamily="2" charset="2"/>
+              <a:buChar char="§"/>
+            </a:pPr>
+            <a:r>
+              <a:rPr lang="en-US" sz="2000" dirty="0"/>
+              <a:t>Differentiate enterprise or shared data from application specific data… keep the shared data as small as is reasonable and have a separate person/team manage the shared data</a:t>
+            </a:r>
+          </a:p>
+          <a:p>
+            <a:pPr>
+              <a:buFont typeface="Wingdings" panose="05000000000000000000" pitchFamily="2" charset="2"/>
+              <a:buChar char="§"/>
+            </a:pPr>
+            <a:r>
+              <a:rPr lang="en-US" sz="2000" i="1" dirty="0"/>
+              <a:t>Don’t utilize two-tier client-server architectures for anything more than small scale (less than 8 local users) application</a:t>
+            </a:r>
+          </a:p>
+          <a:p>
+            <a:pPr>
+              <a:buFont typeface="Wingdings" panose="05000000000000000000" pitchFamily="2" charset="2"/>
+              <a:buChar char="§"/>
+            </a:pPr>
+            <a:r>
+              <a:rPr lang="en-US" sz="2000" i="1" dirty="0"/>
+              <a:t>**… And be very </a:t>
+            </a:r>
+            <a:r>
+              <a:rPr lang="en-US" sz="2000" i="1" dirty="0" err="1"/>
+              <a:t>very</a:t>
+            </a:r>
+            <a:r>
+              <a:rPr lang="en-US" sz="2000" i="1" dirty="0"/>
+              <a:t> careful about using tools that automate the connection between you two-</a:t>
+            </a:r>
+            <a:r>
+              <a:rPr lang="en-US" sz="2000" i="1" dirty="0" err="1"/>
+              <a:t>teir</a:t>
+            </a:r>
+            <a:r>
+              <a:rPr lang="en-US" sz="2000" i="1" dirty="0"/>
+              <a:t> view elements and their associated database elements</a:t>
+            </a:r>
+          </a:p>
+          <a:p>
+            <a:pPr>
+              <a:buFont typeface="Wingdings" panose="05000000000000000000" pitchFamily="2" charset="2"/>
+              <a:buChar char="§"/>
+            </a:pPr>
+            <a:r>
+              <a:rPr lang="en-US" sz="2000" dirty="0"/>
+              <a:t>Recombine you data, and functionality by creating three-tier application for more important applications</a:t>
+            </a:r>
+          </a:p>
+          <a:p>
+            <a:pPr>
+              <a:buFont typeface="Wingdings" panose="05000000000000000000" pitchFamily="2" charset="2"/>
+              <a:buChar char="§"/>
+            </a:pPr>
+            <a:r>
+              <a:rPr lang="en-US" sz="2000" dirty="0"/>
+              <a:t>**Don’t try to “automate” your object model to relationship model conversions</a:t>
+            </a:r>
+          </a:p>
+          <a:p>
+            <a:pPr>
+              <a:buFont typeface="Wingdings" panose="05000000000000000000" pitchFamily="2" charset="2"/>
+              <a:buChar char="§"/>
+            </a:pPr>
+            <a:r>
+              <a:rPr lang="en-US" sz="2000" i="1" dirty="0"/>
+              <a:t>**Never, never, never uses “smart” or cute naming conventions to represent relationships!</a:t>
+            </a:r>
+          </a:p>
+        </p:txBody>
+      </p:sp>
+    </p:spTree>
+    <p:extLst>
+      <p:ext uri="{BB962C8B-B14F-4D97-AF65-F5344CB8AC3E}">
+        <p14:creationId xmlns:p14="http://schemas.microsoft.com/office/powerpoint/2010/main" val="1413406176"/>
+      </p:ext>
+    </p:extLst>
+  </p:cSld>
+  <p:clrMapOvr>
+    <a:masterClrMapping/>
+  </p:clrMapOvr>
+</p:sld>
+</file>
+
+<file path=ppt/slides/slide35.xml><?xml version="1.0" encoding="utf-8"?>
+<p:sld xmlns:a="http://schemas.openxmlformats.org/drawingml/2006/main" xmlns:r="http://schemas.openxmlformats.org/officeDocument/2006/relationships" xmlns:p="http://schemas.openxmlformats.org/presentationml/2006/main">
+  <p:cSld>
+    <p:spTree>
+      <p:nvGrpSpPr>
+        <p:cNvPr id="1" name=""/>
+        <p:cNvGrpSpPr/>
+        <p:nvPr/>
+      </p:nvGrpSpPr>
+      <p:grpSpPr>
+        <a:xfrm>
+          <a:off x="0" y="0"/>
+          <a:ext cx="0" cy="0"/>
+          <a:chOff x="0" y="0"/>
+          <a:chExt cx="0" cy="0"/>
+        </a:xfrm>
+      </p:grpSpPr>
+      <p:sp>
+        <p:nvSpPr>
+          <p:cNvPr id="2" name="Title 1"/>
+          <p:cNvSpPr>
+            <a:spLocks noGrp="1"/>
+          </p:cNvSpPr>
+          <p:nvPr>
+            <p:ph type="title"/>
+          </p:nvPr>
+        </p:nvSpPr>
+        <p:spPr>
+          <a:xfrm>
+            <a:off x="838200" y="474626"/>
+            <a:ext cx="10515600" cy="757272"/>
+          </a:xfrm>
+        </p:spPr>
+        <p:txBody>
+          <a:bodyPr>
+            <a:normAutofit/>
+          </a:bodyPr>
+          <a:lstStyle/>
+          <a:p>
+            <a:r>
+              <a:rPr lang="en-US" sz="3600" dirty="0"/>
+              <a:t>Learning Objectives – Week 8</a:t>
+            </a:r>
+            <a:endParaRPr lang="en-US" sz="3600" b="1" i="1" u="sng" dirty="0"/>
+          </a:p>
+        </p:txBody>
+      </p:sp>
+      <p:sp>
+        <p:nvSpPr>
+          <p:cNvPr id="3" name="Content Placeholder 2"/>
+          <p:cNvSpPr>
+            <a:spLocks noGrp="1"/>
+          </p:cNvSpPr>
+          <p:nvPr>
+            <p:ph idx="1"/>
+          </p:nvPr>
+        </p:nvSpPr>
+        <p:spPr>
+          <a:xfrm>
+            <a:off x="838200" y="1231898"/>
+            <a:ext cx="10718950" cy="5463343"/>
+          </a:xfrm>
+        </p:spPr>
+        <p:txBody>
+          <a:bodyPr>
+            <a:normAutofit/>
+          </a:bodyPr>
+          <a:lstStyle/>
+          <a:p>
+            <a:pPr marL="457200" indent="-457200">
+              <a:buFont typeface="+mj-lt"/>
+              <a:buAutoNum type="arabicPeriod"/>
+            </a:pPr>
+            <a:r>
+              <a:rPr lang="en-US" sz="2000" dirty="0">
+                <a:solidFill>
+                  <a:schemeClr val="bg1">
+                    <a:lumMod val="65000"/>
+                  </a:schemeClr>
+                </a:solidFill>
+              </a:rPr>
+              <a:t>Describe what a thread is and why it can be useful to distribute tasks among multiple threads</a:t>
+            </a:r>
+          </a:p>
+          <a:p>
+            <a:pPr marL="457200" indent="-457200">
+              <a:buFont typeface="+mj-lt"/>
+              <a:buAutoNum type="arabicPeriod"/>
+            </a:pPr>
+            <a:r>
+              <a:rPr lang="en-US" sz="2000" dirty="0">
+                <a:solidFill>
+                  <a:schemeClr val="bg1">
+                    <a:lumMod val="65000"/>
+                  </a:schemeClr>
+                </a:solidFill>
+              </a:rPr>
+              <a:t>Review our multi-threaded application development activities</a:t>
+            </a:r>
+          </a:p>
+          <a:p>
+            <a:pPr marL="457200" indent="-457200">
+              <a:buFont typeface="+mj-lt"/>
+              <a:buAutoNum type="arabicPeriod"/>
+            </a:pPr>
+            <a:r>
+              <a:rPr lang="en-US" sz="2000" dirty="0">
+                <a:solidFill>
+                  <a:schemeClr val="bg1">
+                    <a:lumMod val="65000"/>
+                  </a:schemeClr>
+                </a:solidFill>
+              </a:rPr>
+              <a:t>Explain why it is important to synchronize threads that need to share data source access</a:t>
+            </a:r>
+          </a:p>
+          <a:p>
+            <a:pPr marL="457200" indent="-457200">
+              <a:buFont typeface="+mj-lt"/>
+              <a:buAutoNum type="arabicPeriod"/>
+            </a:pPr>
+            <a:r>
+              <a:rPr lang="en-US" sz="2000" dirty="0">
+                <a:solidFill>
+                  <a:schemeClr val="bg1">
+                    <a:lumMod val="65000"/>
+                  </a:schemeClr>
+                </a:solidFill>
+              </a:rPr>
+              <a:t>Review Object Oriented Programming benefits including the associating Data &amp; Functionality, Encapsulation &amp; Information Hiding, Inheritance, and Polymorphism</a:t>
+            </a:r>
+          </a:p>
+          <a:p>
+            <a:pPr marL="457200" indent="-457200">
+              <a:buFont typeface="+mj-lt"/>
+              <a:buAutoNum type="arabicPeriod"/>
+            </a:pPr>
+            <a:r>
+              <a:rPr lang="en-US" sz="2000" dirty="0">
+                <a:solidFill>
+                  <a:schemeClr val="bg1">
+                    <a:lumMod val="65000"/>
+                  </a:schemeClr>
+                </a:solidFill>
+              </a:rPr>
+              <a:t>Review databases, database servers, and the SQL language</a:t>
+            </a:r>
+          </a:p>
+          <a:p>
+            <a:pPr marL="457200" indent="-457200">
+              <a:buFont typeface="+mj-lt"/>
+              <a:buAutoNum type="arabicPeriod"/>
+            </a:pPr>
+            <a:r>
+              <a:rPr lang="en-US" sz="2000" dirty="0">
+                <a:solidFill>
+                  <a:schemeClr val="bg1">
+                    <a:lumMod val="65000"/>
+                  </a:schemeClr>
+                </a:solidFill>
+              </a:rPr>
+              <a:t>Understand how databases support (or don’t support)work within a Object Oriented Programming environment</a:t>
+            </a:r>
+          </a:p>
+          <a:p>
+            <a:pPr marL="457200" indent="-457200">
+              <a:buFont typeface="+mj-lt"/>
+              <a:buAutoNum type="arabicPeriod"/>
+            </a:pPr>
+            <a:r>
+              <a:rPr lang="en-US" sz="2000" dirty="0">
+                <a:solidFill>
+                  <a:schemeClr val="bg1">
+                    <a:lumMod val="65000"/>
+                  </a:schemeClr>
+                </a:solidFill>
+              </a:rPr>
+              <a:t>Understand client-server (two-tier), three-tier, and n-tier architectures</a:t>
+            </a:r>
+          </a:p>
+          <a:p>
+            <a:pPr marL="457200" indent="-457200">
+              <a:buFont typeface="+mj-lt"/>
+              <a:buAutoNum type="arabicPeriod"/>
+            </a:pPr>
+            <a:r>
+              <a:rPr lang="en-US" sz="2000" dirty="0"/>
+              <a:t>Introduce network programming concepts </a:t>
+            </a:r>
+          </a:p>
+          <a:p>
+            <a:pPr marL="457200" indent="-457200">
+              <a:buFont typeface="+mj-lt"/>
+              <a:buAutoNum type="arabicPeriod"/>
+            </a:pPr>
+            <a:r>
+              <a:rPr lang="en-US" sz="2000" dirty="0"/>
+              <a:t>Understand Web Services network programming</a:t>
+            </a:r>
+          </a:p>
+          <a:p>
+            <a:pPr marL="457200" indent="-457200">
+              <a:buFont typeface="+mj-lt"/>
+              <a:buAutoNum type="arabicPeriod"/>
+            </a:pPr>
+            <a:r>
+              <a:rPr lang="en-US" sz="2000" dirty="0"/>
+              <a:t>Develop a middle-tier data server using network programming</a:t>
+            </a:r>
+          </a:p>
+        </p:txBody>
+      </p:sp>
+    </p:spTree>
+    <p:extLst>
+      <p:ext uri="{BB962C8B-B14F-4D97-AF65-F5344CB8AC3E}">
+        <p14:creationId xmlns:p14="http://schemas.microsoft.com/office/powerpoint/2010/main" val="1084624715"/>
+      </p:ext>
+    </p:extLst>
+  </p:cSld>
+  <p:clrMapOvr>
+    <a:masterClrMapping/>
+  </p:clrMapOvr>
+</p:sld>
+</file>
+
+<file path=ppt/slides/slide36.xml><?xml version="1.0" encoding="utf-8"?>
+<p:sld xmlns:a="http://schemas.openxmlformats.org/drawingml/2006/main" xmlns:r="http://schemas.openxmlformats.org/officeDocument/2006/relationships" xmlns:p="http://schemas.openxmlformats.org/presentationml/2006/main">
+  <p:cSld>
+    <p:spTree>
+      <p:nvGrpSpPr>
+        <p:cNvPr id="1" name=""/>
+        <p:cNvGrpSpPr/>
+        <p:nvPr/>
+      </p:nvGrpSpPr>
+      <p:grpSpPr>
+        <a:xfrm>
+          <a:off x="0" y="0"/>
+          <a:ext cx="0" cy="0"/>
+          <a:chOff x="0" y="0"/>
+          <a:chExt cx="0" cy="0"/>
+        </a:xfrm>
+      </p:grpSpPr>
+      <p:sp>
+        <p:nvSpPr>
+          <p:cNvPr id="2" name="Title 1"/>
+          <p:cNvSpPr>
+            <a:spLocks noGrp="1"/>
+          </p:cNvSpPr>
+          <p:nvPr>
+            <p:ph type="title"/>
+          </p:nvPr>
+        </p:nvSpPr>
+        <p:spPr>
+          <a:xfrm>
+            <a:off x="811620" y="365126"/>
+            <a:ext cx="10515600" cy="757272"/>
+          </a:xfrm>
+        </p:spPr>
+        <p:txBody>
+          <a:bodyPr>
+            <a:normAutofit/>
+          </a:bodyPr>
+          <a:lstStyle/>
+          <a:p>
+            <a:r>
+              <a:rPr lang="en-US" sz="3600" dirty="0"/>
+              <a:t>Three-Tier Architecture Protocols &amp; Formats</a:t>
+            </a:r>
+          </a:p>
+        </p:txBody>
+      </p:sp>
+      <p:sp>
+        <p:nvSpPr>
+          <p:cNvPr id="8" name="Content Placeholder 2"/>
+          <p:cNvSpPr>
+            <a:spLocks noGrp="1"/>
+          </p:cNvSpPr>
+          <p:nvPr>
+            <p:ph idx="1"/>
+          </p:nvPr>
+        </p:nvSpPr>
+        <p:spPr>
+          <a:xfrm>
+            <a:off x="811620" y="1145929"/>
+            <a:ext cx="10456854" cy="4783519"/>
+          </a:xfrm>
+        </p:spPr>
+        <p:txBody>
+          <a:bodyPr>
+            <a:normAutofit/>
+          </a:bodyPr>
+          <a:lstStyle/>
+          <a:p>
+            <a:pPr marL="0" indent="0">
+              <a:buNone/>
+            </a:pPr>
+            <a:r>
+              <a:rPr lang="en-US" sz="2000" dirty="0"/>
+              <a:t>Three-Tier application architectures can use a variety of network protocols and formats including::  </a:t>
+            </a:r>
+          </a:p>
+          <a:p>
+            <a:r>
+              <a:rPr lang="en-US" sz="2000" dirty="0"/>
+              <a:t>TCP/IP: Transmission Control Protocol / Internet Protocol</a:t>
+            </a:r>
+          </a:p>
+          <a:p>
+            <a:r>
+              <a:rPr lang="en-US" sz="2000" dirty="0"/>
+              <a:t>Sockets: Another term for TCP/IP </a:t>
+            </a:r>
+          </a:p>
+          <a:p>
+            <a:r>
+              <a:rPr lang="en-US" sz="2000" dirty="0"/>
+              <a:t>HTTP: Hypertext Transfer Protocol </a:t>
+            </a:r>
+          </a:p>
+          <a:p>
+            <a:r>
+              <a:rPr lang="en-US" sz="2000" dirty="0"/>
+              <a:t>HTTPs: Hypertext Transfer Protocol Secure</a:t>
+            </a:r>
+          </a:p>
+          <a:p>
+            <a:r>
+              <a:rPr lang="en-US" sz="2000" dirty="0"/>
+              <a:t>SSL: Secure Sockets Layer</a:t>
+            </a:r>
+          </a:p>
+          <a:p>
+            <a:r>
+              <a:rPr lang="en-US" sz="2000" dirty="0"/>
+              <a:t>XML or JSON: Extensible Markup Language</a:t>
+            </a:r>
+          </a:p>
+          <a:p>
+            <a:r>
+              <a:rPr lang="en-US" sz="2000" dirty="0"/>
+              <a:t>SQL</a:t>
+            </a:r>
+          </a:p>
+          <a:p>
+            <a:pPr marL="0" indent="0">
+              <a:buNone/>
+            </a:pPr>
+            <a:endParaRPr lang="en-US" sz="2000" dirty="0"/>
+          </a:p>
+          <a:p>
+            <a:pPr marL="0" indent="0">
+              <a:buNone/>
+            </a:pPr>
+            <a:r>
+              <a:rPr lang="en-US" sz="2000" dirty="0"/>
+              <a:t>Aggregated Protocol Standards:</a:t>
+            </a:r>
+          </a:p>
+          <a:p>
+            <a:r>
+              <a:rPr lang="en-US" sz="2000" dirty="0"/>
+              <a:t>SOAP: Simple Object Access Protocol (HTTP/HTTPs/Sockets with XML)</a:t>
+            </a:r>
+          </a:p>
+          <a:p>
+            <a:r>
+              <a:rPr lang="en-US" sz="2000" dirty="0"/>
+              <a:t>REST: Representational State Transfer (HTTP/HTTPs with JSON)</a:t>
+            </a:r>
+          </a:p>
+        </p:txBody>
+      </p:sp>
+    </p:spTree>
+    <p:extLst>
+      <p:ext uri="{BB962C8B-B14F-4D97-AF65-F5344CB8AC3E}">
+        <p14:creationId xmlns:p14="http://schemas.microsoft.com/office/powerpoint/2010/main" val="2816847282"/>
+      </p:ext>
+    </p:extLst>
+  </p:cSld>
+  <p:clrMapOvr>
+    <a:masterClrMapping/>
+  </p:clrMapOvr>
+</p:sld>
+</file>
+
+<file path=ppt/slides/slide37.xml><?xml version="1.0" encoding="utf-8"?>
+<p:sld xmlns:a="http://schemas.openxmlformats.org/drawingml/2006/main" xmlns:r="http://schemas.openxmlformats.org/officeDocument/2006/relationships" xmlns:p="http://schemas.openxmlformats.org/presentationml/2006/main">
+  <p:cSld>
+    <p:spTree>
+      <p:nvGrpSpPr>
+        <p:cNvPr id="1" name=""/>
+        <p:cNvGrpSpPr/>
+        <p:nvPr/>
+      </p:nvGrpSpPr>
+      <p:grpSpPr>
+        <a:xfrm>
+          <a:off x="0" y="0"/>
+          <a:ext cx="0" cy="0"/>
+          <a:chOff x="0" y="0"/>
+          <a:chExt cx="0" cy="0"/>
+        </a:xfrm>
+      </p:grpSpPr>
+      <p:sp>
+        <p:nvSpPr>
+          <p:cNvPr id="2" name="Title 1"/>
+          <p:cNvSpPr>
+            <a:spLocks noGrp="1"/>
+          </p:cNvSpPr>
+          <p:nvPr>
+            <p:ph type="title"/>
+          </p:nvPr>
+        </p:nvSpPr>
+        <p:spPr>
+          <a:xfrm>
             <a:off x="811620" y="365126"/>
             <a:ext cx="10515600" cy="757272"/>
           </a:xfrm>
@@ -21287,7 +22181,7 @@
 </p:sld>
 </file>
 
-<file path=ppt/slides/slide35.xml><?xml version="1.0" encoding="utf-8"?>
+<file path=ppt/slides/slide38.xml><?xml version="1.0" encoding="utf-8"?>
 <p:sld xmlns:a="http://schemas.openxmlformats.org/drawingml/2006/main" xmlns:r="http://schemas.openxmlformats.org/officeDocument/2006/relationships" xmlns:p="http://schemas.openxmlformats.org/presentationml/2006/main">
   <p:cSld>
     <p:spTree>
@@ -21743,7 +22637,7 @@
 </p:sld>
 </file>
 
-<file path=ppt/slides/slide36.xml><?xml version="1.0" encoding="utf-8"?>
+<file path=ppt/slides/slide39.xml><?xml version="1.0" encoding="utf-8"?>
 <p:sld xmlns:a="http://schemas.openxmlformats.org/drawingml/2006/main" xmlns:r="http://schemas.openxmlformats.org/officeDocument/2006/relationships" xmlns:p="http://schemas.openxmlformats.org/presentationml/2006/main">
   <p:cSld>
     <p:spTree>
@@ -21843,530 +22737,6 @@
     <p:extLst>
       <p:ext uri="{BB962C8B-B14F-4D97-AF65-F5344CB8AC3E}">
         <p14:creationId xmlns:p14="http://schemas.microsoft.com/office/powerpoint/2010/main" val="615434522"/>
-      </p:ext>
-    </p:extLst>
-  </p:cSld>
-  <p:clrMapOvr>
-    <a:masterClrMapping/>
-  </p:clrMapOvr>
-</p:sld>
-</file>
-
-<file path=ppt/slides/slide37.xml><?xml version="1.0" encoding="utf-8"?>
-<p:sld xmlns:a="http://schemas.openxmlformats.org/drawingml/2006/main" xmlns:r="http://schemas.openxmlformats.org/officeDocument/2006/relationships" xmlns:p="http://schemas.openxmlformats.org/presentationml/2006/main">
-  <p:cSld>
-    <p:spTree>
-      <p:nvGrpSpPr>
-        <p:cNvPr id="1" name=""/>
-        <p:cNvGrpSpPr/>
-        <p:nvPr/>
-      </p:nvGrpSpPr>
-      <p:grpSpPr>
-        <a:xfrm>
-          <a:off x="0" y="0"/>
-          <a:ext cx="0" cy="0"/>
-          <a:chOff x="0" y="0"/>
-          <a:chExt cx="0" cy="0"/>
-        </a:xfrm>
-      </p:grpSpPr>
-      <p:sp>
-        <p:nvSpPr>
-          <p:cNvPr id="2" name="Title 1"/>
-          <p:cNvSpPr>
-            <a:spLocks noGrp="1"/>
-          </p:cNvSpPr>
-          <p:nvPr>
-            <p:ph type="title"/>
-          </p:nvPr>
-        </p:nvSpPr>
-        <p:spPr>
-          <a:xfrm>
-            <a:off x="838200" y="365126"/>
-            <a:ext cx="6113662" cy="1409174"/>
-          </a:xfrm>
-        </p:spPr>
-        <p:txBody>
-          <a:bodyPr>
-            <a:normAutofit/>
-          </a:bodyPr>
-          <a:lstStyle/>
-          <a:p>
-            <a:r>
-              <a:rPr lang="en-US" sz="3600" dirty="0"/>
-              <a:t>Object-Oriented Programming</a:t>
-            </a:r>
-            <a:br>
-              <a:rPr lang="en-US" sz="3600" dirty="0"/>
-            </a:br>
-            <a:r>
-              <a:rPr lang="en-US" sz="1800" dirty="0"/>
-              <a:t>Session: Week 8 Session 3 Preview</a:t>
-            </a:r>
-            <a:br>
-              <a:rPr lang="en-US" sz="1800" dirty="0"/>
-            </a:br>
-            <a:r>
-              <a:rPr lang="en-US" sz="1800" dirty="0"/>
-              <a:t>Instructor: Eric Pogue</a:t>
-            </a:r>
-            <a:endParaRPr lang="en-US" sz="1800" b="1" i="1" u="sng" dirty="0"/>
-          </a:p>
-        </p:txBody>
-      </p:sp>
-      <p:pic>
-        <p:nvPicPr>
-          <p:cNvPr id="4" name="Content Placeholder 4"/>
-          <p:cNvPicPr>
-            <a:picLocks noChangeAspect="1"/>
-          </p:cNvPicPr>
-          <p:nvPr/>
-        </p:nvPicPr>
-        <p:blipFill>
-          <a:blip r:embed="rId3"/>
-          <a:stretch>
-            <a:fillRect/>
-          </a:stretch>
-        </p:blipFill>
-        <p:spPr>
-          <a:xfrm>
-            <a:off x="9072894" y="182925"/>
-            <a:ext cx="2656367" cy="1366321"/>
-          </a:xfrm>
-          <a:prstGeom prst="rect">
-            <a:avLst/>
-          </a:prstGeom>
-        </p:spPr>
-      </p:pic>
-      <p:sp>
-        <p:nvSpPr>
-          <p:cNvPr id="10" name="Content Placeholder 2"/>
-          <p:cNvSpPr>
-            <a:spLocks noGrp="1"/>
-          </p:cNvSpPr>
-          <p:nvPr>
-            <p:ph idx="1"/>
-          </p:nvPr>
-        </p:nvSpPr>
-        <p:spPr>
-          <a:xfrm>
-            <a:off x="838200" y="1884313"/>
-            <a:ext cx="10718950" cy="4571242"/>
-          </a:xfrm>
-        </p:spPr>
-        <p:txBody>
-          <a:bodyPr>
-            <a:noAutofit/>
-          </a:bodyPr>
-          <a:lstStyle/>
-          <a:p>
-            <a:pPr marL="0" indent="0">
-              <a:buNone/>
-            </a:pPr>
-            <a:r>
-              <a:rPr lang="en-US" sz="2000" u="sng" dirty="0" err="1"/>
-              <a:t>ShapeDrawDataClient</a:t>
-            </a:r>
-            <a:r>
-              <a:rPr lang="en-US" sz="2000" u="sng" dirty="0"/>
-              <a:t> Application:</a:t>
-            </a:r>
-          </a:p>
-          <a:p>
-            <a:pPr marL="457200" indent="-457200">
-              <a:buFont typeface="+mj-lt"/>
-              <a:buAutoNum type="arabicPeriod"/>
-            </a:pPr>
-            <a:r>
-              <a:rPr lang="en-US" sz="2000" dirty="0"/>
-              <a:t>Develop  application entirely in Visual Studio 2017 and C#</a:t>
-            </a:r>
-          </a:p>
-          <a:p>
-            <a:pPr marL="457200" indent="-457200">
-              <a:buFont typeface="+mj-lt"/>
-              <a:buAutoNum type="arabicPeriod"/>
-            </a:pPr>
-            <a:r>
-              <a:rPr lang="en-US" sz="2000" dirty="0"/>
-              <a:t>Take in one command line argument that is command to pass to </a:t>
-            </a:r>
-            <a:r>
-              <a:rPr lang="en-US" sz="2000" dirty="0" err="1"/>
-              <a:t>ShapeDrawDataServer</a:t>
-            </a:r>
-            <a:r>
-              <a:rPr lang="en-US" sz="2000" dirty="0"/>
-              <a:t> </a:t>
-            </a:r>
-          </a:p>
-          <a:p>
-            <a:pPr marL="457200" indent="-457200">
-              <a:buFont typeface="+mj-lt"/>
-              <a:buAutoNum type="arabicPeriod"/>
-            </a:pPr>
-            <a:r>
-              <a:rPr lang="en-US" sz="2000" dirty="0"/>
-              <a:t>Initiate a socket call to the server passing the command</a:t>
-            </a:r>
-          </a:p>
-          <a:p>
-            <a:pPr marL="457200" indent="-457200">
-              <a:buFont typeface="+mj-lt"/>
-              <a:buAutoNum type="arabicPeriod"/>
-            </a:pPr>
-            <a:r>
-              <a:rPr lang="en-US" sz="2000" dirty="0"/>
-              <a:t>Write out the response received from the sever</a:t>
-            </a:r>
-          </a:p>
-          <a:p>
-            <a:pPr marL="457200" indent="-457200">
-              <a:buFont typeface="+mj-lt"/>
-              <a:buAutoNum type="arabicPeriod"/>
-            </a:pPr>
-            <a:r>
-              <a:rPr lang="en-US" sz="2000" dirty="0"/>
-              <a:t>Wait for the user to press a key before shutting down… so that we can look at the response.</a:t>
-            </a:r>
-          </a:p>
-          <a:p>
-            <a:pPr marL="0" indent="0">
-              <a:buNone/>
-            </a:pPr>
-            <a:endParaRPr lang="en-US" sz="2000" dirty="0"/>
-          </a:p>
-        </p:txBody>
-      </p:sp>
-    </p:spTree>
-    <p:extLst>
-      <p:ext uri="{BB962C8B-B14F-4D97-AF65-F5344CB8AC3E}">
-        <p14:creationId xmlns:p14="http://schemas.microsoft.com/office/powerpoint/2010/main" val="1440296721"/>
-      </p:ext>
-    </p:extLst>
-  </p:cSld>
-  <p:clrMapOvr>
-    <a:masterClrMapping/>
-  </p:clrMapOvr>
-</p:sld>
-</file>
-
-<file path=ppt/slides/slide38.xml><?xml version="1.0" encoding="utf-8"?>
-<p:sld xmlns:a="http://schemas.openxmlformats.org/drawingml/2006/main" xmlns:r="http://schemas.openxmlformats.org/officeDocument/2006/relationships" xmlns:p="http://schemas.openxmlformats.org/presentationml/2006/main">
-  <p:cSld>
-    <p:spTree>
-      <p:nvGrpSpPr>
-        <p:cNvPr id="1" name=""/>
-        <p:cNvGrpSpPr/>
-        <p:nvPr/>
-      </p:nvGrpSpPr>
-      <p:grpSpPr>
-        <a:xfrm>
-          <a:off x="0" y="0"/>
-          <a:ext cx="0" cy="0"/>
-          <a:chOff x="0" y="0"/>
-          <a:chExt cx="0" cy="0"/>
-        </a:xfrm>
-      </p:grpSpPr>
-      <p:sp>
-        <p:nvSpPr>
-          <p:cNvPr id="2" name="Title 1"/>
-          <p:cNvSpPr>
-            <a:spLocks noGrp="1"/>
-          </p:cNvSpPr>
-          <p:nvPr>
-            <p:ph type="title"/>
-          </p:nvPr>
-        </p:nvSpPr>
-        <p:spPr>
-          <a:xfrm>
-            <a:off x="838200" y="365126"/>
-            <a:ext cx="6113662" cy="1409174"/>
-          </a:xfrm>
-        </p:spPr>
-        <p:txBody>
-          <a:bodyPr>
-            <a:normAutofit/>
-          </a:bodyPr>
-          <a:lstStyle/>
-          <a:p>
-            <a:r>
-              <a:rPr lang="en-US" sz="3600" dirty="0"/>
-              <a:t>Object-Oriented Programming</a:t>
-            </a:r>
-            <a:br>
-              <a:rPr lang="en-US" sz="3600" dirty="0"/>
-            </a:br>
-            <a:r>
-              <a:rPr lang="en-US" sz="1800" dirty="0"/>
-              <a:t>Session: Week 8 Session 4 Preview</a:t>
-            </a:r>
-            <a:br>
-              <a:rPr lang="en-US" sz="1800" dirty="0"/>
-            </a:br>
-            <a:r>
-              <a:rPr lang="en-US" sz="1800" dirty="0"/>
-              <a:t>Instructor: Eric Pogue</a:t>
-            </a:r>
-            <a:endParaRPr lang="en-US" sz="1800" b="1" i="1" u="sng" dirty="0"/>
-          </a:p>
-        </p:txBody>
-      </p:sp>
-      <p:pic>
-        <p:nvPicPr>
-          <p:cNvPr id="4" name="Content Placeholder 4"/>
-          <p:cNvPicPr>
-            <a:picLocks noChangeAspect="1"/>
-          </p:cNvPicPr>
-          <p:nvPr/>
-        </p:nvPicPr>
-        <p:blipFill>
-          <a:blip r:embed="rId3"/>
-          <a:stretch>
-            <a:fillRect/>
-          </a:stretch>
-        </p:blipFill>
-        <p:spPr>
-          <a:xfrm>
-            <a:off x="9072894" y="182925"/>
-            <a:ext cx="2656367" cy="1366321"/>
-          </a:xfrm>
-          <a:prstGeom prst="rect">
-            <a:avLst/>
-          </a:prstGeom>
-        </p:spPr>
-      </p:pic>
-      <p:sp>
-        <p:nvSpPr>
-          <p:cNvPr id="10" name="Content Placeholder 2"/>
-          <p:cNvSpPr>
-            <a:spLocks noGrp="1"/>
-          </p:cNvSpPr>
-          <p:nvPr>
-            <p:ph idx="1"/>
-          </p:nvPr>
-        </p:nvSpPr>
-        <p:spPr>
-          <a:xfrm>
-            <a:off x="838200" y="1884313"/>
-            <a:ext cx="10718950" cy="4571242"/>
-          </a:xfrm>
-        </p:spPr>
-        <p:txBody>
-          <a:bodyPr>
-            <a:noAutofit/>
-          </a:bodyPr>
-          <a:lstStyle/>
-          <a:p>
-            <a:pPr marL="0" indent="0">
-              <a:buNone/>
-            </a:pPr>
-            <a:r>
-              <a:rPr lang="en-US" sz="2000" u="sng" dirty="0" err="1"/>
-              <a:t>ShapeDrawDataServerStart</a:t>
-            </a:r>
-            <a:r>
-              <a:rPr lang="en-US" sz="2000" u="sng" dirty="0"/>
-              <a:t> Application:</a:t>
-            </a:r>
-          </a:p>
-          <a:p>
-            <a:pPr marL="457200" indent="-457200">
-              <a:buFont typeface="+mj-lt"/>
-              <a:buAutoNum type="arabicPeriod"/>
-            </a:pPr>
-            <a:r>
-              <a:rPr lang="en-US" sz="2000" dirty="0"/>
-              <a:t>Develop  application entirely in Visual Studio 2017 and C#</a:t>
-            </a:r>
-          </a:p>
-          <a:p>
-            <a:pPr marL="457200" indent="-457200">
-              <a:buFont typeface="+mj-lt"/>
-              <a:buAutoNum type="arabicPeriod"/>
-            </a:pPr>
-            <a:r>
-              <a:rPr lang="en-US" sz="2000" dirty="0"/>
-              <a:t>Listen for a socket request</a:t>
-            </a:r>
-          </a:p>
-          <a:p>
-            <a:pPr marL="457200" indent="-457200">
-              <a:buFont typeface="+mj-lt"/>
-              <a:buAutoNum type="arabicPeriod"/>
-            </a:pPr>
-            <a:r>
-              <a:rPr lang="en-US" sz="2000" dirty="0"/>
-              <a:t>Respond with “Hello World!!!”</a:t>
-            </a:r>
-          </a:p>
-          <a:p>
-            <a:pPr marL="457200" indent="-457200">
-              <a:buFont typeface="+mj-lt"/>
-              <a:buAutoNum type="arabicPeriod"/>
-            </a:pPr>
-            <a:r>
-              <a:rPr lang="en-US" sz="2000" dirty="0"/>
-              <a:t>Provide starting point for </a:t>
-            </a:r>
-            <a:r>
-              <a:rPr lang="en-US" sz="2000" dirty="0" err="1"/>
-              <a:t>ShapeDrawDataServer</a:t>
-            </a:r>
-            <a:r>
-              <a:rPr lang="en-US" sz="2000" dirty="0"/>
-              <a:t> and “get-</a:t>
-            </a:r>
-            <a:r>
-              <a:rPr lang="en-US" sz="2000" dirty="0" err="1"/>
-              <a:t>shapeandcolors</a:t>
-            </a:r>
-            <a:r>
-              <a:rPr lang="en-US" sz="2000" dirty="0"/>
-              <a:t>;” request</a:t>
-            </a:r>
-          </a:p>
-          <a:p>
-            <a:pPr marL="457200" indent="-457200">
-              <a:buFont typeface="+mj-lt"/>
-              <a:buAutoNum type="arabicPeriod"/>
-            </a:pPr>
-            <a:r>
-              <a:rPr lang="en-US" sz="2000" dirty="0"/>
-              <a:t>You may utilize this code as the starting point for your Week 8 assignment</a:t>
-            </a:r>
-          </a:p>
-          <a:p>
-            <a:pPr marL="0" indent="0">
-              <a:buNone/>
-            </a:pPr>
-            <a:endParaRPr lang="en-US" sz="2000" dirty="0"/>
-          </a:p>
-        </p:txBody>
-      </p:sp>
-    </p:spTree>
-    <p:extLst>
-      <p:ext uri="{BB962C8B-B14F-4D97-AF65-F5344CB8AC3E}">
-        <p14:creationId xmlns:p14="http://schemas.microsoft.com/office/powerpoint/2010/main" val="1543922507"/>
-      </p:ext>
-    </p:extLst>
-  </p:cSld>
-  <p:clrMapOvr>
-    <a:masterClrMapping/>
-  </p:clrMapOvr>
-</p:sld>
-</file>
-
-<file path=ppt/slides/slide39.xml><?xml version="1.0" encoding="utf-8"?>
-<p:sld xmlns:a="http://schemas.openxmlformats.org/drawingml/2006/main" xmlns:r="http://schemas.openxmlformats.org/officeDocument/2006/relationships" xmlns:p="http://schemas.openxmlformats.org/presentationml/2006/main">
-  <p:cSld>
-    <p:bg>
-      <p:bgPr>
-        <a:solidFill>
-          <a:schemeClr val="bg1">
-            <a:lumMod val="85000"/>
-          </a:schemeClr>
-        </a:solidFill>
-        <a:effectLst/>
-      </p:bgPr>
-    </p:bg>
-    <p:spTree>
-      <p:nvGrpSpPr>
-        <p:cNvPr id="1" name=""/>
-        <p:cNvGrpSpPr/>
-        <p:nvPr/>
-      </p:nvGrpSpPr>
-      <p:grpSpPr>
-        <a:xfrm>
-          <a:off x="0" y="0"/>
-          <a:ext cx="0" cy="0"/>
-          <a:chOff x="0" y="0"/>
-          <a:chExt cx="0" cy="0"/>
-        </a:xfrm>
-      </p:grpSpPr>
-      <p:sp>
-        <p:nvSpPr>
-          <p:cNvPr id="2" name="Title 1"/>
-          <p:cNvSpPr>
-            <a:spLocks noGrp="1"/>
-          </p:cNvSpPr>
-          <p:nvPr>
-            <p:ph type="ctrTitle"/>
-          </p:nvPr>
-        </p:nvSpPr>
-        <p:spPr>
-          <a:xfrm>
-            <a:off x="1524000" y="1122363"/>
-            <a:ext cx="9144000" cy="2387600"/>
-          </a:xfrm>
-        </p:spPr>
-        <p:txBody>
-          <a:bodyPr>
-            <a:normAutofit/>
-          </a:bodyPr>
-          <a:lstStyle/>
-          <a:p>
-            <a:r>
-              <a:rPr lang="en-US" sz="4800" dirty="0"/>
-              <a:t>End of Session</a:t>
-            </a:r>
-          </a:p>
-        </p:txBody>
-      </p:sp>
-      <p:sp>
-        <p:nvSpPr>
-          <p:cNvPr id="3" name="Subtitle 2"/>
-          <p:cNvSpPr>
-            <a:spLocks noGrp="1"/>
-          </p:cNvSpPr>
-          <p:nvPr>
-            <p:ph type="subTitle" idx="1"/>
-          </p:nvPr>
-        </p:nvSpPr>
-        <p:spPr>
-          <a:xfrm>
-            <a:off x="1524000" y="3602038"/>
-            <a:ext cx="9144000" cy="2198022"/>
-          </a:xfrm>
-        </p:spPr>
-        <p:txBody>
-          <a:bodyPr>
-            <a:normAutofit/>
-          </a:bodyPr>
-          <a:lstStyle/>
-          <a:p>
-            <a:pPr algn="l"/>
-            <a:r>
-              <a:rPr lang="en-US" dirty="0"/>
-              <a:t>Course Number: CPSC-24500</a:t>
-            </a:r>
-          </a:p>
-          <a:p>
-            <a:pPr algn="l"/>
-            <a:r>
-              <a:rPr lang="en-US" dirty="0"/>
-              <a:t>Week: 8</a:t>
-            </a:r>
-          </a:p>
-          <a:p>
-            <a:pPr algn="l"/>
-            <a:r>
-              <a:rPr lang="en-US" dirty="0"/>
-              <a:t>Session: 2</a:t>
-            </a:r>
-          </a:p>
-          <a:p>
-            <a:pPr algn="l"/>
-            <a:r>
-              <a:rPr lang="en-US" dirty="0"/>
-              <a:t>Instructor: Eric Pogue</a:t>
-            </a:r>
-          </a:p>
-        </p:txBody>
-      </p:sp>
-    </p:spTree>
-    <p:extLst>
-      <p:ext uri="{BB962C8B-B14F-4D97-AF65-F5344CB8AC3E}">
-        <p14:creationId xmlns:p14="http://schemas.microsoft.com/office/powerpoint/2010/main" val="4224965276"/>
       </p:ext>
     </p:extLst>
   </p:cSld>
@@ -22974,7 +23344,7 @@
             </a:br>
             <a:r>
               <a:rPr lang="en-US" sz="1800" dirty="0"/>
-              <a:t>Session: Week 8 Session 3 </a:t>
+              <a:t>Session: Week 8 Session 3 Preview</a:t>
             </a:r>
             <a:br>
               <a:rPr lang="en-US" sz="1800" dirty="0"/>
@@ -23052,6 +23422,530 @@
             </a:pPr>
             <a:r>
               <a:rPr lang="en-US" sz="2000" dirty="0"/>
+              <a:t>Develop  application entirely in Visual Studio 2017 and C#</a:t>
+            </a:r>
+          </a:p>
+          <a:p>
+            <a:pPr marL="457200" indent="-457200">
+              <a:buFont typeface="+mj-lt"/>
+              <a:buAutoNum type="arabicPeriod"/>
+            </a:pPr>
+            <a:r>
+              <a:rPr lang="en-US" sz="2000" dirty="0"/>
+              <a:t>Take in one command line argument that is command to pass to </a:t>
+            </a:r>
+            <a:r>
+              <a:rPr lang="en-US" sz="2000" dirty="0" err="1"/>
+              <a:t>ShapeDrawDataServer</a:t>
+            </a:r>
+            <a:r>
+              <a:rPr lang="en-US" sz="2000" dirty="0"/>
+              <a:t> </a:t>
+            </a:r>
+          </a:p>
+          <a:p>
+            <a:pPr marL="457200" indent="-457200">
+              <a:buFont typeface="+mj-lt"/>
+              <a:buAutoNum type="arabicPeriod"/>
+            </a:pPr>
+            <a:r>
+              <a:rPr lang="en-US" sz="2000" dirty="0"/>
+              <a:t>Initiate a socket call to the server passing the command</a:t>
+            </a:r>
+          </a:p>
+          <a:p>
+            <a:pPr marL="457200" indent="-457200">
+              <a:buFont typeface="+mj-lt"/>
+              <a:buAutoNum type="arabicPeriod"/>
+            </a:pPr>
+            <a:r>
+              <a:rPr lang="en-US" sz="2000" dirty="0"/>
+              <a:t>Write out the response received from the sever</a:t>
+            </a:r>
+          </a:p>
+          <a:p>
+            <a:pPr marL="457200" indent="-457200">
+              <a:buFont typeface="+mj-lt"/>
+              <a:buAutoNum type="arabicPeriod"/>
+            </a:pPr>
+            <a:r>
+              <a:rPr lang="en-US" sz="2000" dirty="0"/>
+              <a:t>Wait for the user to press a key before shutting down… so that we can look at the response.</a:t>
+            </a:r>
+          </a:p>
+          <a:p>
+            <a:pPr marL="0" indent="0">
+              <a:buNone/>
+            </a:pPr>
+            <a:endParaRPr lang="en-US" sz="2000" dirty="0"/>
+          </a:p>
+        </p:txBody>
+      </p:sp>
+    </p:spTree>
+    <p:extLst>
+      <p:ext uri="{BB962C8B-B14F-4D97-AF65-F5344CB8AC3E}">
+        <p14:creationId xmlns:p14="http://schemas.microsoft.com/office/powerpoint/2010/main" val="1440296721"/>
+      </p:ext>
+    </p:extLst>
+  </p:cSld>
+  <p:clrMapOvr>
+    <a:masterClrMapping/>
+  </p:clrMapOvr>
+</p:sld>
+</file>
+
+<file path=ppt/slides/slide41.xml><?xml version="1.0" encoding="utf-8"?>
+<p:sld xmlns:a="http://schemas.openxmlformats.org/drawingml/2006/main" xmlns:r="http://schemas.openxmlformats.org/officeDocument/2006/relationships" xmlns:p="http://schemas.openxmlformats.org/presentationml/2006/main">
+  <p:cSld>
+    <p:spTree>
+      <p:nvGrpSpPr>
+        <p:cNvPr id="1" name=""/>
+        <p:cNvGrpSpPr/>
+        <p:nvPr/>
+      </p:nvGrpSpPr>
+      <p:grpSpPr>
+        <a:xfrm>
+          <a:off x="0" y="0"/>
+          <a:ext cx="0" cy="0"/>
+          <a:chOff x="0" y="0"/>
+          <a:chExt cx="0" cy="0"/>
+        </a:xfrm>
+      </p:grpSpPr>
+      <p:sp>
+        <p:nvSpPr>
+          <p:cNvPr id="2" name="Title 1"/>
+          <p:cNvSpPr>
+            <a:spLocks noGrp="1"/>
+          </p:cNvSpPr>
+          <p:nvPr>
+            <p:ph type="title"/>
+          </p:nvPr>
+        </p:nvSpPr>
+        <p:spPr>
+          <a:xfrm>
+            <a:off x="838200" y="365126"/>
+            <a:ext cx="6113662" cy="1409174"/>
+          </a:xfrm>
+        </p:spPr>
+        <p:txBody>
+          <a:bodyPr>
+            <a:normAutofit/>
+          </a:bodyPr>
+          <a:lstStyle/>
+          <a:p>
+            <a:r>
+              <a:rPr lang="en-US" sz="3600" dirty="0"/>
+              <a:t>Object-Oriented Programming</a:t>
+            </a:r>
+            <a:br>
+              <a:rPr lang="en-US" sz="3600" dirty="0"/>
+            </a:br>
+            <a:r>
+              <a:rPr lang="en-US" sz="1800" dirty="0"/>
+              <a:t>Session: Week 8 Session 4 Preview</a:t>
+            </a:r>
+            <a:br>
+              <a:rPr lang="en-US" sz="1800" dirty="0"/>
+            </a:br>
+            <a:r>
+              <a:rPr lang="en-US" sz="1800" dirty="0"/>
+              <a:t>Instructor: Eric Pogue</a:t>
+            </a:r>
+            <a:endParaRPr lang="en-US" sz="1800" b="1" i="1" u="sng" dirty="0"/>
+          </a:p>
+        </p:txBody>
+      </p:sp>
+      <p:pic>
+        <p:nvPicPr>
+          <p:cNvPr id="4" name="Content Placeholder 4"/>
+          <p:cNvPicPr>
+            <a:picLocks noChangeAspect="1"/>
+          </p:cNvPicPr>
+          <p:nvPr/>
+        </p:nvPicPr>
+        <p:blipFill>
+          <a:blip r:embed="rId3"/>
+          <a:stretch>
+            <a:fillRect/>
+          </a:stretch>
+        </p:blipFill>
+        <p:spPr>
+          <a:xfrm>
+            <a:off x="9072894" y="182925"/>
+            <a:ext cx="2656367" cy="1366321"/>
+          </a:xfrm>
+          <a:prstGeom prst="rect">
+            <a:avLst/>
+          </a:prstGeom>
+        </p:spPr>
+      </p:pic>
+      <p:sp>
+        <p:nvSpPr>
+          <p:cNvPr id="10" name="Content Placeholder 2"/>
+          <p:cNvSpPr>
+            <a:spLocks noGrp="1"/>
+          </p:cNvSpPr>
+          <p:nvPr>
+            <p:ph idx="1"/>
+          </p:nvPr>
+        </p:nvSpPr>
+        <p:spPr>
+          <a:xfrm>
+            <a:off x="838200" y="1884313"/>
+            <a:ext cx="10718950" cy="4571242"/>
+          </a:xfrm>
+        </p:spPr>
+        <p:txBody>
+          <a:bodyPr>
+            <a:noAutofit/>
+          </a:bodyPr>
+          <a:lstStyle/>
+          <a:p>
+            <a:pPr marL="0" indent="0">
+              <a:buNone/>
+            </a:pPr>
+            <a:r>
+              <a:rPr lang="en-US" sz="2000" u="sng" dirty="0" err="1"/>
+              <a:t>ShapeDrawDataServerStart</a:t>
+            </a:r>
+            <a:r>
+              <a:rPr lang="en-US" sz="2000" u="sng" dirty="0"/>
+              <a:t> Application:</a:t>
+            </a:r>
+          </a:p>
+          <a:p>
+            <a:pPr marL="457200" indent="-457200">
+              <a:buFont typeface="+mj-lt"/>
+              <a:buAutoNum type="arabicPeriod"/>
+            </a:pPr>
+            <a:r>
+              <a:rPr lang="en-US" sz="2000" dirty="0"/>
+              <a:t>Develop  application entirely in Visual Studio 2017 and C#</a:t>
+            </a:r>
+          </a:p>
+          <a:p>
+            <a:pPr marL="457200" indent="-457200">
+              <a:buFont typeface="+mj-lt"/>
+              <a:buAutoNum type="arabicPeriod"/>
+            </a:pPr>
+            <a:r>
+              <a:rPr lang="en-US" sz="2000" dirty="0"/>
+              <a:t>Listen for a socket request</a:t>
+            </a:r>
+          </a:p>
+          <a:p>
+            <a:pPr marL="457200" indent="-457200">
+              <a:buFont typeface="+mj-lt"/>
+              <a:buAutoNum type="arabicPeriod"/>
+            </a:pPr>
+            <a:r>
+              <a:rPr lang="en-US" sz="2000" dirty="0"/>
+              <a:t>Respond with “Hello World!!!”</a:t>
+            </a:r>
+          </a:p>
+          <a:p>
+            <a:pPr marL="457200" indent="-457200">
+              <a:buFont typeface="+mj-lt"/>
+              <a:buAutoNum type="arabicPeriod"/>
+            </a:pPr>
+            <a:r>
+              <a:rPr lang="en-US" sz="2000" dirty="0"/>
+              <a:t>Provide starting point for </a:t>
+            </a:r>
+            <a:r>
+              <a:rPr lang="en-US" sz="2000" dirty="0" err="1"/>
+              <a:t>ShapeDrawDataServer</a:t>
+            </a:r>
+            <a:r>
+              <a:rPr lang="en-US" sz="2000" dirty="0"/>
+              <a:t> and “get-</a:t>
+            </a:r>
+            <a:r>
+              <a:rPr lang="en-US" sz="2000" dirty="0" err="1"/>
+              <a:t>shapeandcolors</a:t>
+            </a:r>
+            <a:r>
+              <a:rPr lang="en-US" sz="2000" dirty="0"/>
+              <a:t>;” request</a:t>
+            </a:r>
+          </a:p>
+          <a:p>
+            <a:pPr marL="457200" indent="-457200">
+              <a:buFont typeface="+mj-lt"/>
+              <a:buAutoNum type="arabicPeriod"/>
+            </a:pPr>
+            <a:r>
+              <a:rPr lang="en-US" sz="2000" dirty="0"/>
+              <a:t>You may utilize this code as the starting point for your Week 8 assignment</a:t>
+            </a:r>
+          </a:p>
+          <a:p>
+            <a:pPr marL="0" indent="0">
+              <a:buNone/>
+            </a:pPr>
+            <a:endParaRPr lang="en-US" sz="2000" dirty="0"/>
+          </a:p>
+        </p:txBody>
+      </p:sp>
+    </p:spTree>
+    <p:extLst>
+      <p:ext uri="{BB962C8B-B14F-4D97-AF65-F5344CB8AC3E}">
+        <p14:creationId xmlns:p14="http://schemas.microsoft.com/office/powerpoint/2010/main" val="1543922507"/>
+      </p:ext>
+    </p:extLst>
+  </p:cSld>
+  <p:clrMapOvr>
+    <a:masterClrMapping/>
+  </p:clrMapOvr>
+</p:sld>
+</file>
+
+<file path=ppt/slides/slide42.xml><?xml version="1.0" encoding="utf-8"?>
+<p:sld xmlns:a="http://schemas.openxmlformats.org/drawingml/2006/main" xmlns:r="http://schemas.openxmlformats.org/officeDocument/2006/relationships" xmlns:p="http://schemas.openxmlformats.org/presentationml/2006/main">
+  <p:cSld>
+    <p:bg>
+      <p:bgPr>
+        <a:solidFill>
+          <a:schemeClr val="bg1">
+            <a:lumMod val="85000"/>
+          </a:schemeClr>
+        </a:solidFill>
+        <a:effectLst/>
+      </p:bgPr>
+    </p:bg>
+    <p:spTree>
+      <p:nvGrpSpPr>
+        <p:cNvPr id="1" name=""/>
+        <p:cNvGrpSpPr/>
+        <p:nvPr/>
+      </p:nvGrpSpPr>
+      <p:grpSpPr>
+        <a:xfrm>
+          <a:off x="0" y="0"/>
+          <a:ext cx="0" cy="0"/>
+          <a:chOff x="0" y="0"/>
+          <a:chExt cx="0" cy="0"/>
+        </a:xfrm>
+      </p:grpSpPr>
+      <p:sp>
+        <p:nvSpPr>
+          <p:cNvPr id="2" name="Title 1"/>
+          <p:cNvSpPr>
+            <a:spLocks noGrp="1"/>
+          </p:cNvSpPr>
+          <p:nvPr>
+            <p:ph type="ctrTitle"/>
+          </p:nvPr>
+        </p:nvSpPr>
+        <p:spPr>
+          <a:xfrm>
+            <a:off x="1524000" y="1122363"/>
+            <a:ext cx="9144000" cy="2387600"/>
+          </a:xfrm>
+        </p:spPr>
+        <p:txBody>
+          <a:bodyPr>
+            <a:normAutofit/>
+          </a:bodyPr>
+          <a:lstStyle/>
+          <a:p>
+            <a:r>
+              <a:rPr lang="en-US" sz="4800" dirty="0"/>
+              <a:t>End of Session</a:t>
+            </a:r>
+          </a:p>
+        </p:txBody>
+      </p:sp>
+      <p:sp>
+        <p:nvSpPr>
+          <p:cNvPr id="3" name="Subtitle 2"/>
+          <p:cNvSpPr>
+            <a:spLocks noGrp="1"/>
+          </p:cNvSpPr>
+          <p:nvPr>
+            <p:ph type="subTitle" idx="1"/>
+          </p:nvPr>
+        </p:nvSpPr>
+        <p:spPr>
+          <a:xfrm>
+            <a:off x="1524000" y="3602038"/>
+            <a:ext cx="9144000" cy="2198022"/>
+          </a:xfrm>
+        </p:spPr>
+        <p:txBody>
+          <a:bodyPr>
+            <a:normAutofit/>
+          </a:bodyPr>
+          <a:lstStyle/>
+          <a:p>
+            <a:pPr algn="l"/>
+            <a:r>
+              <a:rPr lang="en-US" dirty="0"/>
+              <a:t>Course Number: CPSC-24500</a:t>
+            </a:r>
+          </a:p>
+          <a:p>
+            <a:pPr algn="l"/>
+            <a:r>
+              <a:rPr lang="en-US" dirty="0"/>
+              <a:t>Week: 8</a:t>
+            </a:r>
+          </a:p>
+          <a:p>
+            <a:pPr algn="l"/>
+            <a:r>
+              <a:rPr lang="en-US" dirty="0"/>
+              <a:t>Session: 2</a:t>
+            </a:r>
+          </a:p>
+          <a:p>
+            <a:pPr algn="l"/>
+            <a:r>
+              <a:rPr lang="en-US" dirty="0"/>
+              <a:t>Instructor: Eric Pogue</a:t>
+            </a:r>
+          </a:p>
+        </p:txBody>
+      </p:sp>
+    </p:spTree>
+    <p:extLst>
+      <p:ext uri="{BB962C8B-B14F-4D97-AF65-F5344CB8AC3E}">
+        <p14:creationId xmlns:p14="http://schemas.microsoft.com/office/powerpoint/2010/main" val="4224965276"/>
+      </p:ext>
+    </p:extLst>
+  </p:cSld>
+  <p:clrMapOvr>
+    <a:masterClrMapping/>
+  </p:clrMapOvr>
+</p:sld>
+</file>
+
+<file path=ppt/slides/slide43.xml><?xml version="1.0" encoding="utf-8"?>
+<p:sld xmlns:a="http://schemas.openxmlformats.org/drawingml/2006/main" xmlns:r="http://schemas.openxmlformats.org/officeDocument/2006/relationships" xmlns:p="http://schemas.openxmlformats.org/presentationml/2006/main">
+  <p:cSld>
+    <p:spTree>
+      <p:nvGrpSpPr>
+        <p:cNvPr id="1" name=""/>
+        <p:cNvGrpSpPr/>
+        <p:nvPr/>
+      </p:nvGrpSpPr>
+      <p:grpSpPr>
+        <a:xfrm>
+          <a:off x="0" y="0"/>
+          <a:ext cx="0" cy="0"/>
+          <a:chOff x="0" y="0"/>
+          <a:chExt cx="0" cy="0"/>
+        </a:xfrm>
+      </p:grpSpPr>
+      <p:sp>
+        <p:nvSpPr>
+          <p:cNvPr id="2" name="Title 1"/>
+          <p:cNvSpPr>
+            <a:spLocks noGrp="1"/>
+          </p:cNvSpPr>
+          <p:nvPr>
+            <p:ph type="title"/>
+          </p:nvPr>
+        </p:nvSpPr>
+        <p:spPr>
+          <a:xfrm>
+            <a:off x="838200" y="365126"/>
+            <a:ext cx="6113662" cy="1409174"/>
+          </a:xfrm>
+        </p:spPr>
+        <p:txBody>
+          <a:bodyPr>
+            <a:normAutofit/>
+          </a:bodyPr>
+          <a:lstStyle/>
+          <a:p>
+            <a:r>
+              <a:rPr lang="en-US" sz="3600" dirty="0"/>
+              <a:t>Object-Oriented Programming</a:t>
+            </a:r>
+            <a:br>
+              <a:rPr lang="en-US" sz="3600" dirty="0"/>
+            </a:br>
+            <a:r>
+              <a:rPr lang="en-US" sz="1800" dirty="0"/>
+              <a:t>Session: Week 8 Session 3 </a:t>
+            </a:r>
+            <a:br>
+              <a:rPr lang="en-US" sz="1800" dirty="0"/>
+            </a:br>
+            <a:r>
+              <a:rPr lang="en-US" sz="1800" dirty="0"/>
+              <a:t>Instructor: Eric Pogue</a:t>
+            </a:r>
+            <a:endParaRPr lang="en-US" sz="1800" b="1" i="1" u="sng" dirty="0"/>
+          </a:p>
+        </p:txBody>
+      </p:sp>
+      <p:pic>
+        <p:nvPicPr>
+          <p:cNvPr id="4" name="Content Placeholder 4"/>
+          <p:cNvPicPr>
+            <a:picLocks noChangeAspect="1"/>
+          </p:cNvPicPr>
+          <p:nvPr/>
+        </p:nvPicPr>
+        <p:blipFill>
+          <a:blip r:embed="rId3"/>
+          <a:stretch>
+            <a:fillRect/>
+          </a:stretch>
+        </p:blipFill>
+        <p:spPr>
+          <a:xfrm>
+            <a:off x="9072894" y="182925"/>
+            <a:ext cx="2656367" cy="1366321"/>
+          </a:xfrm>
+          <a:prstGeom prst="rect">
+            <a:avLst/>
+          </a:prstGeom>
+        </p:spPr>
+      </p:pic>
+      <p:sp>
+        <p:nvSpPr>
+          <p:cNvPr id="10" name="Content Placeholder 2"/>
+          <p:cNvSpPr>
+            <a:spLocks noGrp="1"/>
+          </p:cNvSpPr>
+          <p:nvPr>
+            <p:ph idx="1"/>
+          </p:nvPr>
+        </p:nvSpPr>
+        <p:spPr>
+          <a:xfrm>
+            <a:off x="838200" y="1884313"/>
+            <a:ext cx="10718950" cy="4571242"/>
+          </a:xfrm>
+        </p:spPr>
+        <p:txBody>
+          <a:bodyPr>
+            <a:noAutofit/>
+          </a:bodyPr>
+          <a:lstStyle/>
+          <a:p>
+            <a:pPr marL="0" indent="0">
+              <a:buNone/>
+            </a:pPr>
+            <a:r>
+              <a:rPr lang="en-US" sz="2000" u="sng" dirty="0" err="1"/>
+              <a:t>ShapeDrawDataClient</a:t>
+            </a:r>
+            <a:r>
+              <a:rPr lang="en-US" sz="2000" u="sng" dirty="0"/>
+              <a:t> Application:</a:t>
+            </a:r>
+          </a:p>
+          <a:p>
+            <a:pPr marL="457200" indent="-457200">
+              <a:buFont typeface="+mj-lt"/>
+              <a:buAutoNum type="arabicPeriod"/>
+            </a:pPr>
+            <a:r>
+              <a:rPr lang="en-US" sz="2000" dirty="0"/>
               <a:t>Develop application entirely in Visual Studio 2017 and C#</a:t>
             </a:r>
           </a:p>
@@ -23126,7 +24020,7 @@
 </p:sld>
 </file>
 
-<file path=ppt/slides/slide41.xml><?xml version="1.0" encoding="utf-8"?>
+<file path=ppt/slides/slide44.xml><?xml version="1.0" encoding="utf-8"?>
 <p:sld xmlns:a="http://schemas.openxmlformats.org/drawingml/2006/main" xmlns:r="http://schemas.openxmlformats.org/officeDocument/2006/relationships" xmlns:p="http://schemas.openxmlformats.org/presentationml/2006/main">
   <p:cSld>
     <p:bg>
@@ -23246,7 +24140,7 @@
 </p:sld>
 </file>
 
-<file path=ppt/slides/slide42.xml><?xml version="1.0" encoding="utf-8"?>
+<file path=ppt/slides/slide45.xml><?xml version="1.0" encoding="utf-8"?>
 <p:sld xmlns:a="http://schemas.openxmlformats.org/drawingml/2006/main" xmlns:r="http://schemas.openxmlformats.org/officeDocument/2006/relationships" xmlns:p="http://schemas.openxmlformats.org/presentationml/2006/main">
   <p:cSld>
     <p:spTree>
@@ -23445,7 +24339,7 @@
 </p:sld>
 </file>
 
-<file path=ppt/slides/slide43.xml><?xml version="1.0" encoding="utf-8"?>
+<file path=ppt/slides/slide46.xml><?xml version="1.0" encoding="utf-8"?>
 <p:sld xmlns:a="http://schemas.openxmlformats.org/drawingml/2006/main" xmlns:r="http://schemas.openxmlformats.org/officeDocument/2006/relationships" xmlns:p="http://schemas.openxmlformats.org/presentationml/2006/main">
   <p:cSld>
     <p:spTree>
@@ -23628,7 +24522,7 @@
 </p:sld>
 </file>
 
-<file path=ppt/slides/slide44.xml><?xml version="1.0" encoding="utf-8"?>
+<file path=ppt/slides/slide47.xml><?xml version="1.0" encoding="utf-8"?>
 <p:sld xmlns:a="http://schemas.openxmlformats.org/drawingml/2006/main" xmlns:r="http://schemas.openxmlformats.org/officeDocument/2006/relationships" xmlns:p="http://schemas.openxmlformats.org/presentationml/2006/main">
   <p:cSld>
     <p:spTree>
@@ -24372,7 +25266,7 @@
 </p:sld>
 </file>
 
-<file path=ppt/slides/slide45.xml><?xml version="1.0" encoding="utf-8"?>
+<file path=ppt/slides/slide48.xml><?xml version="1.0" encoding="utf-8"?>
 <p:sld xmlns:a="http://schemas.openxmlformats.org/drawingml/2006/main" xmlns:r="http://schemas.openxmlformats.org/officeDocument/2006/relationships" xmlns:p="http://schemas.openxmlformats.org/presentationml/2006/main">
   <p:cSld>
     <p:spTree>
@@ -24562,7 +25456,7 @@
 </p:sld>
 </file>
 
-<file path=ppt/slides/slide46.xml><?xml version="1.0" encoding="utf-8"?>
+<file path=ppt/slides/slide49.xml><?xml version="1.0" encoding="utf-8"?>
 <p:sld xmlns:a="http://schemas.openxmlformats.org/drawingml/2006/main" xmlns:r="http://schemas.openxmlformats.org/officeDocument/2006/relationships" xmlns:p="http://schemas.openxmlformats.org/presentationml/2006/main">
   <p:cSld>
     <p:bg>
@@ -24682,7 +25576,133 @@
 </p:sld>
 </file>
 
-<file path=ppt/slides/slide47.xml><?xml version="1.0" encoding="utf-8"?>
+<file path=ppt/slides/slide5.xml><?xml version="1.0" encoding="utf-8"?>
+<p:sld xmlns:a="http://schemas.openxmlformats.org/drawingml/2006/main" xmlns:r="http://schemas.openxmlformats.org/officeDocument/2006/relationships" xmlns:p="http://schemas.openxmlformats.org/presentationml/2006/main">
+  <p:cSld>
+    <p:spTree>
+      <p:nvGrpSpPr>
+        <p:cNvPr id="1" name=""/>
+        <p:cNvGrpSpPr/>
+        <p:nvPr/>
+      </p:nvGrpSpPr>
+      <p:grpSpPr>
+        <a:xfrm>
+          <a:off x="0" y="0"/>
+          <a:ext cx="0" cy="0"/>
+          <a:chOff x="0" y="0"/>
+          <a:chExt cx="0" cy="0"/>
+        </a:xfrm>
+      </p:grpSpPr>
+      <p:sp>
+        <p:nvSpPr>
+          <p:cNvPr id="2" name="Title 1"/>
+          <p:cNvSpPr>
+            <a:spLocks noGrp="1"/>
+          </p:cNvSpPr>
+          <p:nvPr>
+            <p:ph type="title"/>
+          </p:nvPr>
+        </p:nvSpPr>
+        <p:spPr/>
+        <p:txBody>
+          <a:bodyPr>
+            <a:normAutofit/>
+          </a:bodyPr>
+          <a:lstStyle/>
+          <a:p>
+            <a:r>
+              <a:rPr lang="en-US" sz="3600" dirty="0"/>
+              <a:t>Performance Optimization and Threading</a:t>
+            </a:r>
+          </a:p>
+        </p:txBody>
+      </p:sp>
+      <p:sp>
+        <p:nvSpPr>
+          <p:cNvPr id="3" name="Content Placeholder 2"/>
+          <p:cNvSpPr>
+            <a:spLocks noGrp="1"/>
+          </p:cNvSpPr>
+          <p:nvPr>
+            <p:ph idx="1"/>
+          </p:nvPr>
+        </p:nvSpPr>
+        <p:spPr>
+          <a:xfrm>
+            <a:off x="838198" y="1525772"/>
+            <a:ext cx="10515601" cy="4651191"/>
+          </a:xfrm>
+        </p:spPr>
+        <p:txBody>
+          <a:bodyPr>
+            <a:normAutofit/>
+          </a:bodyPr>
+          <a:lstStyle/>
+          <a:p>
+            <a:pPr marL="0" indent="0">
+              <a:buNone/>
+            </a:pPr>
+            <a:r>
+              <a:rPr lang="en-US" sz="2000" b="1" dirty="0"/>
+              <a:t>Performance</a:t>
+            </a:r>
+            <a:r>
+              <a:rPr lang="en-US" sz="2000" dirty="0"/>
+              <a:t> is critical in application development… the focus of performance optimization continues to evolve, but the  criticality remains very high! Multithreading is one very important way that we can optimize CPU performance; however, there are many other performance bottlenecks and optimization techniques:</a:t>
+            </a:r>
+          </a:p>
+          <a:p>
+            <a:r>
+              <a:rPr lang="en-US" sz="2000" dirty="0"/>
+              <a:t>CPU… threading</a:t>
+            </a:r>
+          </a:p>
+          <a:p>
+            <a:r>
+              <a:rPr lang="en-US" sz="2000" dirty="0"/>
+              <a:t>Memory… optimize disk usage, buy more memory</a:t>
+            </a:r>
+          </a:p>
+          <a:p>
+            <a:r>
+              <a:rPr lang="en-US" sz="2000" dirty="0"/>
+              <a:t>Disk IO… buffering, file size, or faster (more expensive) disks</a:t>
+            </a:r>
+          </a:p>
+          <a:p>
+            <a:r>
+              <a:rPr lang="en-US" sz="2000" dirty="0"/>
+              <a:t>Network bandwidth… “file” or package size</a:t>
+            </a:r>
+          </a:p>
+          <a:p>
+            <a:r>
+              <a:rPr lang="en-US" sz="2000" dirty="0"/>
+              <a:t>Network latency… pray for a miracle!</a:t>
+            </a:r>
+          </a:p>
+          <a:p>
+            <a:r>
+              <a:rPr lang="en-US" sz="2000" dirty="0"/>
+              <a:t>User Interaction and Capabilities</a:t>
+            </a:r>
+          </a:p>
+        </p:txBody>
+      </p:sp>
+    </p:spTree>
+    <p:extLst>
+      <p:ext uri="{BB962C8B-B14F-4D97-AF65-F5344CB8AC3E}">
+        <p14:creationId xmlns:p14="http://schemas.microsoft.com/office/powerpoint/2010/main" val="4293980769"/>
+      </p:ext>
+    </p:extLst>
+  </p:cSld>
+  <p:clrMapOvr>
+    <a:masterClrMapping/>
+  </p:clrMapOvr>
+</p:sld>
+</file>
+
+<file path=ppt/slides/slide50.xml><?xml version="1.0" encoding="utf-8"?>
 <p:sld xmlns:a="http://schemas.openxmlformats.org/drawingml/2006/main" xmlns:r="http://schemas.openxmlformats.org/officeDocument/2006/relationships" xmlns:p="http://schemas.openxmlformats.org/presentationml/2006/main">
   <p:cSld>
     <p:bg>
@@ -24793,132 +25813,6 @@
     <p:extLst>
       <p:ext uri="{BB962C8B-B14F-4D97-AF65-F5344CB8AC3E}">
         <p14:creationId xmlns:p14="http://schemas.microsoft.com/office/powerpoint/2010/main" val="2376596164"/>
-      </p:ext>
-    </p:extLst>
-  </p:cSld>
-  <p:clrMapOvr>
-    <a:masterClrMapping/>
-  </p:clrMapOvr>
-</p:sld>
-</file>
-
-<file path=ppt/slides/slide5.xml><?xml version="1.0" encoding="utf-8"?>
-<p:sld xmlns:a="http://schemas.openxmlformats.org/drawingml/2006/main" xmlns:r="http://schemas.openxmlformats.org/officeDocument/2006/relationships" xmlns:p="http://schemas.openxmlformats.org/presentationml/2006/main">
-  <p:cSld>
-    <p:spTree>
-      <p:nvGrpSpPr>
-        <p:cNvPr id="1" name=""/>
-        <p:cNvGrpSpPr/>
-        <p:nvPr/>
-      </p:nvGrpSpPr>
-      <p:grpSpPr>
-        <a:xfrm>
-          <a:off x="0" y="0"/>
-          <a:ext cx="0" cy="0"/>
-          <a:chOff x="0" y="0"/>
-          <a:chExt cx="0" cy="0"/>
-        </a:xfrm>
-      </p:grpSpPr>
-      <p:sp>
-        <p:nvSpPr>
-          <p:cNvPr id="2" name="Title 1"/>
-          <p:cNvSpPr>
-            <a:spLocks noGrp="1"/>
-          </p:cNvSpPr>
-          <p:nvPr>
-            <p:ph type="title"/>
-          </p:nvPr>
-        </p:nvSpPr>
-        <p:spPr/>
-        <p:txBody>
-          <a:bodyPr>
-            <a:normAutofit/>
-          </a:bodyPr>
-          <a:lstStyle/>
-          <a:p>
-            <a:r>
-              <a:rPr lang="en-US" sz="3600" dirty="0"/>
-              <a:t>Performance Optimization and Threading</a:t>
-            </a:r>
-          </a:p>
-        </p:txBody>
-      </p:sp>
-      <p:sp>
-        <p:nvSpPr>
-          <p:cNvPr id="3" name="Content Placeholder 2"/>
-          <p:cNvSpPr>
-            <a:spLocks noGrp="1"/>
-          </p:cNvSpPr>
-          <p:nvPr>
-            <p:ph idx="1"/>
-          </p:nvPr>
-        </p:nvSpPr>
-        <p:spPr>
-          <a:xfrm>
-            <a:off x="838198" y="1525772"/>
-            <a:ext cx="10515601" cy="4651191"/>
-          </a:xfrm>
-        </p:spPr>
-        <p:txBody>
-          <a:bodyPr>
-            <a:normAutofit/>
-          </a:bodyPr>
-          <a:lstStyle/>
-          <a:p>
-            <a:pPr marL="0" indent="0">
-              <a:buNone/>
-            </a:pPr>
-            <a:r>
-              <a:rPr lang="en-US" sz="2000" b="1" dirty="0"/>
-              <a:t>Performance</a:t>
-            </a:r>
-            <a:r>
-              <a:rPr lang="en-US" sz="2000" dirty="0"/>
-              <a:t> is critical in application development… the focus of performance optimization continues to evolve, but the  criticality remains very high! Multithreading is one very important way that we can optimize CPU performance; however, there are many other performance bottlenecks and optimization techniques:</a:t>
-            </a:r>
-          </a:p>
-          <a:p>
-            <a:r>
-              <a:rPr lang="en-US" sz="2000" dirty="0"/>
-              <a:t>CPU… threading</a:t>
-            </a:r>
-          </a:p>
-          <a:p>
-            <a:r>
-              <a:rPr lang="en-US" sz="2000" dirty="0"/>
-              <a:t>Memory… optimize disk usage, buy more memory</a:t>
-            </a:r>
-          </a:p>
-          <a:p>
-            <a:r>
-              <a:rPr lang="en-US" sz="2000" dirty="0"/>
-              <a:t>Disk IO… buffering, file size, or faster (more expensive) disks</a:t>
-            </a:r>
-          </a:p>
-          <a:p>
-            <a:r>
-              <a:rPr lang="en-US" sz="2000" dirty="0"/>
-              <a:t>Network bandwidth… “file” or package size</a:t>
-            </a:r>
-          </a:p>
-          <a:p>
-            <a:r>
-              <a:rPr lang="en-US" sz="2000" dirty="0"/>
-              <a:t>Network latency… pray for a miracle!</a:t>
-            </a:r>
-          </a:p>
-          <a:p>
-            <a:r>
-              <a:rPr lang="en-US" sz="2000" dirty="0"/>
-              <a:t>User Interaction and Capabilities</a:t>
-            </a:r>
-          </a:p>
-        </p:txBody>
-      </p:sp>
-    </p:spTree>
-    <p:extLst>
-      <p:ext uri="{BB962C8B-B14F-4D97-AF65-F5344CB8AC3E}">
-        <p14:creationId xmlns:p14="http://schemas.microsoft.com/office/powerpoint/2010/main" val="4293980769"/>
       </p:ext>
     </p:extLst>
   </p:cSld>
@@ -26017,12 +26911,6 @@
 </file>
 
 <file path=customXml/item1.xml><?xml version="1.0" encoding="utf-8"?>
-<p:properties xmlns:p="http://schemas.microsoft.com/office/2006/metadata/properties" xmlns:xsi="http://www.w3.org/2001/XMLSchema-instance" xmlns:pc="http://schemas.microsoft.com/office/infopath/2007/PartnerControls">
-  <documentManagement/>
-</p:properties>
-</file>
-
-<file path=customXml/item2.xml><?xml version="1.0" encoding="utf-8"?>
 <ct:contentTypeSchema xmlns:ct="http://schemas.microsoft.com/office/2006/metadata/contentType" xmlns:ma="http://schemas.microsoft.com/office/2006/metadata/properties/metaAttributes" ct:_="" ma:_="" ma:contentTypeName="Document" ma:contentTypeID="0x0101004E7FF26E314236448B954F3A97640002" ma:contentTypeVersion="0" ma:contentTypeDescription="Create a new document." ma:contentTypeScope="" ma:versionID="dcd134f7ef3b1aa8a267b1d1a9f0b332">
   <xsd:schema xmlns:xsd="http://www.w3.org/2001/XMLSchema" xmlns:xs="http://www.w3.org/2001/XMLSchema" xmlns:p="http://schemas.microsoft.com/office/2006/metadata/properties" targetNamespace="http://schemas.microsoft.com/office/2006/metadata/properties" ma:root="true" ma:fieldsID="fad425956ca267ea5e6d723b3f3bd6f1">
     <xsd:element name="properties">
@@ -26136,6 +27024,12 @@
 </ct:contentTypeSchema>
 </file>
 
+<file path=customXml/item2.xml><?xml version="1.0" encoding="utf-8"?>
+<p:properties xmlns:p="http://schemas.microsoft.com/office/2006/metadata/properties" xmlns:xsi="http://www.w3.org/2001/XMLSchema-instance" xmlns:pc="http://schemas.microsoft.com/office/infopath/2007/PartnerControls">
+  <documentManagement/>
+</p:properties>
+</file>
+
 <file path=customXml/item3.xml><?xml version="1.0" encoding="utf-8"?>
 <?mso-contentType ?>
 <FormTemplates xmlns="http://schemas.microsoft.com/sharepoint/v3/contenttype/forms">
@@ -26146,21 +27040,6 @@
 </file>
 
 <file path=customXml/itemProps1.xml><?xml version="1.0" encoding="utf-8"?>
-<ds:datastoreItem xmlns:ds="http://schemas.openxmlformats.org/officeDocument/2006/customXml" ds:itemID="{3473EA1A-2744-48E8-B2A3-4F89C0FC849C}">
-  <ds:schemaRefs>
-    <ds:schemaRef ds:uri="http://purl.org/dc/terms/"/>
-    <ds:schemaRef ds:uri="http://schemas.openxmlformats.org/package/2006/metadata/core-properties"/>
-    <ds:schemaRef ds:uri="http://purl.org/dc/dcmitype/"/>
-    <ds:schemaRef ds:uri="http://schemas.microsoft.com/office/infopath/2007/PartnerControls"/>
-    <ds:schemaRef ds:uri="http://purl.org/dc/elements/1.1/"/>
-    <ds:schemaRef ds:uri="http://schemas.microsoft.com/office/2006/metadata/properties"/>
-    <ds:schemaRef ds:uri="http://schemas.microsoft.com/office/2006/documentManagement/types"/>
-    <ds:schemaRef ds:uri="http://www.w3.org/XML/1998/namespace"/>
-  </ds:schemaRefs>
-</ds:datastoreItem>
-</file>
-
-<file path=customXml/itemProps2.xml><?xml version="1.0" encoding="utf-8"?>
 <ds:datastoreItem xmlns:ds="http://schemas.openxmlformats.org/officeDocument/2006/customXml" ds:itemID="{A906A71E-D2C6-4CAA-8E79-10C504BC5F58}">
   <ds:schemaRefs>
     <ds:schemaRef ds:uri="http://schemas.microsoft.com/office/2006/metadata/contentType"/>
@@ -26176,6 +27055,21 @@
 </ds:datastoreItem>
 </file>
 
+<file path=customXml/itemProps2.xml><?xml version="1.0" encoding="utf-8"?>
+<ds:datastoreItem xmlns:ds="http://schemas.openxmlformats.org/officeDocument/2006/customXml" ds:itemID="{3473EA1A-2744-48E8-B2A3-4F89C0FC849C}">
+  <ds:schemaRefs>
+    <ds:schemaRef ds:uri="http://purl.org/dc/terms/"/>
+    <ds:schemaRef ds:uri="http://schemas.openxmlformats.org/package/2006/metadata/core-properties"/>
+    <ds:schemaRef ds:uri="http://schemas.microsoft.com/office/2006/documentManagement/types"/>
+    <ds:schemaRef ds:uri="http://schemas.microsoft.com/office/infopath/2007/PartnerControls"/>
+    <ds:schemaRef ds:uri="http://purl.org/dc/elements/1.1/"/>
+    <ds:schemaRef ds:uri="http://schemas.microsoft.com/office/2006/metadata/properties"/>
+    <ds:schemaRef ds:uri="http://www.w3.org/XML/1998/namespace"/>
+    <ds:schemaRef ds:uri="http://purl.org/dc/dcmitype/"/>
+  </ds:schemaRefs>
+</ds:datastoreItem>
+</file>
+
 <file path=customXml/itemProps3.xml><?xml version="1.0" encoding="utf-8"?>
 <ds:datastoreItem xmlns:ds="http://schemas.openxmlformats.org/officeDocument/2006/customXml" ds:itemID="{87FD8B20-B89A-4B23-9329-175195DD4D8A}">
   <ds:schemaRefs>

--- a/CPSC-24500/Week08/2017SpringW08Slides.pptx
+++ b/CPSC-24500/Week08/2017SpringW08Slides.pptx
@@ -5,7 +5,7 @@
     <p:sldMasterId id="2147483648" r:id="rId4"/>
   </p:sldMasterIdLst>
   <p:notesMasterIdLst>
-    <p:notesMasterId r:id="rId55"/>
+    <p:notesMasterId r:id="rId57"/>
   </p:notesMasterIdLst>
   <p:sldIdLst>
     <p:sldId id="381" r:id="rId5"/>
@@ -57,7 +57,9 @@
     <p:sldId id="595" r:id="rId51"/>
     <p:sldId id="594" r:id="rId52"/>
     <p:sldId id="547" r:id="rId53"/>
-    <p:sldId id="551" r:id="rId54"/>
+    <p:sldId id="600" r:id="rId54"/>
+    <p:sldId id="601" r:id="rId55"/>
+    <p:sldId id="551" r:id="rId56"/>
   </p:sldIdLst>
   <p:sldSz cx="12192000" cy="6858000"/>
   <p:notesSz cx="7315200" cy="9601200"/>
@@ -253,7 +255,7 @@
           <a:p>
             <a:fld id="{91ED72D7-FE6F-4B82-8D31-76BC00B06094}" type="datetimeFigureOut">
               <a:rPr lang="en-US" smtClean="0"/>
-              <a:t>5/9/2017</a:t>
+              <a:t>5/10/2017</a:t>
             </a:fld>
             <a:endParaRPr lang="en-US" dirty="0"/>
           </a:p>
@@ -5466,6 +5468,175 @@
     </p:spTree>
     <p:extLst>
       <p:ext uri="{BB962C8B-B14F-4D97-AF65-F5344CB8AC3E}">
+        <p14:creationId xmlns:p14="http://schemas.microsoft.com/office/powerpoint/2010/main" val="2723189935"/>
+      </p:ext>
+    </p:extLst>
+  </p:cSld>
+  <p:clrMapOvr>
+    <a:masterClrMapping/>
+  </p:clrMapOvr>
+</p:notes>
+</file>
+
+<file path=ppt/notesSlides/notesSlide51.xml><?xml version="1.0" encoding="utf-8"?>
+<p:notes xmlns:a="http://schemas.openxmlformats.org/drawingml/2006/main" xmlns:r="http://schemas.openxmlformats.org/officeDocument/2006/relationships" xmlns:p="http://schemas.openxmlformats.org/presentationml/2006/main">
+  <p:cSld>
+    <p:spTree>
+      <p:nvGrpSpPr>
+        <p:cNvPr id="1" name=""/>
+        <p:cNvGrpSpPr/>
+        <p:nvPr/>
+      </p:nvGrpSpPr>
+      <p:grpSpPr>
+        <a:xfrm>
+          <a:off x="0" y="0"/>
+          <a:ext cx="0" cy="0"/>
+          <a:chOff x="0" y="0"/>
+          <a:chExt cx="0" cy="0"/>
+        </a:xfrm>
+      </p:grpSpPr>
+      <p:sp>
+        <p:nvSpPr>
+          <p:cNvPr id="2" name="Slide Image Placeholder 1"/>
+          <p:cNvSpPr>
+            <a:spLocks noGrp="1" noRot="1" noChangeAspect="1"/>
+          </p:cNvSpPr>
+          <p:nvPr>
+            <p:ph type="sldImg"/>
+          </p:nvPr>
+        </p:nvSpPr>
+        <p:spPr/>
+      </p:sp>
+      <p:sp>
+        <p:nvSpPr>
+          <p:cNvPr id="3" name="Notes Placeholder 2"/>
+          <p:cNvSpPr>
+            <a:spLocks noGrp="1"/>
+          </p:cNvSpPr>
+          <p:nvPr>
+            <p:ph type="body" idx="1"/>
+          </p:nvPr>
+        </p:nvSpPr>
+        <p:spPr/>
+        <p:txBody>
+          <a:bodyPr/>
+          <a:lstStyle/>
+          <a:p>
+            <a:pPr lvl="0"/>
+            <a:endParaRPr lang="en-US" sz="1000" dirty="0"/>
+          </a:p>
+        </p:txBody>
+      </p:sp>
+      <p:sp>
+        <p:nvSpPr>
+          <p:cNvPr id="4" name="Slide Number Placeholder 3"/>
+          <p:cNvSpPr>
+            <a:spLocks noGrp="1"/>
+          </p:cNvSpPr>
+          <p:nvPr>
+            <p:ph type="sldNum" sz="quarter" idx="10"/>
+          </p:nvPr>
+        </p:nvSpPr>
+        <p:spPr/>
+        <p:txBody>
+          <a:bodyPr/>
+          <a:lstStyle/>
+          <a:p>
+            <a:fld id="{5394DE12-7B9B-46AA-AC19-C30A49928B9B}" type="slidenum">
+              <a:rPr lang="en-US" smtClean="0"/>
+              <a:t>51</a:t>
+            </a:fld>
+            <a:endParaRPr lang="en-US" dirty="0"/>
+          </a:p>
+        </p:txBody>
+      </p:sp>
+    </p:spTree>
+    <p:extLst>
+      <p:ext uri="{BB962C8B-B14F-4D97-AF65-F5344CB8AC3E}">
+        <p14:creationId xmlns:p14="http://schemas.microsoft.com/office/powerpoint/2010/main" val="4289233025"/>
+      </p:ext>
+    </p:extLst>
+  </p:cSld>
+  <p:clrMapOvr>
+    <a:masterClrMapping/>
+  </p:clrMapOvr>
+</p:notes>
+</file>
+
+<file path=ppt/notesSlides/notesSlide52.xml><?xml version="1.0" encoding="utf-8"?>
+<p:notes xmlns:a="http://schemas.openxmlformats.org/drawingml/2006/main" xmlns:r="http://schemas.openxmlformats.org/officeDocument/2006/relationships" xmlns:p="http://schemas.openxmlformats.org/presentationml/2006/main">
+  <p:cSld>
+    <p:spTree>
+      <p:nvGrpSpPr>
+        <p:cNvPr id="1" name=""/>
+        <p:cNvGrpSpPr/>
+        <p:nvPr/>
+      </p:nvGrpSpPr>
+      <p:grpSpPr>
+        <a:xfrm>
+          <a:off x="0" y="0"/>
+          <a:ext cx="0" cy="0"/>
+          <a:chOff x="0" y="0"/>
+          <a:chExt cx="0" cy="0"/>
+        </a:xfrm>
+      </p:grpSpPr>
+      <p:sp>
+        <p:nvSpPr>
+          <p:cNvPr id="2" name="Slide Image Placeholder 1"/>
+          <p:cNvSpPr>
+            <a:spLocks noGrp="1" noRot="1" noChangeAspect="1"/>
+          </p:cNvSpPr>
+          <p:nvPr>
+            <p:ph type="sldImg"/>
+          </p:nvPr>
+        </p:nvSpPr>
+        <p:spPr/>
+      </p:sp>
+      <p:sp>
+        <p:nvSpPr>
+          <p:cNvPr id="3" name="Notes Placeholder 2"/>
+          <p:cNvSpPr>
+            <a:spLocks noGrp="1"/>
+          </p:cNvSpPr>
+          <p:nvPr>
+            <p:ph type="body" idx="1"/>
+          </p:nvPr>
+        </p:nvSpPr>
+        <p:spPr/>
+        <p:txBody>
+          <a:bodyPr/>
+          <a:lstStyle/>
+          <a:p>
+            <a:endParaRPr lang="en-US" sz="1000" dirty="0"/>
+          </a:p>
+        </p:txBody>
+      </p:sp>
+      <p:sp>
+        <p:nvSpPr>
+          <p:cNvPr id="4" name="Slide Number Placeholder 3"/>
+          <p:cNvSpPr>
+            <a:spLocks noGrp="1"/>
+          </p:cNvSpPr>
+          <p:nvPr>
+            <p:ph type="sldNum" sz="quarter" idx="10"/>
+          </p:nvPr>
+        </p:nvSpPr>
+        <p:spPr/>
+        <p:txBody>
+          <a:bodyPr/>
+          <a:lstStyle/>
+          <a:p>
+            <a:fld id="{5394DE12-7B9B-46AA-AC19-C30A49928B9B}" type="slidenum">
+              <a:rPr lang="en-US" smtClean="0"/>
+              <a:t>52</a:t>
+            </a:fld>
+            <a:endParaRPr lang="en-US" dirty="0"/>
+          </a:p>
+        </p:txBody>
+      </p:sp>
+    </p:spTree>
+    <p:extLst>
+      <p:ext uri="{BB962C8B-B14F-4D97-AF65-F5344CB8AC3E}">
         <p14:creationId xmlns:p14="http://schemas.microsoft.com/office/powerpoint/2010/main" val="818036464"/>
       </p:ext>
     </p:extLst>
@@ -6214,7 +6385,7 @@
           <a:p>
             <a:fld id="{969F32F5-AB1C-41B2-AE79-C9DE1D1745A4}" type="datetimeFigureOut">
               <a:rPr lang="en-US" smtClean="0"/>
-              <a:t>5/9/2017</a:t>
+              <a:t>5/10/2017</a:t>
             </a:fld>
             <a:endParaRPr lang="en-US" dirty="0"/>
           </a:p>
@@ -6382,7 +6553,7 @@
           <a:p>
             <a:fld id="{969F32F5-AB1C-41B2-AE79-C9DE1D1745A4}" type="datetimeFigureOut">
               <a:rPr lang="en-US" smtClean="0"/>
-              <a:t>5/9/2017</a:t>
+              <a:t>5/10/2017</a:t>
             </a:fld>
             <a:endParaRPr lang="en-US" dirty="0"/>
           </a:p>
@@ -6560,7 +6731,7 @@
           <a:p>
             <a:fld id="{969F32F5-AB1C-41B2-AE79-C9DE1D1745A4}" type="datetimeFigureOut">
               <a:rPr lang="en-US" smtClean="0"/>
-              <a:t>5/9/2017</a:t>
+              <a:t>5/10/2017</a:t>
             </a:fld>
             <a:endParaRPr lang="en-US" dirty="0"/>
           </a:p>
@@ -6728,7 +6899,7 @@
           <a:p>
             <a:fld id="{969F32F5-AB1C-41B2-AE79-C9DE1D1745A4}" type="datetimeFigureOut">
               <a:rPr lang="en-US" smtClean="0"/>
-              <a:t>5/9/2017</a:t>
+              <a:t>5/10/2017</a:t>
             </a:fld>
             <a:endParaRPr lang="en-US" dirty="0"/>
           </a:p>
@@ -6973,7 +7144,7 @@
           <a:p>
             <a:fld id="{969F32F5-AB1C-41B2-AE79-C9DE1D1745A4}" type="datetimeFigureOut">
               <a:rPr lang="en-US" smtClean="0"/>
-              <a:t>5/9/2017</a:t>
+              <a:t>5/10/2017</a:t>
             </a:fld>
             <a:endParaRPr lang="en-US" dirty="0"/>
           </a:p>
@@ -7202,7 +7373,7 @@
           <a:p>
             <a:fld id="{969F32F5-AB1C-41B2-AE79-C9DE1D1745A4}" type="datetimeFigureOut">
               <a:rPr lang="en-US" smtClean="0"/>
-              <a:t>5/9/2017</a:t>
+              <a:t>5/10/2017</a:t>
             </a:fld>
             <a:endParaRPr lang="en-US" dirty="0"/>
           </a:p>
@@ -7566,7 +7737,7 @@
           <a:p>
             <a:fld id="{969F32F5-AB1C-41B2-AE79-C9DE1D1745A4}" type="datetimeFigureOut">
               <a:rPr lang="en-US" smtClean="0"/>
-              <a:t>5/9/2017</a:t>
+              <a:t>5/10/2017</a:t>
             </a:fld>
             <a:endParaRPr lang="en-US" dirty="0"/>
           </a:p>
@@ -7683,7 +7854,7 @@
           <a:p>
             <a:fld id="{969F32F5-AB1C-41B2-AE79-C9DE1D1745A4}" type="datetimeFigureOut">
               <a:rPr lang="en-US" smtClean="0"/>
-              <a:t>5/9/2017</a:t>
+              <a:t>5/10/2017</a:t>
             </a:fld>
             <a:endParaRPr lang="en-US" dirty="0"/>
           </a:p>
@@ -7778,7 +7949,7 @@
           <a:p>
             <a:fld id="{969F32F5-AB1C-41B2-AE79-C9DE1D1745A4}" type="datetimeFigureOut">
               <a:rPr lang="en-US" smtClean="0"/>
-              <a:t>5/9/2017</a:t>
+              <a:t>5/10/2017</a:t>
             </a:fld>
             <a:endParaRPr lang="en-US" dirty="0"/>
           </a:p>
@@ -8053,7 +8224,7 @@
           <a:p>
             <a:fld id="{969F32F5-AB1C-41B2-AE79-C9DE1D1745A4}" type="datetimeFigureOut">
               <a:rPr lang="en-US" smtClean="0"/>
-              <a:t>5/9/2017</a:t>
+              <a:t>5/10/2017</a:t>
             </a:fld>
             <a:endParaRPr lang="en-US" dirty="0"/>
           </a:p>
@@ -8305,7 +8476,7 @@
           <a:p>
             <a:fld id="{969F32F5-AB1C-41B2-AE79-C9DE1D1745A4}" type="datetimeFigureOut">
               <a:rPr lang="en-US" smtClean="0"/>
-              <a:t>5/9/2017</a:t>
+              <a:t>5/10/2017</a:t>
             </a:fld>
             <a:endParaRPr lang="en-US" dirty="0"/>
           </a:p>
@@ -8516,7 +8687,7 @@
           <a:p>
             <a:fld id="{969F32F5-AB1C-41B2-AE79-C9DE1D1745A4}" type="datetimeFigureOut">
               <a:rPr lang="en-US" smtClean="0"/>
-              <a:t>5/9/2017</a:t>
+              <a:t>5/10/2017</a:t>
             </a:fld>
             <a:endParaRPr lang="en-US" dirty="0"/>
           </a:p>
@@ -25705,6 +25876,1019 @@
 <file path=ppt/slides/slide50.xml><?xml version="1.0" encoding="utf-8"?>
 <p:sld xmlns:a="http://schemas.openxmlformats.org/drawingml/2006/main" xmlns:r="http://schemas.openxmlformats.org/officeDocument/2006/relationships" xmlns:p="http://schemas.openxmlformats.org/presentationml/2006/main">
   <p:cSld>
+    <p:spTree>
+      <p:nvGrpSpPr>
+        <p:cNvPr id="1" name=""/>
+        <p:cNvGrpSpPr/>
+        <p:nvPr/>
+      </p:nvGrpSpPr>
+      <p:grpSpPr>
+        <a:xfrm>
+          <a:off x="0" y="0"/>
+          <a:ext cx="0" cy="0"/>
+          <a:chOff x="0" y="0"/>
+          <a:chExt cx="0" cy="0"/>
+        </a:xfrm>
+      </p:grpSpPr>
+      <p:sp>
+        <p:nvSpPr>
+          <p:cNvPr id="2" name="Title 1"/>
+          <p:cNvSpPr>
+            <a:spLocks noGrp="1"/>
+          </p:cNvSpPr>
+          <p:nvPr>
+            <p:ph type="title"/>
+          </p:nvPr>
+        </p:nvSpPr>
+        <p:spPr>
+          <a:xfrm>
+            <a:off x="838200" y="365126"/>
+            <a:ext cx="6113662" cy="1409174"/>
+          </a:xfrm>
+        </p:spPr>
+        <p:txBody>
+          <a:bodyPr>
+            <a:normAutofit/>
+          </a:bodyPr>
+          <a:lstStyle/>
+          <a:p>
+            <a:r>
+              <a:rPr lang="en-US" sz="3600" dirty="0"/>
+              <a:t>Object-Oriented Programming</a:t>
+            </a:r>
+            <a:br>
+              <a:rPr lang="en-US" sz="3600" dirty="0"/>
+            </a:br>
+            <a:r>
+              <a:rPr lang="en-US" sz="1800" dirty="0"/>
+              <a:t>Session: Week 8 Session 5 </a:t>
+            </a:r>
+            <a:br>
+              <a:rPr lang="en-US" sz="1800" dirty="0"/>
+            </a:br>
+            <a:r>
+              <a:rPr lang="en-US" sz="1800" dirty="0"/>
+              <a:t>Instructor: Eric Pogue</a:t>
+            </a:r>
+            <a:endParaRPr lang="en-US" sz="1800" b="1" i="1" u="sng" dirty="0"/>
+          </a:p>
+        </p:txBody>
+      </p:sp>
+      <p:pic>
+        <p:nvPicPr>
+          <p:cNvPr id="4" name="Content Placeholder 4"/>
+          <p:cNvPicPr>
+            <a:picLocks noChangeAspect="1"/>
+          </p:cNvPicPr>
+          <p:nvPr/>
+        </p:nvPicPr>
+        <p:blipFill>
+          <a:blip r:embed="rId3"/>
+          <a:stretch>
+            <a:fillRect/>
+          </a:stretch>
+        </p:blipFill>
+        <p:spPr>
+          <a:xfrm>
+            <a:off x="9072894" y="182925"/>
+            <a:ext cx="2656367" cy="1366321"/>
+          </a:xfrm>
+          <a:prstGeom prst="rect">
+            <a:avLst/>
+          </a:prstGeom>
+        </p:spPr>
+      </p:pic>
+      <p:sp>
+        <p:nvSpPr>
+          <p:cNvPr id="10" name="Content Placeholder 2"/>
+          <p:cNvSpPr>
+            <a:spLocks noGrp="1"/>
+          </p:cNvSpPr>
+          <p:nvPr>
+            <p:ph idx="1"/>
+          </p:nvPr>
+        </p:nvSpPr>
+        <p:spPr>
+          <a:xfrm>
+            <a:off x="838200" y="1884313"/>
+            <a:ext cx="10718950" cy="4571242"/>
+          </a:xfrm>
+        </p:spPr>
+        <p:txBody>
+          <a:bodyPr>
+            <a:noAutofit/>
+          </a:bodyPr>
+          <a:lstStyle/>
+          <a:p>
+            <a:pPr marL="0" indent="0">
+              <a:buNone/>
+            </a:pPr>
+            <a:r>
+              <a:rPr lang="en-US" sz="2000" u="sng" dirty="0" err="1"/>
+              <a:t>ShapeDrawDataServerLite</a:t>
+            </a:r>
+            <a:r>
+              <a:rPr lang="en-US" sz="2000" u="sng" dirty="0"/>
+              <a:t> Application:</a:t>
+            </a:r>
+          </a:p>
+          <a:p>
+            <a:pPr marL="457200" indent="-457200">
+              <a:buFont typeface="+mj-lt"/>
+              <a:buAutoNum type="arabicPeriod"/>
+            </a:pPr>
+            <a:r>
+              <a:rPr lang="en-US" sz="2000" dirty="0"/>
+              <a:t>Develop application entirely in Visual Studio 2017 and C#</a:t>
+            </a:r>
+          </a:p>
+          <a:p>
+            <a:pPr marL="457200" indent="-457200">
+              <a:buFont typeface="+mj-lt"/>
+              <a:buAutoNum type="arabicPeriod"/>
+            </a:pPr>
+            <a:r>
+              <a:rPr lang="en-US" sz="2000" dirty="0"/>
+              <a:t>Download and compile </a:t>
+            </a:r>
+            <a:r>
+              <a:rPr lang="en-US" sz="2000" u="sng" dirty="0" err="1"/>
+              <a:t>ShapeDrawDataClient</a:t>
+            </a:r>
+            <a:endParaRPr lang="en-US" sz="2000" dirty="0"/>
+          </a:p>
+          <a:p>
+            <a:pPr marL="457200" indent="-457200">
+              <a:buFont typeface="+mj-lt"/>
+              <a:buAutoNum type="arabicPeriod"/>
+            </a:pPr>
+            <a:r>
+              <a:rPr lang="en-US" sz="2000" dirty="0"/>
+              <a:t>Create a new </a:t>
+            </a:r>
+            <a:r>
+              <a:rPr lang="en-US" sz="2000" dirty="0" err="1"/>
+              <a:t>ShapeDrawDataServerLite</a:t>
+            </a:r>
+            <a:r>
+              <a:rPr lang="en-US" sz="2000" dirty="0"/>
+              <a:t> application</a:t>
+            </a:r>
+          </a:p>
+          <a:p>
+            <a:pPr marL="457200" indent="-457200">
+              <a:buFont typeface="+mj-lt"/>
+              <a:buAutoNum type="arabicPeriod"/>
+            </a:pPr>
+            <a:r>
+              <a:rPr lang="en-US" sz="2000" dirty="0"/>
+              <a:t>Copy and past </a:t>
+            </a:r>
+            <a:r>
+              <a:rPr lang="en-US" sz="2000" dirty="0" err="1"/>
+              <a:t>ShapeDrawDataServerStart</a:t>
+            </a:r>
+            <a:r>
+              <a:rPr lang="en-US" sz="2000" dirty="0"/>
+              <a:t> into “Lite”</a:t>
+            </a:r>
+          </a:p>
+          <a:p>
+            <a:pPr marL="457200" indent="-457200">
+              <a:buFont typeface="+mj-lt"/>
+              <a:buAutoNum type="arabicPeriod"/>
+            </a:pPr>
+            <a:r>
+              <a:rPr lang="en-US" sz="2000" dirty="0"/>
+              <a:t>Compile, run, and test “Lite”</a:t>
+            </a:r>
+          </a:p>
+          <a:p>
+            <a:pPr marL="457200" indent="-457200">
+              <a:buFont typeface="+mj-lt"/>
+              <a:buAutoNum type="arabicPeriod"/>
+            </a:pPr>
+            <a:r>
+              <a:rPr lang="en-US" sz="2000" dirty="0"/>
+              <a:t>Implement </a:t>
+            </a:r>
+            <a:r>
+              <a:rPr lang="en-US" sz="2000" dirty="0" err="1"/>
+              <a:t>EJPShape</a:t>
+            </a:r>
+            <a:r>
+              <a:rPr lang="en-US" sz="2000" dirty="0"/>
+              <a:t> and </a:t>
+            </a:r>
+            <a:r>
+              <a:rPr lang="en-US" sz="2000" dirty="0" err="1"/>
+              <a:t>EJPShapeModel</a:t>
+            </a:r>
+            <a:r>
+              <a:rPr lang="en-US" sz="2000" dirty="0"/>
+              <a:t> from Week 7</a:t>
+            </a:r>
+          </a:p>
+          <a:p>
+            <a:pPr marL="457200" indent="-457200">
+              <a:buFont typeface="+mj-lt"/>
+              <a:buAutoNum type="arabicPeriod"/>
+            </a:pPr>
+            <a:r>
+              <a:rPr lang="en-US" sz="2000" dirty="0"/>
+              <a:t>Download and parse InternetShapeDraw.xml</a:t>
+            </a:r>
+          </a:p>
+          <a:p>
+            <a:pPr marL="457200" indent="-457200">
+              <a:buFont typeface="+mj-lt"/>
+              <a:buAutoNum type="arabicPeriod"/>
+            </a:pPr>
+            <a:r>
+              <a:rPr lang="en-US" sz="2000" dirty="0"/>
+              <a:t>Create empty </a:t>
+            </a:r>
+            <a:r>
+              <a:rPr lang="en-US" sz="2000" dirty="0" err="1"/>
+              <a:t>EJPColorModel</a:t>
+            </a:r>
+            <a:r>
+              <a:rPr lang="en-US" sz="2000" dirty="0"/>
+              <a:t> class that always returns “blue”… you will need to download and parse the ShapeDrawColors.xml file as part of your assignment</a:t>
+            </a:r>
+          </a:p>
+          <a:p>
+            <a:pPr marL="457200" indent="-457200">
+              <a:buFont typeface="+mj-lt"/>
+              <a:buAutoNum type="arabicPeriod"/>
+            </a:pPr>
+            <a:r>
+              <a:rPr lang="en-US" sz="2000" dirty="0"/>
+              <a:t>Return a subset of the xml that will be needed for the assignment</a:t>
+            </a:r>
+          </a:p>
+        </p:txBody>
+      </p:sp>
+    </p:spTree>
+    <p:extLst>
+      <p:ext uri="{BB962C8B-B14F-4D97-AF65-F5344CB8AC3E}">
+        <p14:creationId xmlns:p14="http://schemas.microsoft.com/office/powerpoint/2010/main" val="1928734047"/>
+      </p:ext>
+    </p:extLst>
+  </p:cSld>
+  <p:clrMapOvr>
+    <a:masterClrMapping/>
+  </p:clrMapOvr>
+</p:sld>
+</file>
+
+<file path=ppt/slides/slide51.xml><?xml version="1.0" encoding="utf-8"?>
+<p:sld xmlns:a="http://schemas.openxmlformats.org/drawingml/2006/main" xmlns:r="http://schemas.openxmlformats.org/officeDocument/2006/relationships" xmlns:p="http://schemas.openxmlformats.org/presentationml/2006/main">
+  <p:cSld>
+    <p:spTree>
+      <p:nvGrpSpPr>
+        <p:cNvPr id="1" name=""/>
+        <p:cNvGrpSpPr/>
+        <p:nvPr/>
+      </p:nvGrpSpPr>
+      <p:grpSpPr>
+        <a:xfrm>
+          <a:off x="0" y="0"/>
+          <a:ext cx="0" cy="0"/>
+          <a:chOff x="0" y="0"/>
+          <a:chExt cx="0" cy="0"/>
+        </a:xfrm>
+      </p:grpSpPr>
+      <p:sp>
+        <p:nvSpPr>
+          <p:cNvPr id="2" name="Title 1"/>
+          <p:cNvSpPr>
+            <a:spLocks noGrp="1"/>
+          </p:cNvSpPr>
+          <p:nvPr>
+            <p:ph type="title"/>
+          </p:nvPr>
+        </p:nvSpPr>
+        <p:spPr>
+          <a:xfrm>
+            <a:off x="838200" y="365126"/>
+            <a:ext cx="10515600" cy="757272"/>
+          </a:xfrm>
+        </p:spPr>
+        <p:txBody>
+          <a:bodyPr>
+            <a:normAutofit/>
+          </a:bodyPr>
+          <a:lstStyle/>
+          <a:p>
+            <a:r>
+              <a:rPr lang="en-US" sz="3600" dirty="0" err="1"/>
+              <a:t>ShapeDrawDataServer</a:t>
+            </a:r>
+            <a:r>
+              <a:rPr lang="en-US" sz="3600" dirty="0"/>
+              <a:t> Architecture</a:t>
+            </a:r>
+          </a:p>
+        </p:txBody>
+      </p:sp>
+      <p:sp>
+        <p:nvSpPr>
+          <p:cNvPr id="18" name="Flowchart: Multidocument 17"/>
+          <p:cNvSpPr/>
+          <p:nvPr/>
+        </p:nvSpPr>
+        <p:spPr>
+          <a:xfrm>
+            <a:off x="4114801" y="2927192"/>
+            <a:ext cx="3821148" cy="941943"/>
+          </a:xfrm>
+          <a:prstGeom prst="flowChartMultidocument">
+            <a:avLst/>
+          </a:prstGeom>
+          <a:solidFill>
+            <a:schemeClr val="accent6">
+              <a:lumMod val="60000"/>
+              <a:lumOff val="40000"/>
+            </a:schemeClr>
+          </a:solidFill>
+        </p:spPr>
+        <p:style>
+          <a:lnRef idx="2">
+            <a:schemeClr val="accent1">
+              <a:shade val="50000"/>
+            </a:schemeClr>
+          </a:lnRef>
+          <a:fillRef idx="1">
+            <a:schemeClr val="accent1"/>
+          </a:fillRef>
+          <a:effectRef idx="0">
+            <a:schemeClr val="accent1"/>
+          </a:effectRef>
+          <a:fontRef idx="minor">
+            <a:schemeClr val="lt1"/>
+          </a:fontRef>
+        </p:style>
+        <p:txBody>
+          <a:bodyPr rtlCol="0" anchor="ctr"/>
+          <a:lstStyle/>
+          <a:p>
+            <a:pPr algn="ctr"/>
+            <a:r>
+              <a:rPr lang="en-US" dirty="0" err="1"/>
+              <a:t>ShapeDrawDataServer</a:t>
+            </a:r>
+            <a:r>
+              <a:rPr lang="en-US" dirty="0"/>
+              <a:t> (APIs)</a:t>
+            </a:r>
+          </a:p>
+        </p:txBody>
+      </p:sp>
+      <p:sp>
+        <p:nvSpPr>
+          <p:cNvPr id="19" name="Flowchart: Process 18"/>
+          <p:cNvSpPr/>
+          <p:nvPr/>
+        </p:nvSpPr>
+        <p:spPr>
+          <a:xfrm>
+            <a:off x="5205760" y="1467454"/>
+            <a:ext cx="1628078" cy="691375"/>
+          </a:xfrm>
+          <a:prstGeom prst="flowChartProcess">
+            <a:avLst/>
+          </a:prstGeom>
+        </p:spPr>
+        <p:style>
+          <a:lnRef idx="2">
+            <a:schemeClr val="accent1">
+              <a:shade val="50000"/>
+            </a:schemeClr>
+          </a:lnRef>
+          <a:fillRef idx="1">
+            <a:schemeClr val="accent1"/>
+          </a:fillRef>
+          <a:effectRef idx="0">
+            <a:schemeClr val="accent1"/>
+          </a:effectRef>
+          <a:fontRef idx="minor">
+            <a:schemeClr val="lt1"/>
+          </a:fontRef>
+        </p:style>
+        <p:txBody>
+          <a:bodyPr rtlCol="0" anchor="ctr"/>
+          <a:lstStyle/>
+          <a:p>
+            <a:pPr algn="ctr"/>
+            <a:r>
+              <a:rPr lang="en-US" dirty="0" err="1"/>
+              <a:t>ShapeDraw</a:t>
+            </a:r>
+            <a:endParaRPr lang="en-US" dirty="0"/>
+          </a:p>
+        </p:txBody>
+      </p:sp>
+      <p:sp>
+        <p:nvSpPr>
+          <p:cNvPr id="20" name="Flowchart: Magnetic Disk 19"/>
+          <p:cNvSpPr/>
+          <p:nvPr/>
+        </p:nvSpPr>
+        <p:spPr>
+          <a:xfrm>
+            <a:off x="4029308" y="4777367"/>
+            <a:ext cx="1761892" cy="529683"/>
+          </a:xfrm>
+          <a:prstGeom prst="flowChartMagneticDisk">
+            <a:avLst/>
+          </a:prstGeom>
+        </p:spPr>
+        <p:style>
+          <a:lnRef idx="2">
+            <a:schemeClr val="accent1">
+              <a:shade val="50000"/>
+            </a:schemeClr>
+          </a:lnRef>
+          <a:fillRef idx="1">
+            <a:schemeClr val="accent1"/>
+          </a:fillRef>
+          <a:effectRef idx="0">
+            <a:schemeClr val="accent1"/>
+          </a:effectRef>
+          <a:fontRef idx="minor">
+            <a:schemeClr val="lt1"/>
+          </a:fontRef>
+        </p:style>
+        <p:txBody>
+          <a:bodyPr rtlCol="0" anchor="ctr"/>
+          <a:lstStyle/>
+          <a:p>
+            <a:pPr algn="ctr"/>
+            <a:r>
+              <a:rPr lang="en-US" dirty="0" err="1"/>
+              <a:t>ShapesXML</a:t>
+            </a:r>
+            <a:endParaRPr lang="en-US" dirty="0"/>
+          </a:p>
+        </p:txBody>
+      </p:sp>
+      <p:sp>
+        <p:nvSpPr>
+          <p:cNvPr id="21" name="Flowchart: Magnetic Disk 20"/>
+          <p:cNvSpPr/>
+          <p:nvPr/>
+        </p:nvSpPr>
+        <p:spPr>
+          <a:xfrm>
+            <a:off x="6272562" y="4777367"/>
+            <a:ext cx="1761892" cy="529683"/>
+          </a:xfrm>
+          <a:prstGeom prst="flowChartMagneticDisk">
+            <a:avLst/>
+          </a:prstGeom>
+        </p:spPr>
+        <p:style>
+          <a:lnRef idx="2">
+            <a:schemeClr val="accent1">
+              <a:shade val="50000"/>
+            </a:schemeClr>
+          </a:lnRef>
+          <a:fillRef idx="1">
+            <a:schemeClr val="accent1"/>
+          </a:fillRef>
+          <a:effectRef idx="0">
+            <a:schemeClr val="accent1"/>
+          </a:effectRef>
+          <a:fontRef idx="minor">
+            <a:schemeClr val="lt1"/>
+          </a:fontRef>
+        </p:style>
+        <p:txBody>
+          <a:bodyPr rtlCol="0" anchor="ctr"/>
+          <a:lstStyle/>
+          <a:p>
+            <a:pPr algn="ctr"/>
+            <a:r>
+              <a:rPr lang="en-US" dirty="0" err="1"/>
+              <a:t>ShapeColorsXML</a:t>
+            </a:r>
+            <a:endParaRPr lang="en-US" dirty="0"/>
+          </a:p>
+        </p:txBody>
+      </p:sp>
+      <p:cxnSp>
+        <p:nvCxnSpPr>
+          <p:cNvPr id="28" name="Straight Arrow Connector 27"/>
+          <p:cNvCxnSpPr>
+            <a:cxnSpLocks/>
+            <a:endCxn id="21" idx="1"/>
+          </p:cNvCxnSpPr>
+          <p:nvPr/>
+        </p:nvCxnSpPr>
+        <p:spPr>
+          <a:xfrm>
+            <a:off x="6019799" y="3819124"/>
+            <a:ext cx="1133709" cy="958243"/>
+          </a:xfrm>
+          <a:prstGeom prst="straightConnector1">
+            <a:avLst/>
+          </a:prstGeom>
+          <a:ln w="25400">
+            <a:solidFill>
+              <a:schemeClr val="tx1"/>
+            </a:solidFill>
+            <a:tailEnd type="triangle"/>
+          </a:ln>
+        </p:spPr>
+        <p:style>
+          <a:lnRef idx="1">
+            <a:schemeClr val="accent1"/>
+          </a:lnRef>
+          <a:fillRef idx="0">
+            <a:schemeClr val="accent1"/>
+          </a:fillRef>
+          <a:effectRef idx="0">
+            <a:schemeClr val="accent1"/>
+          </a:effectRef>
+          <a:fontRef idx="minor">
+            <a:schemeClr val="tx1"/>
+          </a:fontRef>
+        </p:style>
+      </p:cxnSp>
+      <p:cxnSp>
+        <p:nvCxnSpPr>
+          <p:cNvPr id="29" name="Straight Arrow Connector 28"/>
+          <p:cNvCxnSpPr>
+            <a:cxnSpLocks/>
+            <a:stCxn id="18" idx="2"/>
+            <a:endCxn id="20" idx="1"/>
+          </p:cNvCxnSpPr>
+          <p:nvPr/>
+        </p:nvCxnSpPr>
+        <p:spPr>
+          <a:xfrm flipH="1">
+            <a:off x="4910254" y="3833463"/>
+            <a:ext cx="849410" cy="943904"/>
+          </a:xfrm>
+          <a:prstGeom prst="straightConnector1">
+            <a:avLst/>
+          </a:prstGeom>
+          <a:ln w="25400">
+            <a:solidFill>
+              <a:schemeClr val="tx1"/>
+            </a:solidFill>
+            <a:tailEnd type="triangle"/>
+          </a:ln>
+        </p:spPr>
+        <p:style>
+          <a:lnRef idx="1">
+            <a:schemeClr val="accent1"/>
+          </a:lnRef>
+          <a:fillRef idx="0">
+            <a:schemeClr val="accent1"/>
+          </a:fillRef>
+          <a:effectRef idx="0">
+            <a:schemeClr val="accent1"/>
+          </a:effectRef>
+          <a:fontRef idx="minor">
+            <a:schemeClr val="tx1"/>
+          </a:fontRef>
+        </p:style>
+      </p:cxnSp>
+      <p:cxnSp>
+        <p:nvCxnSpPr>
+          <p:cNvPr id="36" name="Straight Arrow Connector 35"/>
+          <p:cNvCxnSpPr>
+            <a:cxnSpLocks/>
+            <a:stCxn id="19" idx="2"/>
+          </p:cNvCxnSpPr>
+          <p:nvPr/>
+        </p:nvCxnSpPr>
+        <p:spPr>
+          <a:xfrm>
+            <a:off x="6019799" y="2158829"/>
+            <a:ext cx="0" cy="768363"/>
+          </a:xfrm>
+          <a:prstGeom prst="straightConnector1">
+            <a:avLst/>
+          </a:prstGeom>
+          <a:ln w="25400">
+            <a:solidFill>
+              <a:schemeClr val="tx1"/>
+            </a:solidFill>
+            <a:tailEnd type="triangle"/>
+          </a:ln>
+        </p:spPr>
+        <p:style>
+          <a:lnRef idx="1">
+            <a:schemeClr val="accent1"/>
+          </a:lnRef>
+          <a:fillRef idx="0">
+            <a:schemeClr val="accent1"/>
+          </a:fillRef>
+          <a:effectRef idx="0">
+            <a:schemeClr val="accent1"/>
+          </a:effectRef>
+          <a:fontRef idx="minor">
+            <a:schemeClr val="tx1"/>
+          </a:fontRef>
+        </p:style>
+      </p:cxnSp>
+      <p:sp>
+        <p:nvSpPr>
+          <p:cNvPr id="16" name="Rectangle 15"/>
+          <p:cNvSpPr/>
+          <p:nvPr/>
+        </p:nvSpPr>
+        <p:spPr>
+          <a:xfrm>
+            <a:off x="7827301" y="3819124"/>
+            <a:ext cx="3484608" cy="369332"/>
+          </a:xfrm>
+          <a:prstGeom prst="rect">
+            <a:avLst/>
+          </a:prstGeom>
+        </p:spPr>
+        <p:txBody>
+          <a:bodyPr wrap="none">
+            <a:spAutoFit/>
+          </a:bodyPr>
+          <a:lstStyle/>
+          <a:p>
+            <a:r>
+              <a:rPr lang="en-US" b="1" dirty="0"/>
+              <a:t>HTTP: Hypertext Transfer Protocol </a:t>
+            </a:r>
+          </a:p>
+        </p:txBody>
+      </p:sp>
+      <p:sp>
+        <p:nvSpPr>
+          <p:cNvPr id="17" name="Rectangle 16"/>
+          <p:cNvSpPr/>
+          <p:nvPr/>
+        </p:nvSpPr>
+        <p:spPr>
+          <a:xfrm>
+            <a:off x="7846024" y="4188153"/>
+            <a:ext cx="3465885" cy="369332"/>
+          </a:xfrm>
+          <a:prstGeom prst="rect">
+            <a:avLst/>
+          </a:prstGeom>
+        </p:spPr>
+        <p:txBody>
+          <a:bodyPr wrap="none">
+            <a:spAutoFit/>
+          </a:bodyPr>
+          <a:lstStyle/>
+          <a:p>
+            <a:r>
+              <a:rPr lang="en-US" b="1" dirty="0"/>
+              <a:t>XML: Extensible Markup Language</a:t>
+            </a:r>
+          </a:p>
+        </p:txBody>
+      </p:sp>
+      <p:sp>
+        <p:nvSpPr>
+          <p:cNvPr id="23" name="Rectangle 22"/>
+          <p:cNvSpPr/>
+          <p:nvPr/>
+        </p:nvSpPr>
+        <p:spPr>
+          <a:xfrm>
+            <a:off x="6950927" y="2121352"/>
+            <a:ext cx="6096000" cy="646331"/>
+          </a:xfrm>
+          <a:prstGeom prst="rect">
+            <a:avLst/>
+          </a:prstGeom>
+        </p:spPr>
+        <p:txBody>
+          <a:bodyPr>
+            <a:spAutoFit/>
+          </a:bodyPr>
+          <a:lstStyle/>
+          <a:p>
+            <a:r>
+              <a:rPr lang="en-US" b="1" dirty="0"/>
+              <a:t>TCP/IP: Transmission Control Protocol </a:t>
+            </a:r>
+          </a:p>
+          <a:p>
+            <a:r>
+              <a:rPr lang="en-US" b="1" dirty="0"/>
+              <a:t>Sockets: Another term for TCP/IP </a:t>
+            </a:r>
+          </a:p>
+        </p:txBody>
+      </p:sp>
+      <p:sp>
+        <p:nvSpPr>
+          <p:cNvPr id="13" name="Flowchart: Process 12"/>
+          <p:cNvSpPr/>
+          <p:nvPr/>
+        </p:nvSpPr>
+        <p:spPr>
+          <a:xfrm>
+            <a:off x="2988437" y="1467454"/>
+            <a:ext cx="1628078" cy="691375"/>
+          </a:xfrm>
+          <a:prstGeom prst="flowChartProcess">
+            <a:avLst/>
+          </a:prstGeom>
+        </p:spPr>
+        <p:style>
+          <a:lnRef idx="2">
+            <a:schemeClr val="accent1">
+              <a:shade val="50000"/>
+            </a:schemeClr>
+          </a:lnRef>
+          <a:fillRef idx="1">
+            <a:schemeClr val="accent1"/>
+          </a:fillRef>
+          <a:effectRef idx="0">
+            <a:schemeClr val="accent1"/>
+          </a:effectRef>
+          <a:fontRef idx="minor">
+            <a:schemeClr val="lt1"/>
+          </a:fontRef>
+        </p:style>
+        <p:txBody>
+          <a:bodyPr rtlCol="0" anchor="ctr"/>
+          <a:lstStyle/>
+          <a:p>
+            <a:pPr algn="ctr"/>
+            <a:r>
+              <a:rPr lang="en-US" u="sng" dirty="0" err="1"/>
+              <a:t>ShapeDraw</a:t>
+            </a:r>
+            <a:endParaRPr lang="en-US" u="sng" dirty="0"/>
+          </a:p>
+          <a:p>
+            <a:pPr algn="ctr"/>
+            <a:r>
+              <a:rPr lang="en-US" u="sng" dirty="0" err="1"/>
+              <a:t>DataClient</a:t>
+            </a:r>
+            <a:endParaRPr lang="en-US" dirty="0"/>
+          </a:p>
+        </p:txBody>
+      </p:sp>
+      <p:cxnSp>
+        <p:nvCxnSpPr>
+          <p:cNvPr id="14" name="Straight Arrow Connector 13"/>
+          <p:cNvCxnSpPr>
+            <a:cxnSpLocks/>
+            <a:stCxn id="13" idx="2"/>
+          </p:cNvCxnSpPr>
+          <p:nvPr/>
+        </p:nvCxnSpPr>
+        <p:spPr>
+          <a:xfrm>
+            <a:off x="3802476" y="2158829"/>
+            <a:ext cx="1232040" cy="768363"/>
+          </a:xfrm>
+          <a:prstGeom prst="straightConnector1">
+            <a:avLst/>
+          </a:prstGeom>
+          <a:ln w="25400">
+            <a:solidFill>
+              <a:schemeClr val="tx1"/>
+            </a:solidFill>
+            <a:tailEnd type="triangle"/>
+          </a:ln>
+        </p:spPr>
+        <p:style>
+          <a:lnRef idx="1">
+            <a:schemeClr val="accent1"/>
+          </a:lnRef>
+          <a:fillRef idx="0">
+            <a:schemeClr val="accent1"/>
+          </a:fillRef>
+          <a:effectRef idx="0">
+            <a:schemeClr val="accent1"/>
+          </a:effectRef>
+          <a:fontRef idx="minor">
+            <a:schemeClr val="tx1"/>
+          </a:fontRef>
+        </p:style>
+      </p:cxnSp>
+    </p:spTree>
+    <p:extLst>
+      <p:ext uri="{BB962C8B-B14F-4D97-AF65-F5344CB8AC3E}">
+        <p14:creationId xmlns:p14="http://schemas.microsoft.com/office/powerpoint/2010/main" val="432956099"/>
+      </p:ext>
+    </p:extLst>
+  </p:cSld>
+  <p:clrMapOvr>
+    <a:masterClrMapping/>
+  </p:clrMapOvr>
+  <p:timing>
+    <p:tnLst>
+      <p:par>
+        <p:cTn id="1" dur="indefinite" restart="never" nodeType="tmRoot">
+          <p:childTnLst>
+            <p:seq concurrent="1" nextAc="seek">
+              <p:cTn id="2" dur="indefinite" nodeType="mainSeq">
+                <p:childTnLst>
+                  <p:par>
+                    <p:cTn id="3" fill="hold">
+                      <p:stCondLst>
+                        <p:cond delay="indefinite"/>
+                      </p:stCondLst>
+                      <p:childTnLst>
+                        <p:par>
+                          <p:cTn id="4" fill="hold">
+                            <p:stCondLst>
+                              <p:cond delay="0"/>
+                            </p:stCondLst>
+                            <p:childTnLst>
+                              <p:par>
+                                <p:cTn id="5" presetID="2" presetClass="entr" presetSubtype="4" fill="hold" nodeType="clickEffect">
+                                  <p:stCondLst>
+                                    <p:cond delay="0"/>
+                                  </p:stCondLst>
+                                  <p:childTnLst>
+                                    <p:set>
+                                      <p:cBhvr>
+                                        <p:cTn id="6" dur="1" fill="hold">
+                                          <p:stCondLst>
+                                            <p:cond delay="0"/>
+                                          </p:stCondLst>
+                                        </p:cTn>
+                                        <p:tgtEl>
+                                          <p:spTgt spid="14"/>
+                                        </p:tgtEl>
+                                        <p:attrNameLst>
+                                          <p:attrName>style.visibility</p:attrName>
+                                        </p:attrNameLst>
+                                      </p:cBhvr>
+                                      <p:to>
+                                        <p:strVal val="visible"/>
+                                      </p:to>
+                                    </p:set>
+                                    <p:anim calcmode="lin" valueType="num">
+                                      <p:cBhvr additive="base">
+                                        <p:cTn id="7" dur="500" fill="hold"/>
+                                        <p:tgtEl>
+                                          <p:spTgt spid="14"/>
+                                        </p:tgtEl>
+                                        <p:attrNameLst>
+                                          <p:attrName>ppt_x</p:attrName>
+                                        </p:attrNameLst>
+                                      </p:cBhvr>
+                                      <p:tavLst>
+                                        <p:tav tm="0">
+                                          <p:val>
+                                            <p:strVal val="#ppt_x"/>
+                                          </p:val>
+                                        </p:tav>
+                                        <p:tav tm="100000">
+                                          <p:val>
+                                            <p:strVal val="#ppt_x"/>
+                                          </p:val>
+                                        </p:tav>
+                                      </p:tavLst>
+                                    </p:anim>
+                                    <p:anim calcmode="lin" valueType="num">
+                                      <p:cBhvr additive="base">
+                                        <p:cTn id="8" dur="500" fill="hold"/>
+                                        <p:tgtEl>
+                                          <p:spTgt spid="14"/>
+                                        </p:tgtEl>
+                                        <p:attrNameLst>
+                                          <p:attrName>ppt_y</p:attrName>
+                                        </p:attrNameLst>
+                                      </p:cBhvr>
+                                      <p:tavLst>
+                                        <p:tav tm="0">
+                                          <p:val>
+                                            <p:strVal val="1+#ppt_h/2"/>
+                                          </p:val>
+                                        </p:tav>
+                                        <p:tav tm="100000">
+                                          <p:val>
+                                            <p:strVal val="#ppt_y"/>
+                                          </p:val>
+                                        </p:tav>
+                                      </p:tavLst>
+                                    </p:anim>
+                                  </p:childTnLst>
+                                </p:cTn>
+                              </p:par>
+                              <p:par>
+                                <p:cTn id="9" presetID="2" presetClass="entr" presetSubtype="4" fill="hold" grpId="0" nodeType="withEffect">
+                                  <p:stCondLst>
+                                    <p:cond delay="0"/>
+                                  </p:stCondLst>
+                                  <p:childTnLst>
+                                    <p:set>
+                                      <p:cBhvr>
+                                        <p:cTn id="10" dur="1" fill="hold">
+                                          <p:stCondLst>
+                                            <p:cond delay="0"/>
+                                          </p:stCondLst>
+                                        </p:cTn>
+                                        <p:tgtEl>
+                                          <p:spTgt spid="13"/>
+                                        </p:tgtEl>
+                                        <p:attrNameLst>
+                                          <p:attrName>style.visibility</p:attrName>
+                                        </p:attrNameLst>
+                                      </p:cBhvr>
+                                      <p:to>
+                                        <p:strVal val="visible"/>
+                                      </p:to>
+                                    </p:set>
+                                    <p:anim calcmode="lin" valueType="num">
+                                      <p:cBhvr additive="base">
+                                        <p:cTn id="11" dur="500" fill="hold"/>
+                                        <p:tgtEl>
+                                          <p:spTgt spid="13"/>
+                                        </p:tgtEl>
+                                        <p:attrNameLst>
+                                          <p:attrName>ppt_x</p:attrName>
+                                        </p:attrNameLst>
+                                      </p:cBhvr>
+                                      <p:tavLst>
+                                        <p:tav tm="0">
+                                          <p:val>
+                                            <p:strVal val="#ppt_x"/>
+                                          </p:val>
+                                        </p:tav>
+                                        <p:tav tm="100000">
+                                          <p:val>
+                                            <p:strVal val="#ppt_x"/>
+                                          </p:val>
+                                        </p:tav>
+                                      </p:tavLst>
+                                    </p:anim>
+                                    <p:anim calcmode="lin" valueType="num">
+                                      <p:cBhvr additive="base">
+                                        <p:cTn id="12" dur="500" fill="hold"/>
+                                        <p:tgtEl>
+                                          <p:spTgt spid="13"/>
+                                        </p:tgtEl>
+                                        <p:attrNameLst>
+                                          <p:attrName>ppt_y</p:attrName>
+                                        </p:attrNameLst>
+                                      </p:cBhvr>
+                                      <p:tavLst>
+                                        <p:tav tm="0">
+                                          <p:val>
+                                            <p:strVal val="1+#ppt_h/2"/>
+                                          </p:val>
+                                        </p:tav>
+                                        <p:tav tm="100000">
+                                          <p:val>
+                                            <p:strVal val="#ppt_y"/>
+                                          </p:val>
+                                        </p:tav>
+                                      </p:tavLst>
+                                    </p:anim>
+                                  </p:childTnLst>
+                                </p:cTn>
+                              </p:par>
+                            </p:childTnLst>
+                          </p:cTn>
+                        </p:par>
+                      </p:childTnLst>
+                    </p:cTn>
+                  </p:par>
+                </p:childTnLst>
+              </p:cTn>
+              <p:prevCondLst>
+                <p:cond evt="onPrev" delay="0">
+                  <p:tgtEl>
+                    <p:sldTgt/>
+                  </p:tgtEl>
+                </p:cond>
+              </p:prevCondLst>
+              <p:nextCondLst>
+                <p:cond evt="onNext" delay="0">
+                  <p:tgtEl>
+                    <p:sldTgt/>
+                  </p:tgtEl>
+                </p:cond>
+              </p:nextCondLst>
+            </p:seq>
+          </p:childTnLst>
+        </p:cTn>
+      </p:par>
+    </p:tnLst>
+    <p:bldLst>
+      <p:bldP spid="13" grpId="0" animBg="1"/>
+    </p:bldLst>
+  </p:timing>
+</p:sld>
+</file>
+
+<file path=ppt/slides/slide52.xml><?xml version="1.0" encoding="utf-8"?>
+<p:sld xmlns:a="http://schemas.openxmlformats.org/drawingml/2006/main" xmlns:r="http://schemas.openxmlformats.org/officeDocument/2006/relationships" xmlns:p="http://schemas.openxmlformats.org/presentationml/2006/main">
+  <p:cSld>
     <p:bg>
       <p:bgPr>
         <a:solidFill>
@@ -25790,8 +26974,13 @@
             <a:pPr algn="l"/>
             <a:r>
               <a:rPr lang="en-US" dirty="0"/>
-              <a:t>Week: 7</a:t>
-            </a:r>
+              <a:t>Week</a:t>
+            </a:r>
+            <a:r>
+              <a:rPr lang="en-US"/>
+              <a:t>: 8</a:t>
+            </a:r>
+            <a:endParaRPr lang="en-US" dirty="0"/>
           </a:p>
           <a:p>
             <a:pPr algn="l"/>
@@ -26911,6 +28100,12 @@
 </file>
 
 <file path=customXml/item1.xml><?xml version="1.0" encoding="utf-8"?>
+<p:properties xmlns:p="http://schemas.microsoft.com/office/2006/metadata/properties" xmlns:xsi="http://www.w3.org/2001/XMLSchema-instance" xmlns:pc="http://schemas.microsoft.com/office/infopath/2007/PartnerControls">
+  <documentManagement/>
+</p:properties>
+</file>
+
+<file path=customXml/item2.xml><?xml version="1.0" encoding="utf-8"?>
 <ct:contentTypeSchema xmlns:ct="http://schemas.microsoft.com/office/2006/metadata/contentType" xmlns:ma="http://schemas.microsoft.com/office/2006/metadata/properties/metaAttributes" ct:_="" ma:_="" ma:contentTypeName="Document" ma:contentTypeID="0x0101004E7FF26E314236448B954F3A97640002" ma:contentTypeVersion="0" ma:contentTypeDescription="Create a new document." ma:contentTypeScope="" ma:versionID="dcd134f7ef3b1aa8a267b1d1a9f0b332">
   <xsd:schema xmlns:xsd="http://www.w3.org/2001/XMLSchema" xmlns:xs="http://www.w3.org/2001/XMLSchema" xmlns:p="http://schemas.microsoft.com/office/2006/metadata/properties" targetNamespace="http://schemas.microsoft.com/office/2006/metadata/properties" ma:root="true" ma:fieldsID="fad425956ca267ea5e6d723b3f3bd6f1">
     <xsd:element name="properties">
@@ -27024,12 +28219,6 @@
 </ct:contentTypeSchema>
 </file>
 
-<file path=customXml/item2.xml><?xml version="1.0" encoding="utf-8"?>
-<p:properties xmlns:p="http://schemas.microsoft.com/office/2006/metadata/properties" xmlns:xsi="http://www.w3.org/2001/XMLSchema-instance" xmlns:pc="http://schemas.microsoft.com/office/infopath/2007/PartnerControls">
-  <documentManagement/>
-</p:properties>
-</file>
-
 <file path=customXml/item3.xml><?xml version="1.0" encoding="utf-8"?>
 <?mso-contentType ?>
 <FormTemplates xmlns="http://schemas.microsoft.com/sharepoint/v3/contenttype/forms">
@@ -27040,6 +28229,21 @@
 </file>
 
 <file path=customXml/itemProps1.xml><?xml version="1.0" encoding="utf-8"?>
+<ds:datastoreItem xmlns:ds="http://schemas.openxmlformats.org/officeDocument/2006/customXml" ds:itemID="{3473EA1A-2744-48E8-B2A3-4F89C0FC849C}">
+  <ds:schemaRefs>
+    <ds:schemaRef ds:uri="http://purl.org/dc/terms/"/>
+    <ds:schemaRef ds:uri="http://schemas.openxmlformats.org/package/2006/metadata/core-properties"/>
+    <ds:schemaRef ds:uri="http://purl.org/dc/dcmitype/"/>
+    <ds:schemaRef ds:uri="http://schemas.microsoft.com/office/2006/documentManagement/types"/>
+    <ds:schemaRef ds:uri="http://purl.org/dc/elements/1.1/"/>
+    <ds:schemaRef ds:uri="http://schemas.microsoft.com/office/2006/metadata/properties"/>
+    <ds:schemaRef ds:uri="http://schemas.microsoft.com/office/infopath/2007/PartnerControls"/>
+    <ds:schemaRef ds:uri="http://www.w3.org/XML/1998/namespace"/>
+  </ds:schemaRefs>
+</ds:datastoreItem>
+</file>
+
+<file path=customXml/itemProps2.xml><?xml version="1.0" encoding="utf-8"?>
 <ds:datastoreItem xmlns:ds="http://schemas.openxmlformats.org/officeDocument/2006/customXml" ds:itemID="{A906A71E-D2C6-4CAA-8E79-10C504BC5F58}">
   <ds:schemaRefs>
     <ds:schemaRef ds:uri="http://schemas.microsoft.com/office/2006/metadata/contentType"/>
@@ -27055,21 +28259,6 @@
 </ds:datastoreItem>
 </file>
 
-<file path=customXml/itemProps2.xml><?xml version="1.0" encoding="utf-8"?>
-<ds:datastoreItem xmlns:ds="http://schemas.openxmlformats.org/officeDocument/2006/customXml" ds:itemID="{3473EA1A-2744-48E8-B2A3-4F89C0FC849C}">
-  <ds:schemaRefs>
-    <ds:schemaRef ds:uri="http://purl.org/dc/terms/"/>
-    <ds:schemaRef ds:uri="http://schemas.openxmlformats.org/package/2006/metadata/core-properties"/>
-    <ds:schemaRef ds:uri="http://schemas.microsoft.com/office/2006/documentManagement/types"/>
-    <ds:schemaRef ds:uri="http://schemas.microsoft.com/office/infopath/2007/PartnerControls"/>
-    <ds:schemaRef ds:uri="http://purl.org/dc/elements/1.1/"/>
-    <ds:schemaRef ds:uri="http://schemas.microsoft.com/office/2006/metadata/properties"/>
-    <ds:schemaRef ds:uri="http://www.w3.org/XML/1998/namespace"/>
-    <ds:schemaRef ds:uri="http://purl.org/dc/dcmitype/"/>
-  </ds:schemaRefs>
-</ds:datastoreItem>
-</file>
-
 <file path=customXml/itemProps3.xml><?xml version="1.0" encoding="utf-8"?>
 <ds:datastoreItem xmlns:ds="http://schemas.openxmlformats.org/officeDocument/2006/customXml" ds:itemID="{87FD8B20-B89A-4B23-9329-175195DD4D8A}">
   <ds:schemaRefs>
